--- a/files/presentation/Final_Demo.pptx
+++ b/files/presentation/Final_Demo.pptx
@@ -1,27 +1,27 @@
 
 <file path=ppt/presentation.xml><?xml version="1.0" encoding="utf-8"?>
-<p:presentation xmlns:a="http://schemas.openxmlformats.org/drawingml/2006/main" xmlns:r="http://schemas.openxmlformats.org/officeDocument/2006/relationships" xmlns:mc="http://schemas.openxmlformats.org/markup-compatibility/2006" xmlns:mv="urn:schemas-microsoft-com:mac:vml" xmlns:p="http://schemas.openxmlformats.org/presentationml/2006/main" xmlns:c="http://schemas.openxmlformats.org/drawingml/2006/chart" xmlns:dgm="http://schemas.openxmlformats.org/drawingml/2006/diagram" xmlns:o="urn:schemas-microsoft-com:office:office" xmlns:v="urn:schemas-microsoft-com:vml" xmlns:pvml="urn:schemas-microsoft-com:office:powerpoint" xmlns:com="http://schemas.openxmlformats.org/drawingml/2006/compatibility" xmlns:p14="http://schemas.microsoft.com/office/powerpoint/2010/main" saveSubsetFonts="1" autoCompressPictures="0" strictFirstAndLastChars="0">
+<p:presentation xmlns:a="http://schemas.openxmlformats.org/drawingml/2006/main" xmlns:r="http://schemas.openxmlformats.org/officeDocument/2006/relationships" xmlns:p="http://schemas.openxmlformats.org/presentationml/2006/main" strictFirstAndLastChars="0" saveSubsetFonts="1" autoCompressPictures="0">
   <p:sldMasterIdLst>
-    <p:sldMasterId id="2147483654" r:id="rId4"/>
+    <p:sldMasterId id="2147483654" r:id="rId1"/>
   </p:sldMasterIdLst>
   <p:notesMasterIdLst>
-    <p:notesMasterId r:id="rId5"/>
+    <p:notesMasterId r:id="rId11"/>
   </p:notesMasterIdLst>
   <p:sldIdLst>
-    <p:sldId id="256" r:id="rId6"/>
-    <p:sldId id="257" r:id="rId7"/>
-    <p:sldId id="258" r:id="rId8"/>
-    <p:sldId id="259" r:id="rId9"/>
-    <p:sldId id="260" r:id="rId10"/>
-    <p:sldId id="261" r:id="rId11"/>
-    <p:sldId id="262" r:id="rId12"/>
-    <p:sldId id="263" r:id="rId13"/>
-    <p:sldId id="264" r:id="rId14"/>
+    <p:sldId id="256" r:id="rId2"/>
+    <p:sldId id="257" r:id="rId3"/>
+    <p:sldId id="258" r:id="rId4"/>
+    <p:sldId id="259" r:id="rId5"/>
+    <p:sldId id="260" r:id="rId6"/>
+    <p:sldId id="261" r:id="rId7"/>
+    <p:sldId id="262" r:id="rId8"/>
+    <p:sldId id="263" r:id="rId9"/>
+    <p:sldId id="264" r:id="rId10"/>
   </p:sldIdLst>
-  <p:sldSz cy="5143500" cx="9144000"/>
-  <p:notesSz cy="9144000" cx="6858000"/>
+  <p:sldSz cx="9144000" cy="5143500" type="screen16x9"/>
+  <p:notesSz cx="6858000" cy="9144000"/>
   <p:defaultTextStyle>
-    <a:defPPr algn="l" rtl="0" marR="0">
+    <a:defPPr marR="0" algn="l" rtl="0">
       <a:lnSpc>
         <a:spcPct val="100000"/>
       </a:lnSpc>
@@ -32,7 +32,7 @@
         <a:spcPts val="0"/>
       </a:spcAft>
     </a:defPPr>
-    <a:lvl1pPr algn="l" rtl="0" marR="0">
+    <a:lvl1pPr marR="0" algn="l" rtl="0">
       <a:lnSpc>
         <a:spcPct val="100000"/>
       </a:lnSpc>
@@ -43,7 +43,7 @@
         <a:spcPts val="0"/>
       </a:spcAft>
       <a:buNone/>
-      <a:defRPr strike="noStrike" u="none" b="0" cap="none" baseline="0" sz="1400" i="0">
+      <a:defRPr sz="1400" b="0" i="0" u="none" strike="noStrike" cap="none" baseline="0">
         <a:solidFill>
           <a:srgbClr val="000000"/>
         </a:solidFill>
@@ -54,7 +54,7 @@
         <a:rtl val="0"/>
       </a:defRPr>
     </a:lvl1pPr>
-    <a:lvl2pPr algn="l" rtl="0" marR="0">
+    <a:lvl2pPr marR="0" algn="l" rtl="0">
       <a:lnSpc>
         <a:spcPct val="100000"/>
       </a:lnSpc>
@@ -65,7 +65,7 @@
         <a:spcPts val="0"/>
       </a:spcAft>
       <a:buNone/>
-      <a:defRPr strike="noStrike" u="none" b="0" cap="none" baseline="0" sz="1400" i="0">
+      <a:defRPr sz="1400" b="0" i="0" u="none" strike="noStrike" cap="none" baseline="0">
         <a:solidFill>
           <a:srgbClr val="000000"/>
         </a:solidFill>
@@ -76,7 +76,7 @@
         <a:rtl val="0"/>
       </a:defRPr>
     </a:lvl2pPr>
-    <a:lvl3pPr algn="l" rtl="0" marR="0">
+    <a:lvl3pPr marR="0" algn="l" rtl="0">
       <a:lnSpc>
         <a:spcPct val="100000"/>
       </a:lnSpc>
@@ -87,7 +87,7 @@
         <a:spcPts val="0"/>
       </a:spcAft>
       <a:buNone/>
-      <a:defRPr strike="noStrike" u="none" b="0" cap="none" baseline="0" sz="1400" i="0">
+      <a:defRPr sz="1400" b="0" i="0" u="none" strike="noStrike" cap="none" baseline="0">
         <a:solidFill>
           <a:srgbClr val="000000"/>
         </a:solidFill>
@@ -98,7 +98,7 @@
         <a:rtl val="0"/>
       </a:defRPr>
     </a:lvl3pPr>
-    <a:lvl4pPr algn="l" rtl="0" marR="0">
+    <a:lvl4pPr marR="0" algn="l" rtl="0">
       <a:lnSpc>
         <a:spcPct val="100000"/>
       </a:lnSpc>
@@ -109,7 +109,7 @@
         <a:spcPts val="0"/>
       </a:spcAft>
       <a:buNone/>
-      <a:defRPr strike="noStrike" u="none" b="0" cap="none" baseline="0" sz="1400" i="0">
+      <a:defRPr sz="1400" b="0" i="0" u="none" strike="noStrike" cap="none" baseline="0">
         <a:solidFill>
           <a:srgbClr val="000000"/>
         </a:solidFill>
@@ -120,7 +120,7 @@
         <a:rtl val="0"/>
       </a:defRPr>
     </a:lvl4pPr>
-    <a:lvl5pPr algn="l" rtl="0" marR="0">
+    <a:lvl5pPr marR="0" algn="l" rtl="0">
       <a:lnSpc>
         <a:spcPct val="100000"/>
       </a:lnSpc>
@@ -131,7 +131,7 @@
         <a:spcPts val="0"/>
       </a:spcAft>
       <a:buNone/>
-      <a:defRPr strike="noStrike" u="none" b="0" cap="none" baseline="0" sz="1400" i="0">
+      <a:defRPr sz="1400" b="0" i="0" u="none" strike="noStrike" cap="none" baseline="0">
         <a:solidFill>
           <a:srgbClr val="000000"/>
         </a:solidFill>
@@ -142,7 +142,7 @@
         <a:rtl val="0"/>
       </a:defRPr>
     </a:lvl5pPr>
-    <a:lvl6pPr algn="l" rtl="0" marR="0">
+    <a:lvl6pPr marR="0" algn="l" rtl="0">
       <a:lnSpc>
         <a:spcPct val="100000"/>
       </a:lnSpc>
@@ -153,7 +153,7 @@
         <a:spcPts val="0"/>
       </a:spcAft>
       <a:buNone/>
-      <a:defRPr strike="noStrike" u="none" b="0" cap="none" baseline="0" sz="1400" i="0">
+      <a:defRPr sz="1400" b="0" i="0" u="none" strike="noStrike" cap="none" baseline="0">
         <a:solidFill>
           <a:srgbClr val="000000"/>
         </a:solidFill>
@@ -164,7 +164,7 @@
         <a:rtl val="0"/>
       </a:defRPr>
     </a:lvl6pPr>
-    <a:lvl7pPr algn="l" rtl="0" marR="0">
+    <a:lvl7pPr marR="0" algn="l" rtl="0">
       <a:lnSpc>
         <a:spcPct val="100000"/>
       </a:lnSpc>
@@ -175,7 +175,7 @@
         <a:spcPts val="0"/>
       </a:spcAft>
       <a:buNone/>
-      <a:defRPr strike="noStrike" u="none" b="0" cap="none" baseline="0" sz="1400" i="0">
+      <a:defRPr sz="1400" b="0" i="0" u="none" strike="noStrike" cap="none" baseline="0">
         <a:solidFill>
           <a:srgbClr val="000000"/>
         </a:solidFill>
@@ -186,7 +186,7 @@
         <a:rtl val="0"/>
       </a:defRPr>
     </a:lvl7pPr>
-    <a:lvl8pPr algn="l" rtl="0" marR="0">
+    <a:lvl8pPr marR="0" algn="l" rtl="0">
       <a:lnSpc>
         <a:spcPct val="100000"/>
       </a:lnSpc>
@@ -197,7 +197,7 @@
         <a:spcPts val="0"/>
       </a:spcAft>
       <a:buNone/>
-      <a:defRPr strike="noStrike" u="none" b="0" cap="none" baseline="0" sz="1400" i="0">
+      <a:defRPr sz="1400" b="0" i="0" u="none" strike="noStrike" cap="none" baseline="0">
         <a:solidFill>
           <a:srgbClr val="000000"/>
         </a:solidFill>
@@ -208,7 +208,7 @@
         <a:rtl val="0"/>
       </a:defRPr>
     </a:lvl8pPr>
-    <a:lvl9pPr algn="l" rtl="0" marR="0">
+    <a:lvl9pPr marR="0" algn="l" rtl="0">
       <a:lnSpc>
         <a:spcPct val="100000"/>
       </a:lnSpc>
@@ -219,7 +219,7 @@
         <a:spcPts val="0"/>
       </a:spcAft>
       <a:buNone/>
-      <a:defRPr strike="noStrike" u="none" b="0" cap="none" baseline="0" sz="1400" i="0">
+      <a:defRPr sz="1400" b="0" i="0" u="none" strike="noStrike" cap="none" baseline="0">
         <a:solidFill>
           <a:srgbClr val="000000"/>
         </a:solidFill>
@@ -235,8 +235,13 @@
 </file>
 
 <file path=ppt/notesMasters/notesMaster1.xml><?xml version="1.0" encoding="utf-8"?>
-<p:notesMaster xmlns:a="http://schemas.openxmlformats.org/drawingml/2006/main" xmlns:r="http://schemas.openxmlformats.org/officeDocument/2006/relationships" xmlns:mc="http://schemas.openxmlformats.org/markup-compatibility/2006" xmlns:mv="urn:schemas-microsoft-com:mac:vml" xmlns:p="http://schemas.openxmlformats.org/presentationml/2006/main" xmlns:c="http://schemas.openxmlformats.org/drawingml/2006/chart" xmlns:dgm="http://schemas.openxmlformats.org/drawingml/2006/diagram" xmlns:o="urn:schemas-microsoft-com:office:office" xmlns:v="urn:schemas-microsoft-com:vml" xmlns:pvml="urn:schemas-microsoft-com:office:powerpoint" xmlns:com="http://schemas.openxmlformats.org/drawingml/2006/compatibility" xmlns:p14="http://schemas.microsoft.com/office/powerpoint/2010/main">
+<p:notesMaster xmlns:a="http://schemas.openxmlformats.org/drawingml/2006/main" xmlns:r="http://schemas.openxmlformats.org/officeDocument/2006/relationships" xmlns:p="http://schemas.openxmlformats.org/presentationml/2006/main">
   <p:cSld>
+    <p:bg>
+      <p:bgRef idx="1001">
+        <a:schemeClr val="bg1"/>
+      </p:bgRef>
+    </p:bg>
     <p:spTree>
       <p:nvGrpSpPr>
         <p:cNvPr id="1" name="Shape 1"/>
@@ -245,39 +250,46 @@
       </p:nvGrpSpPr>
       <p:grpSpPr>
         <a:xfrm>
-          <a:off y="0" x="0"/>
-          <a:ext cy="0" cx="0"/>
-          <a:chOff y="0" x="0"/>
-          <a:chExt cy="0" cx="0"/>
+          <a:off x="0" y="0"/>
+          <a:ext cx="0" cy="0"/>
+          <a:chOff x="0" y="0"/>
+          <a:chExt cx="0" cy="0"/>
         </a:xfrm>
       </p:grpSpPr>
       <p:sp>
         <p:nvSpPr>
           <p:cNvPr id="2" name="Shape 2"/>
-          <p:cNvSpPr/>
+          <p:cNvSpPr>
+            <a:spLocks noGrp="1" noRot="1" noChangeAspect="1"/>
+          </p:cNvSpPr>
           <p:nvPr>
-            <p:ph idx="2" type="sldImg"/>
+            <p:ph type="sldImg" idx="2"/>
           </p:nvPr>
         </p:nvSpPr>
         <p:spPr>
           <a:xfrm>
-            <a:off y="685800" x="381187"/>
-            <a:ext cy="3429000" cx="6096299"/>
+            <a:off x="381187" y="685800"/>
+            <a:ext cx="6096299" cy="3429000"/>
           </a:xfrm>
           <a:custGeom>
+            <a:avLst/>
+            <a:gdLst/>
+            <a:ahLst/>
+            <a:cxnLst/>
+            <a:rect l="0" t="0" r="0" b="0"/>
             <a:pathLst>
-              <a:path w="120000" extrusionOk="0" h="120000">
+              <a:path w="120000" h="120000" extrusionOk="0">
                 <a:moveTo>
-                  <a:pt y="0" x="0"/>
+                  <a:pt x="0" y="0"/>
                 </a:moveTo>
                 <a:lnTo>
-                  <a:pt y="0" x="120000"/>
+                  <a:pt x="120000" y="0"/>
                 </a:lnTo>
                 <a:lnTo>
-                  <a:pt y="120000" x="120000"/>
+                  <a:pt x="120000" y="120000"/>
                 </a:lnTo>
                 <a:lnTo>
-                  <a:pt y="120000" x="0"/>
+                  <a:pt x="0" y="120000"/>
                 </a:lnTo>
                 <a:close/>
               </a:path>
@@ -290,23 +302,25 @@
             </a:solidFill>
             <a:prstDash val="solid"/>
             <a:round/>
-            <a:headEnd w="med" len="med" type="none"/>
-            <a:tailEnd w="med" len="med" type="none"/>
+            <a:headEnd type="none" w="med" len="med"/>
+            <a:tailEnd type="none" w="med" len="med"/>
           </a:ln>
         </p:spPr>
       </p:sp>
       <p:sp>
         <p:nvSpPr>
           <p:cNvPr id="3" name="Shape 3"/>
-          <p:cNvSpPr txBox="1"/>
+          <p:cNvSpPr txBox="1">
+            <a:spLocks noGrp="1"/>
+          </p:cNvSpPr>
           <p:nvPr>
-            <p:ph idx="1" type="body"/>
+            <p:ph type="body" idx="1"/>
           </p:nvPr>
         </p:nvSpPr>
         <p:spPr>
           <a:xfrm>
-            <a:off y="4343400" x="685800"/>
-            <a:ext cy="4114800" cx="5486399"/>
+            <a:off x="685800" y="4343400"/>
+            <a:ext cx="5486399" cy="4114800"/>
           </a:xfrm>
           <a:prstGeom prst="rect">
             <a:avLst/>
@@ -317,7 +331,7 @@
           </a:ln>
         </p:spPr>
         <p:txBody>
-          <a:bodyPr bIns="91425" rIns="91425" lIns="91425" tIns="91425" anchor="t" anchorCtr="0"/>
+          <a:bodyPr lIns="91425" tIns="91425" rIns="91425" bIns="91425" anchor="t" anchorCtr="0"/>
           <a:lstStyle>
             <a:lvl1pPr>
               <a:spcBef>
@@ -374,59 +388,165 @@
               <a:defRPr sz="1100"/>
             </a:lvl9pPr>
           </a:lstStyle>
-          <a:p/>
+          <a:p>
+            <a:endParaRPr/>
+          </a:p>
         </p:txBody>
       </p:sp>
     </p:spTree>
+    <p:extLst>
+      <p:ext uri="{BB962C8B-B14F-4D97-AF65-F5344CB8AC3E}">
+        <p14:creationId xmlns:p14="http://schemas.microsoft.com/office/powerpoint/2010/main" val="1857490296"/>
+      </p:ext>
+    </p:extLst>
   </p:cSld>
-  <p:clrMap accent2="accent2" accent3="accent3" accent4="accent4" accent5="accent5" accent6="accent6" hlink="hlink" tx2="lt2" tx1="dk1" bg2="dk2" bg1="lt1" folHlink="folHlink" accent1="accent1"/>
+  <p:clrMap bg1="lt1" tx1="dk1" bg2="dk2" tx2="lt2" accent1="accent1" accent2="accent2" accent3="accent3" accent4="accent4" accent5="accent5" accent6="accent6" hlink="hlink" folHlink="folHlink"/>
+  <p:notesStyle>
+    <a:lvl1pPr marL="0" algn="l" defTabSz="914400" rtl="0" eaLnBrk="1" latinLnBrk="0" hangingPunct="1">
+      <a:defRPr sz="1200" kern="1200">
+        <a:solidFill>
+          <a:schemeClr val="tx1"/>
+        </a:solidFill>
+        <a:latin typeface="+mn-lt"/>
+        <a:ea typeface="+mn-ea"/>
+        <a:cs typeface="+mn-cs"/>
+      </a:defRPr>
+    </a:lvl1pPr>
+    <a:lvl2pPr marL="457200" algn="l" defTabSz="914400" rtl="0" eaLnBrk="1" latinLnBrk="0" hangingPunct="1">
+      <a:defRPr sz="1200" kern="1200">
+        <a:solidFill>
+          <a:schemeClr val="tx1"/>
+        </a:solidFill>
+        <a:latin typeface="+mn-lt"/>
+        <a:ea typeface="+mn-ea"/>
+        <a:cs typeface="+mn-cs"/>
+      </a:defRPr>
+    </a:lvl2pPr>
+    <a:lvl3pPr marL="914400" algn="l" defTabSz="914400" rtl="0" eaLnBrk="1" latinLnBrk="0" hangingPunct="1">
+      <a:defRPr sz="1200" kern="1200">
+        <a:solidFill>
+          <a:schemeClr val="tx1"/>
+        </a:solidFill>
+        <a:latin typeface="+mn-lt"/>
+        <a:ea typeface="+mn-ea"/>
+        <a:cs typeface="+mn-cs"/>
+      </a:defRPr>
+    </a:lvl3pPr>
+    <a:lvl4pPr marL="1371600" algn="l" defTabSz="914400" rtl="0" eaLnBrk="1" latinLnBrk="0" hangingPunct="1">
+      <a:defRPr sz="1200" kern="1200">
+        <a:solidFill>
+          <a:schemeClr val="tx1"/>
+        </a:solidFill>
+        <a:latin typeface="+mn-lt"/>
+        <a:ea typeface="+mn-ea"/>
+        <a:cs typeface="+mn-cs"/>
+      </a:defRPr>
+    </a:lvl4pPr>
+    <a:lvl5pPr marL="1828800" algn="l" defTabSz="914400" rtl="0" eaLnBrk="1" latinLnBrk="0" hangingPunct="1">
+      <a:defRPr sz="1200" kern="1200">
+        <a:solidFill>
+          <a:schemeClr val="tx1"/>
+        </a:solidFill>
+        <a:latin typeface="+mn-lt"/>
+        <a:ea typeface="+mn-ea"/>
+        <a:cs typeface="+mn-cs"/>
+      </a:defRPr>
+    </a:lvl5pPr>
+    <a:lvl6pPr marL="2286000" algn="l" defTabSz="914400" rtl="0" eaLnBrk="1" latinLnBrk="0" hangingPunct="1">
+      <a:defRPr sz="1200" kern="1200">
+        <a:solidFill>
+          <a:schemeClr val="tx1"/>
+        </a:solidFill>
+        <a:latin typeface="+mn-lt"/>
+        <a:ea typeface="+mn-ea"/>
+        <a:cs typeface="+mn-cs"/>
+      </a:defRPr>
+    </a:lvl6pPr>
+    <a:lvl7pPr marL="2743200" algn="l" defTabSz="914400" rtl="0" eaLnBrk="1" latinLnBrk="0" hangingPunct="1">
+      <a:defRPr sz="1200" kern="1200">
+        <a:solidFill>
+          <a:schemeClr val="tx1"/>
+        </a:solidFill>
+        <a:latin typeface="+mn-lt"/>
+        <a:ea typeface="+mn-ea"/>
+        <a:cs typeface="+mn-cs"/>
+      </a:defRPr>
+    </a:lvl7pPr>
+    <a:lvl8pPr marL="3200400" algn="l" defTabSz="914400" rtl="0" eaLnBrk="1" latinLnBrk="0" hangingPunct="1">
+      <a:defRPr sz="1200" kern="1200">
+        <a:solidFill>
+          <a:schemeClr val="tx1"/>
+        </a:solidFill>
+        <a:latin typeface="+mn-lt"/>
+        <a:ea typeface="+mn-ea"/>
+        <a:cs typeface="+mn-cs"/>
+      </a:defRPr>
+    </a:lvl8pPr>
+    <a:lvl9pPr marL="3657600" algn="l" defTabSz="914400" rtl="0" eaLnBrk="1" latinLnBrk="0" hangingPunct="1">
+      <a:defRPr sz="1200" kern="1200">
+        <a:solidFill>
+          <a:schemeClr val="tx1"/>
+        </a:solidFill>
+        <a:latin typeface="+mn-lt"/>
+        <a:ea typeface="+mn-ea"/>
+        <a:cs typeface="+mn-cs"/>
+      </a:defRPr>
+    </a:lvl9pPr>
+  </p:notesStyle>
 </p:notesMaster>
 </file>
 
 <file path=ppt/notesSlides/notesSlide1.xml><?xml version="1.0" encoding="utf-8"?>
-<p:notes xmlns:a="http://schemas.openxmlformats.org/drawingml/2006/main" xmlns:r="http://schemas.openxmlformats.org/officeDocument/2006/relationships" xmlns:mc="http://schemas.openxmlformats.org/markup-compatibility/2006" xmlns:mv="urn:schemas-microsoft-com:mac:vml" xmlns:p="http://schemas.openxmlformats.org/presentationml/2006/main" xmlns:c="http://schemas.openxmlformats.org/drawingml/2006/chart" xmlns:dgm="http://schemas.openxmlformats.org/drawingml/2006/diagram" xmlns:o="urn:schemas-microsoft-com:office:office" xmlns:v="urn:schemas-microsoft-com:vml" xmlns:pvml="urn:schemas-microsoft-com:office:powerpoint" xmlns:com="http://schemas.openxmlformats.org/drawingml/2006/compatibility" xmlns:p14="http://schemas.microsoft.com/office/powerpoint/2010/main" showMasterSp="0" showMasterPhAnim="0">
+<p:notes xmlns:a="http://schemas.openxmlformats.org/drawingml/2006/main" xmlns:r="http://schemas.openxmlformats.org/officeDocument/2006/relationships" xmlns:p="http://schemas.openxmlformats.org/presentationml/2006/main" showMasterSp="0" showMasterPhAnim="0">
   <p:cSld>
     <p:spTree>
       <p:nvGrpSpPr>
-        <p:cNvPr id="44" name="Shape 44"/>
+        <p:cNvPr id="1" name="Shape 44"/>
         <p:cNvGrpSpPr/>
         <p:nvPr/>
       </p:nvGrpSpPr>
       <p:grpSpPr>
         <a:xfrm>
-          <a:off y="0" x="0"/>
-          <a:ext cy="0" cx="0"/>
-          <a:chOff y="0" x="0"/>
-          <a:chExt cy="0" cx="0"/>
+          <a:off x="0" y="0"/>
+          <a:ext cx="0" cy="0"/>
+          <a:chOff x="0" y="0"/>
+          <a:chExt cx="0" cy="0"/>
         </a:xfrm>
       </p:grpSpPr>
       <p:sp>
         <p:nvSpPr>
           <p:cNvPr id="45" name="Shape 45"/>
-          <p:cNvSpPr/>
+          <p:cNvSpPr>
+            <a:spLocks noGrp="1" noRot="1" noChangeAspect="1"/>
+          </p:cNvSpPr>
           <p:nvPr>
-            <p:ph idx="2" type="sldImg"/>
+            <p:ph type="sldImg" idx="2"/>
           </p:nvPr>
         </p:nvSpPr>
         <p:spPr>
           <a:xfrm>
-            <a:off y="685800" x="381187"/>
-            <a:ext cy="3429000" cx="6096299"/>
+            <a:off x="381187" y="685800"/>
+            <a:ext cx="6096299" cy="3429000"/>
           </a:xfrm>
           <a:custGeom>
+            <a:avLst/>
+            <a:gdLst/>
+            <a:ahLst/>
+            <a:cxnLst/>
+            <a:rect l="0" t="0" r="0" b="0"/>
             <a:pathLst>
-              <a:path w="120000" extrusionOk="0" h="120000">
+              <a:path w="120000" h="120000" extrusionOk="0">
                 <a:moveTo>
-                  <a:pt y="0" x="0"/>
+                  <a:pt x="0" y="0"/>
                 </a:moveTo>
                 <a:lnTo>
-                  <a:pt y="0" x="120000"/>
+                  <a:pt x="120000" y="0"/>
                 </a:lnTo>
                 <a:lnTo>
-                  <a:pt y="120000" x="120000"/>
+                  <a:pt x="120000" y="120000"/>
                 </a:lnTo>
                 <a:lnTo>
-                  <a:pt y="120000" x="0"/>
+                  <a:pt x="0" y="120000"/>
                 </a:lnTo>
                 <a:close/>
               </a:path>
@@ -439,30 +559,32 @@
             </a:solidFill>
             <a:prstDash val="solid"/>
             <a:round/>
-            <a:headEnd w="med" len="med" type="none"/>
-            <a:tailEnd w="med" len="med" type="none"/>
+            <a:headEnd type="none" w="med" len="med"/>
+            <a:tailEnd type="none" w="med" len="med"/>
           </a:ln>
         </p:spPr>
       </p:sp>
       <p:sp>
         <p:nvSpPr>
           <p:cNvPr id="46" name="Shape 46"/>
-          <p:cNvSpPr txBox="1"/>
+          <p:cNvSpPr txBox="1">
+            <a:spLocks noGrp="1"/>
+          </p:cNvSpPr>
           <p:nvPr>
-            <p:ph idx="1" type="body"/>
+            <p:ph type="body" idx="1"/>
           </p:nvPr>
         </p:nvSpPr>
         <p:spPr>
           <a:xfrm>
-            <a:off y="4343400" x="685800"/>
-            <a:ext cy="4114800" cx="5486399"/>
+            <a:off x="685800" y="4343400"/>
+            <a:ext cx="5486399" cy="4114800"/>
           </a:xfrm>
           <a:prstGeom prst="rect">
             <a:avLst/>
           </a:prstGeom>
         </p:spPr>
         <p:txBody>
-          <a:bodyPr bIns="91425" rIns="91425" lIns="91425" tIns="91425" anchor="t" anchorCtr="0">
+          <a:bodyPr lIns="91425" tIns="91425" rIns="91425" bIns="91425" anchor="t" anchorCtr="0">
             <a:noAutofit/>
           </a:bodyPr>
           <a:lstStyle/>
@@ -473,14 +595,16 @@
               </a:spcBef>
               <a:buNone/>
             </a:pPr>
-            <a:r>
-              <a:t/>
-            </a:r>
             <a:endParaRPr/>
           </a:p>
         </p:txBody>
       </p:sp>
     </p:spTree>
+    <p:extLst>
+      <p:ext uri="{BB962C8B-B14F-4D97-AF65-F5344CB8AC3E}">
+        <p14:creationId xmlns:p14="http://schemas.microsoft.com/office/powerpoint/2010/main" val="131425996"/>
+      </p:ext>
+    </p:extLst>
   </p:cSld>
   <p:clrMapOvr>
     <a:masterClrMapping/>
@@ -489,49 +613,56 @@
 </file>
 
 <file path=ppt/notesSlides/notesSlide2.xml><?xml version="1.0" encoding="utf-8"?>
-<p:notes xmlns:a="http://schemas.openxmlformats.org/drawingml/2006/main" xmlns:r="http://schemas.openxmlformats.org/officeDocument/2006/relationships" xmlns:mc="http://schemas.openxmlformats.org/markup-compatibility/2006" xmlns:mv="urn:schemas-microsoft-com:mac:vml" xmlns:p="http://schemas.openxmlformats.org/presentationml/2006/main" xmlns:c="http://schemas.openxmlformats.org/drawingml/2006/chart" xmlns:dgm="http://schemas.openxmlformats.org/drawingml/2006/diagram" xmlns:o="urn:schemas-microsoft-com:office:office" xmlns:v="urn:schemas-microsoft-com:vml" xmlns:pvml="urn:schemas-microsoft-com:office:powerpoint" xmlns:com="http://schemas.openxmlformats.org/drawingml/2006/compatibility" xmlns:p14="http://schemas.microsoft.com/office/powerpoint/2010/main" showMasterSp="0" showMasterPhAnim="0">
+<p:notes xmlns:a="http://schemas.openxmlformats.org/drawingml/2006/main" xmlns:r="http://schemas.openxmlformats.org/officeDocument/2006/relationships" xmlns:p="http://schemas.openxmlformats.org/presentationml/2006/main" showMasterSp="0" showMasterPhAnim="0">
   <p:cSld>
     <p:spTree>
       <p:nvGrpSpPr>
-        <p:cNvPr id="52" name="Shape 52"/>
+        <p:cNvPr id="1" name="Shape 52"/>
         <p:cNvGrpSpPr/>
         <p:nvPr/>
       </p:nvGrpSpPr>
       <p:grpSpPr>
         <a:xfrm>
-          <a:off y="0" x="0"/>
-          <a:ext cy="0" cx="0"/>
-          <a:chOff y="0" x="0"/>
-          <a:chExt cy="0" cx="0"/>
+          <a:off x="0" y="0"/>
+          <a:ext cx="0" cy="0"/>
+          <a:chOff x="0" y="0"/>
+          <a:chExt cx="0" cy="0"/>
         </a:xfrm>
       </p:grpSpPr>
       <p:sp>
         <p:nvSpPr>
           <p:cNvPr id="53" name="Shape 53"/>
-          <p:cNvSpPr/>
+          <p:cNvSpPr>
+            <a:spLocks noGrp="1" noRot="1" noChangeAspect="1"/>
+          </p:cNvSpPr>
           <p:nvPr>
-            <p:ph idx="2" type="sldImg"/>
+            <p:ph type="sldImg" idx="2"/>
           </p:nvPr>
         </p:nvSpPr>
         <p:spPr>
           <a:xfrm>
-            <a:off y="685800" x="381187"/>
-            <a:ext cy="3429000" cx="6096299"/>
+            <a:off x="381187" y="685800"/>
+            <a:ext cx="6096299" cy="3429000"/>
           </a:xfrm>
           <a:custGeom>
+            <a:avLst/>
+            <a:gdLst/>
+            <a:ahLst/>
+            <a:cxnLst/>
+            <a:rect l="0" t="0" r="0" b="0"/>
             <a:pathLst>
-              <a:path w="120000" extrusionOk="0" h="120000">
+              <a:path w="120000" h="120000" extrusionOk="0">
                 <a:moveTo>
-                  <a:pt y="0" x="0"/>
+                  <a:pt x="0" y="0"/>
                 </a:moveTo>
                 <a:lnTo>
-                  <a:pt y="0" x="120000"/>
+                  <a:pt x="120000" y="0"/>
                 </a:lnTo>
                 <a:lnTo>
-                  <a:pt y="120000" x="120000"/>
+                  <a:pt x="120000" y="120000"/>
                 </a:lnTo>
                 <a:lnTo>
-                  <a:pt y="120000" x="0"/>
+                  <a:pt x="0" y="120000"/>
                 </a:lnTo>
                 <a:close/>
               </a:path>
@@ -544,30 +675,32 @@
             </a:solidFill>
             <a:prstDash val="solid"/>
             <a:round/>
-            <a:headEnd w="med" len="med" type="none"/>
-            <a:tailEnd w="med" len="med" type="none"/>
+            <a:headEnd type="none" w="med" len="med"/>
+            <a:tailEnd type="none" w="med" len="med"/>
           </a:ln>
         </p:spPr>
       </p:sp>
       <p:sp>
         <p:nvSpPr>
           <p:cNvPr id="54" name="Shape 54"/>
-          <p:cNvSpPr txBox="1"/>
+          <p:cNvSpPr txBox="1">
+            <a:spLocks noGrp="1"/>
+          </p:cNvSpPr>
           <p:nvPr>
-            <p:ph idx="1" type="body"/>
+            <p:ph type="body" idx="1"/>
           </p:nvPr>
         </p:nvSpPr>
         <p:spPr>
           <a:xfrm>
-            <a:off y="4343400" x="685800"/>
-            <a:ext cy="4114800" cx="5486399"/>
+            <a:off x="685800" y="4343400"/>
+            <a:ext cx="5486399" cy="4114800"/>
           </a:xfrm>
           <a:prstGeom prst="rect">
             <a:avLst/>
           </a:prstGeom>
         </p:spPr>
         <p:txBody>
-          <a:bodyPr bIns="91425" rIns="91425" lIns="91425" tIns="91425" anchor="t" anchorCtr="0">
+          <a:bodyPr lIns="91425" tIns="91425" rIns="91425" bIns="91425" anchor="t" anchorCtr="0">
             <a:noAutofit/>
           </a:bodyPr>
           <a:lstStyle/>
@@ -578,14 +711,16 @@
               </a:spcBef>
               <a:buNone/>
             </a:pPr>
-            <a:r>
-              <a:t/>
-            </a:r>
             <a:endParaRPr/>
           </a:p>
         </p:txBody>
       </p:sp>
     </p:spTree>
+    <p:extLst>
+      <p:ext uri="{BB962C8B-B14F-4D97-AF65-F5344CB8AC3E}">
+        <p14:creationId xmlns:p14="http://schemas.microsoft.com/office/powerpoint/2010/main" val="2766875700"/>
+      </p:ext>
+    </p:extLst>
   </p:cSld>
   <p:clrMapOvr>
     <a:masterClrMapping/>
@@ -594,49 +729,56 @@
 </file>
 
 <file path=ppt/notesSlides/notesSlide3.xml><?xml version="1.0" encoding="utf-8"?>
-<p:notes xmlns:a="http://schemas.openxmlformats.org/drawingml/2006/main" xmlns:r="http://schemas.openxmlformats.org/officeDocument/2006/relationships" xmlns:mc="http://schemas.openxmlformats.org/markup-compatibility/2006" xmlns:mv="urn:schemas-microsoft-com:mac:vml" xmlns:p="http://schemas.openxmlformats.org/presentationml/2006/main" xmlns:c="http://schemas.openxmlformats.org/drawingml/2006/chart" xmlns:dgm="http://schemas.openxmlformats.org/drawingml/2006/diagram" xmlns:o="urn:schemas-microsoft-com:office:office" xmlns:v="urn:schemas-microsoft-com:vml" xmlns:pvml="urn:schemas-microsoft-com:office:powerpoint" xmlns:com="http://schemas.openxmlformats.org/drawingml/2006/compatibility" xmlns:p14="http://schemas.microsoft.com/office/powerpoint/2010/main" showMasterSp="0" showMasterPhAnim="0">
+<p:notes xmlns:a="http://schemas.openxmlformats.org/drawingml/2006/main" xmlns:r="http://schemas.openxmlformats.org/officeDocument/2006/relationships" xmlns:p="http://schemas.openxmlformats.org/presentationml/2006/main" showMasterSp="0" showMasterPhAnim="0">
   <p:cSld>
     <p:spTree>
       <p:nvGrpSpPr>
-        <p:cNvPr id="59" name="Shape 59"/>
+        <p:cNvPr id="1" name="Shape 59"/>
         <p:cNvGrpSpPr/>
         <p:nvPr/>
       </p:nvGrpSpPr>
       <p:grpSpPr>
         <a:xfrm>
-          <a:off y="0" x="0"/>
-          <a:ext cy="0" cx="0"/>
-          <a:chOff y="0" x="0"/>
-          <a:chExt cy="0" cx="0"/>
+          <a:off x="0" y="0"/>
+          <a:ext cx="0" cy="0"/>
+          <a:chOff x="0" y="0"/>
+          <a:chExt cx="0" cy="0"/>
         </a:xfrm>
       </p:grpSpPr>
       <p:sp>
         <p:nvSpPr>
           <p:cNvPr id="60" name="Shape 60"/>
-          <p:cNvSpPr/>
+          <p:cNvSpPr>
+            <a:spLocks noGrp="1" noRot="1" noChangeAspect="1"/>
+          </p:cNvSpPr>
           <p:nvPr>
-            <p:ph idx="2" type="sldImg"/>
+            <p:ph type="sldImg" idx="2"/>
           </p:nvPr>
         </p:nvSpPr>
         <p:spPr>
           <a:xfrm>
-            <a:off y="685800" x="381187"/>
-            <a:ext cy="3429000" cx="6096299"/>
+            <a:off x="381187" y="685800"/>
+            <a:ext cx="6096299" cy="3429000"/>
           </a:xfrm>
           <a:custGeom>
+            <a:avLst/>
+            <a:gdLst/>
+            <a:ahLst/>
+            <a:cxnLst/>
+            <a:rect l="0" t="0" r="0" b="0"/>
             <a:pathLst>
-              <a:path w="120000" extrusionOk="0" h="120000">
+              <a:path w="120000" h="120000" extrusionOk="0">
                 <a:moveTo>
-                  <a:pt y="0" x="0"/>
+                  <a:pt x="0" y="0"/>
                 </a:moveTo>
                 <a:lnTo>
-                  <a:pt y="0" x="120000"/>
+                  <a:pt x="120000" y="0"/>
                 </a:lnTo>
                 <a:lnTo>
-                  <a:pt y="120000" x="120000"/>
+                  <a:pt x="120000" y="120000"/>
                 </a:lnTo>
                 <a:lnTo>
-                  <a:pt y="120000" x="0"/>
+                  <a:pt x="0" y="120000"/>
                 </a:lnTo>
                 <a:close/>
               </a:path>
@@ -649,30 +791,32 @@
             </a:solidFill>
             <a:prstDash val="solid"/>
             <a:round/>
-            <a:headEnd w="med" len="med" type="none"/>
-            <a:tailEnd w="med" len="med" type="none"/>
+            <a:headEnd type="none" w="med" len="med"/>
+            <a:tailEnd type="none" w="med" len="med"/>
           </a:ln>
         </p:spPr>
       </p:sp>
       <p:sp>
         <p:nvSpPr>
           <p:cNvPr id="61" name="Shape 61"/>
-          <p:cNvSpPr txBox="1"/>
+          <p:cNvSpPr txBox="1">
+            <a:spLocks noGrp="1"/>
+          </p:cNvSpPr>
           <p:nvPr>
-            <p:ph idx="1" type="body"/>
+            <p:ph type="body" idx="1"/>
           </p:nvPr>
         </p:nvSpPr>
         <p:spPr>
           <a:xfrm>
-            <a:off y="4343400" x="685800"/>
-            <a:ext cy="4114800" cx="5486399"/>
+            <a:off x="685800" y="4343400"/>
+            <a:ext cx="5486399" cy="4114800"/>
           </a:xfrm>
           <a:prstGeom prst="rect">
             <a:avLst/>
           </a:prstGeom>
         </p:spPr>
         <p:txBody>
-          <a:bodyPr bIns="91425" rIns="91425" lIns="91425" tIns="91425" anchor="t" anchorCtr="0">
+          <a:bodyPr lIns="91425" tIns="91425" rIns="91425" bIns="91425" anchor="t" anchorCtr="0">
             <a:noAutofit/>
           </a:bodyPr>
           <a:lstStyle/>
@@ -683,14 +827,16 @@
               </a:spcBef>
               <a:buNone/>
             </a:pPr>
-            <a:r>
-              <a:t/>
-            </a:r>
             <a:endParaRPr/>
           </a:p>
         </p:txBody>
       </p:sp>
     </p:spTree>
+    <p:extLst>
+      <p:ext uri="{BB962C8B-B14F-4D97-AF65-F5344CB8AC3E}">
+        <p14:creationId xmlns:p14="http://schemas.microsoft.com/office/powerpoint/2010/main" val="1590854772"/>
+      </p:ext>
+    </p:extLst>
   </p:cSld>
   <p:clrMapOvr>
     <a:masterClrMapping/>
@@ -699,49 +845,56 @@
 </file>
 
 <file path=ppt/notesSlides/notesSlide4.xml><?xml version="1.0" encoding="utf-8"?>
-<p:notes xmlns:a="http://schemas.openxmlformats.org/drawingml/2006/main" xmlns:r="http://schemas.openxmlformats.org/officeDocument/2006/relationships" xmlns:mc="http://schemas.openxmlformats.org/markup-compatibility/2006" xmlns:mv="urn:schemas-microsoft-com:mac:vml" xmlns:p="http://schemas.openxmlformats.org/presentationml/2006/main" xmlns:c="http://schemas.openxmlformats.org/drawingml/2006/chart" xmlns:dgm="http://schemas.openxmlformats.org/drawingml/2006/diagram" xmlns:o="urn:schemas-microsoft-com:office:office" xmlns:v="urn:schemas-microsoft-com:vml" xmlns:pvml="urn:schemas-microsoft-com:office:powerpoint" xmlns:com="http://schemas.openxmlformats.org/drawingml/2006/compatibility" xmlns:p14="http://schemas.microsoft.com/office/powerpoint/2010/main" showMasterSp="0" showMasterPhAnim="0">
+<p:notes xmlns:a="http://schemas.openxmlformats.org/drawingml/2006/main" xmlns:r="http://schemas.openxmlformats.org/officeDocument/2006/relationships" xmlns:p="http://schemas.openxmlformats.org/presentationml/2006/main" showMasterSp="0" showMasterPhAnim="0">
   <p:cSld>
     <p:spTree>
       <p:nvGrpSpPr>
-        <p:cNvPr id="68" name="Shape 68"/>
+        <p:cNvPr id="1" name="Shape 68"/>
         <p:cNvGrpSpPr/>
         <p:nvPr/>
       </p:nvGrpSpPr>
       <p:grpSpPr>
         <a:xfrm>
-          <a:off y="0" x="0"/>
-          <a:ext cy="0" cx="0"/>
-          <a:chOff y="0" x="0"/>
-          <a:chExt cy="0" cx="0"/>
+          <a:off x="0" y="0"/>
+          <a:ext cx="0" cy="0"/>
+          <a:chOff x="0" y="0"/>
+          <a:chExt cx="0" cy="0"/>
         </a:xfrm>
       </p:grpSpPr>
       <p:sp>
         <p:nvSpPr>
           <p:cNvPr id="69" name="Shape 69"/>
-          <p:cNvSpPr/>
+          <p:cNvSpPr>
+            <a:spLocks noGrp="1" noRot="1" noChangeAspect="1"/>
+          </p:cNvSpPr>
           <p:nvPr>
-            <p:ph idx="2" type="sldImg"/>
+            <p:ph type="sldImg" idx="2"/>
           </p:nvPr>
         </p:nvSpPr>
         <p:spPr>
           <a:xfrm>
-            <a:off y="685800" x="381187"/>
-            <a:ext cy="3429000" cx="6096299"/>
+            <a:off x="381187" y="685800"/>
+            <a:ext cx="6096299" cy="3429000"/>
           </a:xfrm>
           <a:custGeom>
+            <a:avLst/>
+            <a:gdLst/>
+            <a:ahLst/>
+            <a:cxnLst/>
+            <a:rect l="0" t="0" r="0" b="0"/>
             <a:pathLst>
-              <a:path w="120000" extrusionOk="0" h="120000">
+              <a:path w="120000" h="120000" extrusionOk="0">
                 <a:moveTo>
-                  <a:pt y="0" x="0"/>
+                  <a:pt x="0" y="0"/>
                 </a:moveTo>
                 <a:lnTo>
-                  <a:pt y="0" x="120000"/>
+                  <a:pt x="120000" y="0"/>
                 </a:lnTo>
                 <a:lnTo>
-                  <a:pt y="120000" x="120000"/>
+                  <a:pt x="120000" y="120000"/>
                 </a:lnTo>
                 <a:lnTo>
-                  <a:pt y="120000" x="0"/>
+                  <a:pt x="0" y="120000"/>
                 </a:lnTo>
                 <a:close/>
               </a:path>
@@ -754,30 +907,32 @@
             </a:solidFill>
             <a:prstDash val="solid"/>
             <a:round/>
-            <a:headEnd w="med" len="med" type="none"/>
-            <a:tailEnd w="med" len="med" type="none"/>
+            <a:headEnd type="none" w="med" len="med"/>
+            <a:tailEnd type="none" w="med" len="med"/>
           </a:ln>
         </p:spPr>
       </p:sp>
       <p:sp>
         <p:nvSpPr>
           <p:cNvPr id="70" name="Shape 70"/>
-          <p:cNvSpPr txBox="1"/>
+          <p:cNvSpPr txBox="1">
+            <a:spLocks noGrp="1"/>
+          </p:cNvSpPr>
           <p:nvPr>
-            <p:ph idx="1" type="body"/>
+            <p:ph type="body" idx="1"/>
           </p:nvPr>
         </p:nvSpPr>
         <p:spPr>
           <a:xfrm>
-            <a:off y="4343400" x="685800"/>
-            <a:ext cy="4114800" cx="5486399"/>
+            <a:off x="685800" y="4343400"/>
+            <a:ext cx="5486399" cy="4114800"/>
           </a:xfrm>
           <a:prstGeom prst="rect">
             <a:avLst/>
           </a:prstGeom>
         </p:spPr>
         <p:txBody>
-          <a:bodyPr bIns="91425" rIns="91425" lIns="91425" tIns="91425" anchor="t" anchorCtr="0">
+          <a:bodyPr lIns="91425" tIns="91425" rIns="91425" bIns="91425" anchor="t" anchorCtr="0">
             <a:noAutofit/>
           </a:bodyPr>
           <a:lstStyle/>
@@ -836,14 +991,16 @@
               </a:spcBef>
               <a:buNone/>
             </a:pPr>
-            <a:r>
-              <a:t/>
-            </a:r>
             <a:endParaRPr/>
           </a:p>
         </p:txBody>
       </p:sp>
     </p:spTree>
+    <p:extLst>
+      <p:ext uri="{BB962C8B-B14F-4D97-AF65-F5344CB8AC3E}">
+        <p14:creationId xmlns:p14="http://schemas.microsoft.com/office/powerpoint/2010/main" val="1685371811"/>
+      </p:ext>
+    </p:extLst>
   </p:cSld>
   <p:clrMapOvr>
     <a:masterClrMapping/>
@@ -852,49 +1009,56 @@
 </file>
 
 <file path=ppt/notesSlides/notesSlide5.xml><?xml version="1.0" encoding="utf-8"?>
-<p:notes xmlns:a="http://schemas.openxmlformats.org/drawingml/2006/main" xmlns:r="http://schemas.openxmlformats.org/officeDocument/2006/relationships" xmlns:mc="http://schemas.openxmlformats.org/markup-compatibility/2006" xmlns:mv="urn:schemas-microsoft-com:mac:vml" xmlns:p="http://schemas.openxmlformats.org/presentationml/2006/main" xmlns:c="http://schemas.openxmlformats.org/drawingml/2006/chart" xmlns:dgm="http://schemas.openxmlformats.org/drawingml/2006/diagram" xmlns:o="urn:schemas-microsoft-com:office:office" xmlns:v="urn:schemas-microsoft-com:vml" xmlns:pvml="urn:schemas-microsoft-com:office:powerpoint" xmlns:com="http://schemas.openxmlformats.org/drawingml/2006/compatibility" xmlns:p14="http://schemas.microsoft.com/office/powerpoint/2010/main" showMasterSp="0" showMasterPhAnim="0">
+<p:notes xmlns:a="http://schemas.openxmlformats.org/drawingml/2006/main" xmlns:r="http://schemas.openxmlformats.org/officeDocument/2006/relationships" xmlns:p="http://schemas.openxmlformats.org/presentationml/2006/main" showMasterSp="0" showMasterPhAnim="0">
   <p:cSld>
     <p:spTree>
       <p:nvGrpSpPr>
-        <p:cNvPr id="74" name="Shape 74"/>
+        <p:cNvPr id="1" name="Shape 74"/>
         <p:cNvGrpSpPr/>
         <p:nvPr/>
       </p:nvGrpSpPr>
       <p:grpSpPr>
         <a:xfrm>
-          <a:off y="0" x="0"/>
-          <a:ext cy="0" cx="0"/>
-          <a:chOff y="0" x="0"/>
-          <a:chExt cy="0" cx="0"/>
+          <a:off x="0" y="0"/>
+          <a:ext cx="0" cy="0"/>
+          <a:chOff x="0" y="0"/>
+          <a:chExt cx="0" cy="0"/>
         </a:xfrm>
       </p:grpSpPr>
       <p:sp>
         <p:nvSpPr>
           <p:cNvPr id="75" name="Shape 75"/>
-          <p:cNvSpPr/>
+          <p:cNvSpPr>
+            <a:spLocks noGrp="1" noRot="1" noChangeAspect="1"/>
+          </p:cNvSpPr>
           <p:nvPr>
-            <p:ph idx="2" type="sldImg"/>
+            <p:ph type="sldImg" idx="2"/>
           </p:nvPr>
         </p:nvSpPr>
         <p:spPr>
           <a:xfrm>
-            <a:off y="685800" x="381187"/>
-            <a:ext cy="3429000" cx="6096299"/>
+            <a:off x="381187" y="685800"/>
+            <a:ext cx="6096299" cy="3429000"/>
           </a:xfrm>
           <a:custGeom>
+            <a:avLst/>
+            <a:gdLst/>
+            <a:ahLst/>
+            <a:cxnLst/>
+            <a:rect l="0" t="0" r="0" b="0"/>
             <a:pathLst>
-              <a:path w="120000" extrusionOk="0" h="120000">
+              <a:path w="120000" h="120000" extrusionOk="0">
                 <a:moveTo>
-                  <a:pt y="0" x="0"/>
+                  <a:pt x="0" y="0"/>
                 </a:moveTo>
                 <a:lnTo>
-                  <a:pt y="0" x="120000"/>
+                  <a:pt x="120000" y="0"/>
                 </a:lnTo>
                 <a:lnTo>
-                  <a:pt y="120000" x="120000"/>
+                  <a:pt x="120000" y="120000"/>
                 </a:lnTo>
                 <a:lnTo>
-                  <a:pt y="120000" x="0"/>
+                  <a:pt x="0" y="120000"/>
                 </a:lnTo>
                 <a:close/>
               </a:path>
@@ -907,30 +1071,32 @@
             </a:solidFill>
             <a:prstDash val="solid"/>
             <a:round/>
-            <a:headEnd w="med" len="med" type="none"/>
-            <a:tailEnd w="med" len="med" type="none"/>
+            <a:headEnd type="none" w="med" len="med"/>
+            <a:tailEnd type="none" w="med" len="med"/>
           </a:ln>
         </p:spPr>
       </p:sp>
       <p:sp>
         <p:nvSpPr>
           <p:cNvPr id="76" name="Shape 76"/>
-          <p:cNvSpPr txBox="1"/>
+          <p:cNvSpPr txBox="1">
+            <a:spLocks noGrp="1"/>
+          </p:cNvSpPr>
           <p:nvPr>
-            <p:ph idx="1" type="body"/>
+            <p:ph type="body" idx="1"/>
           </p:nvPr>
         </p:nvSpPr>
         <p:spPr>
           <a:xfrm>
-            <a:off y="4343400" x="685800"/>
-            <a:ext cy="4114800" cx="5486399"/>
+            <a:off x="685800" y="4343400"/>
+            <a:ext cx="5486399" cy="4114800"/>
           </a:xfrm>
           <a:prstGeom prst="rect">
             <a:avLst/>
           </a:prstGeom>
         </p:spPr>
         <p:txBody>
-          <a:bodyPr bIns="91425" rIns="91425" lIns="91425" tIns="91425" anchor="t" anchorCtr="0">
+          <a:bodyPr lIns="91425" tIns="91425" rIns="91425" bIns="91425" anchor="t" anchorCtr="0">
             <a:noAutofit/>
           </a:bodyPr>
           <a:lstStyle/>
@@ -941,14 +1107,16 @@
               </a:spcBef>
               <a:buNone/>
             </a:pPr>
-            <a:r>
-              <a:t/>
-            </a:r>
             <a:endParaRPr/>
           </a:p>
         </p:txBody>
       </p:sp>
     </p:spTree>
+    <p:extLst>
+      <p:ext uri="{BB962C8B-B14F-4D97-AF65-F5344CB8AC3E}">
+        <p14:creationId xmlns:p14="http://schemas.microsoft.com/office/powerpoint/2010/main" val="2064806902"/>
+      </p:ext>
+    </p:extLst>
   </p:cSld>
   <p:clrMapOvr>
     <a:masterClrMapping/>
@@ -957,49 +1125,56 @@
 </file>
 
 <file path=ppt/notesSlides/notesSlide6.xml><?xml version="1.0" encoding="utf-8"?>
-<p:notes xmlns:a="http://schemas.openxmlformats.org/drawingml/2006/main" xmlns:r="http://schemas.openxmlformats.org/officeDocument/2006/relationships" xmlns:mc="http://schemas.openxmlformats.org/markup-compatibility/2006" xmlns:mv="urn:schemas-microsoft-com:mac:vml" xmlns:p="http://schemas.openxmlformats.org/presentationml/2006/main" xmlns:c="http://schemas.openxmlformats.org/drawingml/2006/chart" xmlns:dgm="http://schemas.openxmlformats.org/drawingml/2006/diagram" xmlns:o="urn:schemas-microsoft-com:office:office" xmlns:v="urn:schemas-microsoft-com:vml" xmlns:pvml="urn:schemas-microsoft-com:office:powerpoint" xmlns:com="http://schemas.openxmlformats.org/drawingml/2006/compatibility" xmlns:p14="http://schemas.microsoft.com/office/powerpoint/2010/main" showMasterSp="0" showMasterPhAnim="0">
+<p:notes xmlns:a="http://schemas.openxmlformats.org/drawingml/2006/main" xmlns:r="http://schemas.openxmlformats.org/officeDocument/2006/relationships" xmlns:p="http://schemas.openxmlformats.org/presentationml/2006/main" showMasterSp="0" showMasterPhAnim="0">
   <p:cSld>
     <p:spTree>
       <p:nvGrpSpPr>
-        <p:cNvPr id="84" name="Shape 84"/>
+        <p:cNvPr id="1" name="Shape 84"/>
         <p:cNvGrpSpPr/>
         <p:nvPr/>
       </p:nvGrpSpPr>
       <p:grpSpPr>
         <a:xfrm>
-          <a:off y="0" x="0"/>
-          <a:ext cy="0" cx="0"/>
-          <a:chOff y="0" x="0"/>
-          <a:chExt cy="0" cx="0"/>
+          <a:off x="0" y="0"/>
+          <a:ext cx="0" cy="0"/>
+          <a:chOff x="0" y="0"/>
+          <a:chExt cx="0" cy="0"/>
         </a:xfrm>
       </p:grpSpPr>
       <p:sp>
         <p:nvSpPr>
           <p:cNvPr id="85" name="Shape 85"/>
-          <p:cNvSpPr/>
+          <p:cNvSpPr>
+            <a:spLocks noGrp="1" noRot="1" noChangeAspect="1"/>
+          </p:cNvSpPr>
           <p:nvPr>
-            <p:ph idx="2" type="sldImg"/>
+            <p:ph type="sldImg" idx="2"/>
           </p:nvPr>
         </p:nvSpPr>
         <p:spPr>
           <a:xfrm>
-            <a:off y="685800" x="381187"/>
-            <a:ext cy="3429000" cx="6096299"/>
+            <a:off x="381187" y="685800"/>
+            <a:ext cx="6096299" cy="3429000"/>
           </a:xfrm>
           <a:custGeom>
+            <a:avLst/>
+            <a:gdLst/>
+            <a:ahLst/>
+            <a:cxnLst/>
+            <a:rect l="0" t="0" r="0" b="0"/>
             <a:pathLst>
-              <a:path w="120000" extrusionOk="0" h="120000">
+              <a:path w="120000" h="120000" extrusionOk="0">
                 <a:moveTo>
-                  <a:pt y="0" x="0"/>
+                  <a:pt x="0" y="0"/>
                 </a:moveTo>
                 <a:lnTo>
-                  <a:pt y="0" x="120000"/>
+                  <a:pt x="120000" y="0"/>
                 </a:lnTo>
                 <a:lnTo>
-                  <a:pt y="120000" x="120000"/>
+                  <a:pt x="120000" y="120000"/>
                 </a:lnTo>
                 <a:lnTo>
-                  <a:pt y="120000" x="0"/>
+                  <a:pt x="0" y="120000"/>
                 </a:lnTo>
                 <a:close/>
               </a:path>
@@ -1012,30 +1187,32 @@
             </a:solidFill>
             <a:prstDash val="solid"/>
             <a:round/>
-            <a:headEnd w="med" len="med" type="none"/>
-            <a:tailEnd w="med" len="med" type="none"/>
+            <a:headEnd type="none" w="med" len="med"/>
+            <a:tailEnd type="none" w="med" len="med"/>
           </a:ln>
         </p:spPr>
       </p:sp>
       <p:sp>
         <p:nvSpPr>
           <p:cNvPr id="86" name="Shape 86"/>
-          <p:cNvSpPr txBox="1"/>
+          <p:cNvSpPr txBox="1">
+            <a:spLocks noGrp="1"/>
+          </p:cNvSpPr>
           <p:nvPr>
-            <p:ph idx="1" type="body"/>
+            <p:ph type="body" idx="1"/>
           </p:nvPr>
         </p:nvSpPr>
         <p:spPr>
           <a:xfrm>
-            <a:off y="4343400" x="685800"/>
-            <a:ext cy="4114800" cx="5486399"/>
+            <a:off x="685800" y="4343400"/>
+            <a:ext cx="5486399" cy="4114800"/>
           </a:xfrm>
           <a:prstGeom prst="rect">
             <a:avLst/>
           </a:prstGeom>
         </p:spPr>
         <p:txBody>
-          <a:bodyPr bIns="91425" rIns="91425" lIns="91425" tIns="91425" anchor="t" anchorCtr="0">
+          <a:bodyPr lIns="91425" tIns="91425" rIns="91425" bIns="91425" anchor="t" anchorCtr="0">
             <a:noAutofit/>
           </a:bodyPr>
           <a:lstStyle/>
@@ -1047,7 +1224,7 @@
               <a:buNone/>
             </a:pPr>
             <a:r>
-              <a:rPr sz="900" lang="en">
+              <a:rPr lang="en" sz="900">
                 <a:solidFill>
                   <a:schemeClr val="dk1"/>
                 </a:solidFill>
@@ -1067,7 +1244,7 @@
               <a:buNone/>
             </a:pPr>
             <a:r>
-              <a:rPr sz="900" lang="en">
+              <a:rPr lang="en" sz="900">
                 <a:solidFill>
                   <a:schemeClr val="dk1"/>
                 </a:solidFill>
@@ -1087,7 +1264,7 @@
               <a:buNone/>
             </a:pPr>
             <a:r>
-              <a:rPr sz="900" lang="en">
+              <a:rPr lang="en" sz="900">
                 <a:solidFill>
                   <a:schemeClr val="dk1"/>
                 </a:solidFill>
@@ -1107,7 +1284,7 @@
               <a:buNone/>
             </a:pPr>
             <a:r>
-              <a:rPr sz="900" lang="en">
+              <a:rPr lang="en" sz="900">
                 <a:solidFill>
                   <a:schemeClr val="dk1"/>
                 </a:solidFill>
@@ -1122,6 +1299,11 @@
         </p:txBody>
       </p:sp>
     </p:spTree>
+    <p:extLst>
+      <p:ext uri="{BB962C8B-B14F-4D97-AF65-F5344CB8AC3E}">
+        <p14:creationId xmlns:p14="http://schemas.microsoft.com/office/powerpoint/2010/main" val="726997325"/>
+      </p:ext>
+    </p:extLst>
   </p:cSld>
   <p:clrMapOvr>
     <a:masterClrMapping/>
@@ -1130,49 +1312,56 @@
 </file>
 
 <file path=ppt/notesSlides/notesSlide7.xml><?xml version="1.0" encoding="utf-8"?>
-<p:notes xmlns:a="http://schemas.openxmlformats.org/drawingml/2006/main" xmlns:r="http://schemas.openxmlformats.org/officeDocument/2006/relationships" xmlns:mc="http://schemas.openxmlformats.org/markup-compatibility/2006" xmlns:mv="urn:schemas-microsoft-com:mac:vml" xmlns:p="http://schemas.openxmlformats.org/presentationml/2006/main" xmlns:c="http://schemas.openxmlformats.org/drawingml/2006/chart" xmlns:dgm="http://schemas.openxmlformats.org/drawingml/2006/diagram" xmlns:o="urn:schemas-microsoft-com:office:office" xmlns:v="urn:schemas-microsoft-com:vml" xmlns:pvml="urn:schemas-microsoft-com:office:powerpoint" xmlns:com="http://schemas.openxmlformats.org/drawingml/2006/compatibility" xmlns:p14="http://schemas.microsoft.com/office/powerpoint/2010/main" showMasterSp="0" showMasterPhAnim="0">
+<p:notes xmlns:a="http://schemas.openxmlformats.org/drawingml/2006/main" xmlns:r="http://schemas.openxmlformats.org/officeDocument/2006/relationships" xmlns:p="http://schemas.openxmlformats.org/presentationml/2006/main" showMasterSp="0" showMasterPhAnim="0">
   <p:cSld>
     <p:spTree>
       <p:nvGrpSpPr>
-        <p:cNvPr id="91" name="Shape 91"/>
+        <p:cNvPr id="1" name="Shape 91"/>
         <p:cNvGrpSpPr/>
         <p:nvPr/>
       </p:nvGrpSpPr>
       <p:grpSpPr>
         <a:xfrm>
-          <a:off y="0" x="0"/>
-          <a:ext cy="0" cx="0"/>
-          <a:chOff y="0" x="0"/>
-          <a:chExt cy="0" cx="0"/>
+          <a:off x="0" y="0"/>
+          <a:ext cx="0" cy="0"/>
+          <a:chOff x="0" y="0"/>
+          <a:chExt cx="0" cy="0"/>
         </a:xfrm>
       </p:grpSpPr>
       <p:sp>
         <p:nvSpPr>
           <p:cNvPr id="92" name="Shape 92"/>
-          <p:cNvSpPr/>
+          <p:cNvSpPr>
+            <a:spLocks noGrp="1" noRot="1" noChangeAspect="1"/>
+          </p:cNvSpPr>
           <p:nvPr>
-            <p:ph idx="2" type="sldImg"/>
+            <p:ph type="sldImg" idx="2"/>
           </p:nvPr>
         </p:nvSpPr>
         <p:spPr>
           <a:xfrm>
-            <a:off y="685800" x="381187"/>
-            <a:ext cy="3429000" cx="6096299"/>
+            <a:off x="381187" y="685800"/>
+            <a:ext cx="6096299" cy="3429000"/>
           </a:xfrm>
           <a:custGeom>
+            <a:avLst/>
+            <a:gdLst/>
+            <a:ahLst/>
+            <a:cxnLst/>
+            <a:rect l="0" t="0" r="0" b="0"/>
             <a:pathLst>
-              <a:path w="120000" extrusionOk="0" h="120000">
+              <a:path w="120000" h="120000" extrusionOk="0">
                 <a:moveTo>
-                  <a:pt y="0" x="0"/>
+                  <a:pt x="0" y="0"/>
                 </a:moveTo>
                 <a:lnTo>
-                  <a:pt y="0" x="120000"/>
+                  <a:pt x="120000" y="0"/>
                 </a:lnTo>
                 <a:lnTo>
-                  <a:pt y="120000" x="120000"/>
+                  <a:pt x="120000" y="120000"/>
                 </a:lnTo>
                 <a:lnTo>
-                  <a:pt y="120000" x="0"/>
+                  <a:pt x="0" y="120000"/>
                 </a:lnTo>
                 <a:close/>
               </a:path>
@@ -1185,30 +1374,32 @@
             </a:solidFill>
             <a:prstDash val="solid"/>
             <a:round/>
-            <a:headEnd w="med" len="med" type="none"/>
-            <a:tailEnd w="med" len="med" type="none"/>
+            <a:headEnd type="none" w="med" len="med"/>
+            <a:tailEnd type="none" w="med" len="med"/>
           </a:ln>
         </p:spPr>
       </p:sp>
       <p:sp>
         <p:nvSpPr>
           <p:cNvPr id="93" name="Shape 93"/>
-          <p:cNvSpPr txBox="1"/>
+          <p:cNvSpPr txBox="1">
+            <a:spLocks noGrp="1"/>
+          </p:cNvSpPr>
           <p:nvPr>
-            <p:ph idx="1" type="body"/>
+            <p:ph type="body" idx="1"/>
           </p:nvPr>
         </p:nvSpPr>
         <p:spPr>
           <a:xfrm>
-            <a:off y="4343400" x="685800"/>
-            <a:ext cy="4114800" cx="5486399"/>
+            <a:off x="685800" y="4343400"/>
+            <a:ext cx="5486399" cy="4114800"/>
           </a:xfrm>
           <a:prstGeom prst="rect">
             <a:avLst/>
           </a:prstGeom>
         </p:spPr>
         <p:txBody>
-          <a:bodyPr bIns="91425" rIns="91425" lIns="91425" tIns="91425" anchor="t" anchorCtr="0">
+          <a:bodyPr lIns="91425" tIns="91425" rIns="91425" bIns="91425" anchor="t" anchorCtr="0">
             <a:noAutofit/>
           </a:bodyPr>
           <a:lstStyle/>
@@ -1219,14 +1410,16 @@
               </a:spcBef>
               <a:buNone/>
             </a:pPr>
-            <a:r>
-              <a:t/>
-            </a:r>
             <a:endParaRPr/>
           </a:p>
         </p:txBody>
       </p:sp>
     </p:spTree>
+    <p:extLst>
+      <p:ext uri="{BB962C8B-B14F-4D97-AF65-F5344CB8AC3E}">
+        <p14:creationId xmlns:p14="http://schemas.microsoft.com/office/powerpoint/2010/main" val="2830556464"/>
+      </p:ext>
+    </p:extLst>
   </p:cSld>
   <p:clrMapOvr>
     <a:masterClrMapping/>
@@ -1235,49 +1428,56 @@
 </file>
 
 <file path=ppt/notesSlides/notesSlide8.xml><?xml version="1.0" encoding="utf-8"?>
-<p:notes xmlns:a="http://schemas.openxmlformats.org/drawingml/2006/main" xmlns:r="http://schemas.openxmlformats.org/officeDocument/2006/relationships" xmlns:mc="http://schemas.openxmlformats.org/markup-compatibility/2006" xmlns:mv="urn:schemas-microsoft-com:mac:vml" xmlns:p="http://schemas.openxmlformats.org/presentationml/2006/main" xmlns:c="http://schemas.openxmlformats.org/drawingml/2006/chart" xmlns:dgm="http://schemas.openxmlformats.org/drawingml/2006/diagram" xmlns:o="urn:schemas-microsoft-com:office:office" xmlns:v="urn:schemas-microsoft-com:vml" xmlns:pvml="urn:schemas-microsoft-com:office:powerpoint" xmlns:com="http://schemas.openxmlformats.org/drawingml/2006/compatibility" xmlns:p14="http://schemas.microsoft.com/office/powerpoint/2010/main" showMasterSp="0" showMasterPhAnim="0">
+<p:notes xmlns:a="http://schemas.openxmlformats.org/drawingml/2006/main" xmlns:r="http://schemas.openxmlformats.org/officeDocument/2006/relationships" xmlns:p="http://schemas.openxmlformats.org/presentationml/2006/main" showMasterSp="0" showMasterPhAnim="0">
   <p:cSld>
     <p:spTree>
       <p:nvGrpSpPr>
-        <p:cNvPr id="97" name="Shape 97"/>
+        <p:cNvPr id="1" name="Shape 97"/>
         <p:cNvGrpSpPr/>
         <p:nvPr/>
       </p:nvGrpSpPr>
       <p:grpSpPr>
         <a:xfrm>
-          <a:off y="0" x="0"/>
-          <a:ext cy="0" cx="0"/>
-          <a:chOff y="0" x="0"/>
-          <a:chExt cy="0" cx="0"/>
+          <a:off x="0" y="0"/>
+          <a:ext cx="0" cy="0"/>
+          <a:chOff x="0" y="0"/>
+          <a:chExt cx="0" cy="0"/>
         </a:xfrm>
       </p:grpSpPr>
       <p:sp>
         <p:nvSpPr>
           <p:cNvPr id="98" name="Shape 98"/>
-          <p:cNvSpPr/>
+          <p:cNvSpPr>
+            <a:spLocks noGrp="1" noRot="1" noChangeAspect="1"/>
+          </p:cNvSpPr>
           <p:nvPr>
-            <p:ph idx="2" type="sldImg"/>
+            <p:ph type="sldImg" idx="2"/>
           </p:nvPr>
         </p:nvSpPr>
         <p:spPr>
           <a:xfrm>
-            <a:off y="685800" x="381187"/>
-            <a:ext cy="3429000" cx="6096299"/>
+            <a:off x="381000" y="685800"/>
+            <a:ext cx="6096000" cy="3429000"/>
           </a:xfrm>
           <a:custGeom>
+            <a:avLst/>
+            <a:gdLst/>
+            <a:ahLst/>
+            <a:cxnLst/>
+            <a:rect l="0" t="0" r="0" b="0"/>
             <a:pathLst>
-              <a:path w="120000" extrusionOk="0" h="120000">
+              <a:path w="120000" h="120000" extrusionOk="0">
                 <a:moveTo>
-                  <a:pt y="0" x="0"/>
+                  <a:pt x="0" y="0"/>
                 </a:moveTo>
                 <a:lnTo>
-                  <a:pt y="0" x="120000"/>
+                  <a:pt x="120000" y="0"/>
                 </a:lnTo>
                 <a:lnTo>
-                  <a:pt y="120000" x="120000"/>
+                  <a:pt x="120000" y="120000"/>
                 </a:lnTo>
                 <a:lnTo>
-                  <a:pt y="120000" x="0"/>
+                  <a:pt x="0" y="120000"/>
                 </a:lnTo>
                 <a:close/>
               </a:path>
@@ -1290,30 +1490,32 @@
             </a:solidFill>
             <a:prstDash val="solid"/>
             <a:round/>
-            <a:headEnd w="med" len="med" type="none"/>
-            <a:tailEnd w="med" len="med" type="none"/>
+            <a:headEnd type="none" w="med" len="med"/>
+            <a:tailEnd type="none" w="med" len="med"/>
           </a:ln>
         </p:spPr>
       </p:sp>
       <p:sp>
         <p:nvSpPr>
           <p:cNvPr id="99" name="Shape 99"/>
-          <p:cNvSpPr txBox="1"/>
+          <p:cNvSpPr txBox="1">
+            <a:spLocks noGrp="1"/>
+          </p:cNvSpPr>
           <p:nvPr>
-            <p:ph idx="1" type="body"/>
+            <p:ph type="body" idx="1"/>
           </p:nvPr>
         </p:nvSpPr>
         <p:spPr>
           <a:xfrm>
-            <a:off y="4343400" x="685800"/>
-            <a:ext cy="4114800" cx="5486399"/>
+            <a:off x="685800" y="4343400"/>
+            <a:ext cx="5486399" cy="4114800"/>
           </a:xfrm>
           <a:prstGeom prst="rect">
             <a:avLst/>
           </a:prstGeom>
         </p:spPr>
         <p:txBody>
-          <a:bodyPr bIns="91425" rIns="91425" lIns="91425" tIns="91425" anchor="t" anchorCtr="0">
+          <a:bodyPr lIns="91425" tIns="91425" rIns="91425" bIns="91425" anchor="t" anchorCtr="0">
             <a:noAutofit/>
           </a:bodyPr>
           <a:lstStyle/>
@@ -1324,14 +1526,16 @@
               </a:spcBef>
               <a:buNone/>
             </a:pPr>
-            <a:r>
-              <a:t/>
-            </a:r>
             <a:endParaRPr/>
           </a:p>
         </p:txBody>
       </p:sp>
     </p:spTree>
+    <p:extLst>
+      <p:ext uri="{BB962C8B-B14F-4D97-AF65-F5344CB8AC3E}">
+        <p14:creationId xmlns:p14="http://schemas.microsoft.com/office/powerpoint/2010/main" val="1938363340"/>
+      </p:ext>
+    </p:extLst>
   </p:cSld>
   <p:clrMapOvr>
     <a:masterClrMapping/>
@@ -1340,49 +1544,56 @@
 </file>
 
 <file path=ppt/notesSlides/notesSlide9.xml><?xml version="1.0" encoding="utf-8"?>
-<p:notes xmlns:a="http://schemas.openxmlformats.org/drawingml/2006/main" xmlns:r="http://schemas.openxmlformats.org/officeDocument/2006/relationships" xmlns:mc="http://schemas.openxmlformats.org/markup-compatibility/2006" xmlns:mv="urn:schemas-microsoft-com:mac:vml" xmlns:p="http://schemas.openxmlformats.org/presentationml/2006/main" xmlns:c="http://schemas.openxmlformats.org/drawingml/2006/chart" xmlns:dgm="http://schemas.openxmlformats.org/drawingml/2006/diagram" xmlns:o="urn:schemas-microsoft-com:office:office" xmlns:v="urn:schemas-microsoft-com:vml" xmlns:pvml="urn:schemas-microsoft-com:office:powerpoint" xmlns:com="http://schemas.openxmlformats.org/drawingml/2006/compatibility" xmlns:p14="http://schemas.microsoft.com/office/powerpoint/2010/main" showMasterSp="0" showMasterPhAnim="0">
+<p:notes xmlns:a="http://schemas.openxmlformats.org/drawingml/2006/main" xmlns:r="http://schemas.openxmlformats.org/officeDocument/2006/relationships" xmlns:p="http://schemas.openxmlformats.org/presentationml/2006/main" showMasterSp="0" showMasterPhAnim="0">
   <p:cSld>
     <p:spTree>
       <p:nvGrpSpPr>
-        <p:cNvPr id="103" name="Shape 103"/>
+        <p:cNvPr id="1" name="Shape 103"/>
         <p:cNvGrpSpPr/>
         <p:nvPr/>
       </p:nvGrpSpPr>
       <p:grpSpPr>
         <a:xfrm>
-          <a:off y="0" x="0"/>
-          <a:ext cy="0" cx="0"/>
-          <a:chOff y="0" x="0"/>
-          <a:chExt cy="0" cx="0"/>
+          <a:off x="0" y="0"/>
+          <a:ext cx="0" cy="0"/>
+          <a:chOff x="0" y="0"/>
+          <a:chExt cx="0" cy="0"/>
         </a:xfrm>
       </p:grpSpPr>
       <p:sp>
         <p:nvSpPr>
           <p:cNvPr id="104" name="Shape 104"/>
-          <p:cNvSpPr/>
+          <p:cNvSpPr>
+            <a:spLocks noGrp="1" noRot="1" noChangeAspect="1"/>
+          </p:cNvSpPr>
           <p:nvPr>
-            <p:ph idx="2" type="sldImg"/>
+            <p:ph type="sldImg" idx="2"/>
           </p:nvPr>
         </p:nvSpPr>
         <p:spPr>
           <a:xfrm>
-            <a:off y="685800" x="381187"/>
-            <a:ext cy="3429000" cx="6096299"/>
+            <a:off x="381187" y="685800"/>
+            <a:ext cx="6096299" cy="3429000"/>
           </a:xfrm>
           <a:custGeom>
+            <a:avLst/>
+            <a:gdLst/>
+            <a:ahLst/>
+            <a:cxnLst/>
+            <a:rect l="0" t="0" r="0" b="0"/>
             <a:pathLst>
-              <a:path w="120000" extrusionOk="0" h="120000">
+              <a:path w="120000" h="120000" extrusionOk="0">
                 <a:moveTo>
-                  <a:pt y="0" x="0"/>
+                  <a:pt x="0" y="0"/>
                 </a:moveTo>
                 <a:lnTo>
-                  <a:pt y="0" x="120000"/>
+                  <a:pt x="120000" y="0"/>
                 </a:lnTo>
                 <a:lnTo>
-                  <a:pt y="120000" x="120000"/>
+                  <a:pt x="120000" y="120000"/>
                 </a:lnTo>
                 <a:lnTo>
-                  <a:pt y="120000" x="0"/>
+                  <a:pt x="0" y="120000"/>
                 </a:lnTo>
                 <a:close/>
               </a:path>
@@ -1395,30 +1606,32 @@
             </a:solidFill>
             <a:prstDash val="solid"/>
             <a:round/>
-            <a:headEnd w="med" len="med" type="none"/>
-            <a:tailEnd w="med" len="med" type="none"/>
+            <a:headEnd type="none" w="med" len="med"/>
+            <a:tailEnd type="none" w="med" len="med"/>
           </a:ln>
         </p:spPr>
       </p:sp>
       <p:sp>
         <p:nvSpPr>
           <p:cNvPr id="105" name="Shape 105"/>
-          <p:cNvSpPr txBox="1"/>
+          <p:cNvSpPr txBox="1">
+            <a:spLocks noGrp="1"/>
+          </p:cNvSpPr>
           <p:nvPr>
-            <p:ph idx="1" type="body"/>
+            <p:ph type="body" idx="1"/>
           </p:nvPr>
         </p:nvSpPr>
         <p:spPr>
           <a:xfrm>
-            <a:off y="4343400" x="685800"/>
-            <a:ext cy="4114800" cx="5486399"/>
+            <a:off x="685800" y="4343400"/>
+            <a:ext cx="5486399" cy="4114800"/>
           </a:xfrm>
           <a:prstGeom prst="rect">
             <a:avLst/>
           </a:prstGeom>
         </p:spPr>
         <p:txBody>
-          <a:bodyPr bIns="91425" rIns="91425" lIns="91425" tIns="91425" anchor="t" anchorCtr="0">
+          <a:bodyPr lIns="91425" tIns="91425" rIns="91425" bIns="91425" anchor="t" anchorCtr="0">
             <a:noAutofit/>
           </a:bodyPr>
           <a:lstStyle/>
@@ -1429,14 +1642,16 @@
               </a:spcBef>
               <a:buNone/>
             </a:pPr>
-            <a:r>
-              <a:t/>
-            </a:r>
             <a:endParaRPr/>
           </a:p>
         </p:txBody>
       </p:sp>
     </p:spTree>
+    <p:extLst>
+      <p:ext uri="{BB962C8B-B14F-4D97-AF65-F5344CB8AC3E}">
+        <p14:creationId xmlns:p14="http://schemas.microsoft.com/office/powerpoint/2010/main" val="920068891"/>
+      </p:ext>
+    </p:extLst>
   </p:cSld>
   <p:clrMapOvr>
     <a:masterClrMapping/>
@@ -1445,20 +1660,20 @@
 </file>
 
 <file path=ppt/slideLayouts/slideLayout1.xml><?xml version="1.0" encoding="utf-8"?>
-<p:sldLayout xmlns:a="http://schemas.openxmlformats.org/drawingml/2006/main" xmlns:r="http://schemas.openxmlformats.org/officeDocument/2006/relationships" xmlns:mc="http://schemas.openxmlformats.org/markup-compatibility/2006" xmlns:mv="urn:schemas-microsoft-com:mac:vml" xmlns:p="http://schemas.openxmlformats.org/presentationml/2006/main" xmlns:c="http://schemas.openxmlformats.org/drawingml/2006/chart" xmlns:dgm="http://schemas.openxmlformats.org/drawingml/2006/diagram" xmlns:o="urn:schemas-microsoft-com:office:office" xmlns:v="urn:schemas-microsoft-com:vml" xmlns:pvml="urn:schemas-microsoft-com:office:powerpoint" xmlns:com="http://schemas.openxmlformats.org/drawingml/2006/compatibility" xmlns:p14="http://schemas.microsoft.com/office/powerpoint/2010/main" type="title">
+<p:sldLayout xmlns:a="http://schemas.openxmlformats.org/drawingml/2006/main" xmlns:r="http://schemas.openxmlformats.org/officeDocument/2006/relationships" xmlns:p="http://schemas.openxmlformats.org/presentationml/2006/main" type="title">
   <p:cSld name="Title Slide">
     <p:spTree>
       <p:nvGrpSpPr>
-        <p:cNvPr id="7" name="Shape 7"/>
+        <p:cNvPr id="1" name="Shape 7"/>
         <p:cNvGrpSpPr/>
         <p:nvPr/>
       </p:nvGrpSpPr>
       <p:grpSpPr>
         <a:xfrm>
-          <a:off y="0" x="0"/>
-          <a:ext cy="0" cx="0"/>
-          <a:chOff y="0" x="0"/>
-          <a:chExt cy="0" cx="0"/>
+          <a:off x="0" y="0"/>
+          <a:ext cx="0" cy="0"/>
+          <a:chOff x="0" y="0"/>
+          <a:chExt cx="0" cy="0"/>
         </a:xfrm>
       </p:grpSpPr>
       <p:sp>
@@ -1469,8 +1684,8 @@
         </p:nvSpPr>
         <p:spPr>
           <a:xfrm>
-            <a:off y="0" x="0"/>
-            <a:ext cy="5176499" cx="9144000"/>
+            <a:off x="0" y="0"/>
+            <a:ext cx="9144000" cy="5176499"/>
           </a:xfrm>
           <a:prstGeom prst="rect">
             <a:avLst/>
@@ -1491,7 +1706,7 @@
           </a:ln>
         </p:spPr>
         <p:txBody>
-          <a:bodyPr bIns="45700" rIns="91425" lIns="91425" tIns="45700" anchor="ctr" anchorCtr="0">
+          <a:bodyPr lIns="91425" tIns="45700" rIns="91425" bIns="45700" anchor="ctr" anchorCtr="0">
             <a:noAutofit/>
           </a:bodyPr>
           <a:lstStyle/>
@@ -1502,9 +1717,6 @@
               </a:spcBef>
               <a:buNone/>
             </a:pPr>
-            <a:r>
-              <a:t/>
-            </a:r>
             <a:endParaRPr/>
           </a:p>
         </p:txBody>
@@ -1517,28 +1729,33 @@
         </p:nvSpPr>
         <p:spPr>
           <a:xfrm flipH="1">
-            <a:off y="12039" x="-3832"/>
-            <a:ext cy="5165065" cx="10925833"/>
+            <a:off x="-3832" y="12039"/>
+            <a:ext cx="10925833" cy="5165065"/>
           </a:xfrm>
           <a:custGeom>
+            <a:avLst/>
+            <a:gdLst/>
+            <a:ahLst/>
+            <a:cxnLst/>
+            <a:rect l="0" t="0" r="0" b="0"/>
             <a:pathLst>
-              <a:path w="24279631" extrusionOk="0" h="6863875">
+              <a:path w="24279631" h="6863875" extrusionOk="0">
                 <a:moveTo>
-                  <a:pt y="0" x="9291599"/>
+                  <a:pt x="9291599" y="0"/>
                 </a:moveTo>
                 <a:lnTo>
-                  <a:pt y="5875" x="24279631"/>
+                  <a:pt x="24279631" y="5875"/>
                 </a:lnTo>
                 <a:lnTo>
-                  <a:pt y="6863875" x="24250422"/>
+                  <a:pt x="24250422" y="6863875"/>
                 </a:lnTo>
                 <a:lnTo>
-                  <a:pt y="6858000" x="8740466"/>
+                  <a:pt x="8740466" y="6858000"/>
                 </a:lnTo>
                 <a:cubicBezTo>
-                  <a:pt y="3062308" x="0"/>
-                  <a:pt y="312298" x="7449035"/>
-                  <a:pt y="0" x="9291599"/>
+                  <a:pt x="0" y="3062308"/>
+                  <a:pt x="7449035" y="312298"/>
+                  <a:pt x="9291599" y="0"/>
                 </a:cubicBezTo>
                 <a:close/>
               </a:path>
@@ -1563,16 +1780,16 @@
               </a:gs>
             </a:gsLst>
             <a:path path="circle">
-              <a:fillToRect t="100%" r="100%"/>
+              <a:fillToRect t="100000" r="100000"/>
             </a:path>
-            <a:tileRect b="-100%" l="-100%"/>
+            <a:tileRect l="-100000" b="-100000"/>
           </a:gradFill>
           <a:ln>
             <a:noFill/>
           </a:ln>
         </p:spPr>
         <p:txBody>
-          <a:bodyPr bIns="45700" rIns="91425" lIns="91425" tIns="45700" anchor="ctr" anchorCtr="0">
+          <a:bodyPr lIns="91425" tIns="45700" rIns="91425" bIns="45700" anchor="ctr" anchorCtr="0">
             <a:noAutofit/>
           </a:bodyPr>
           <a:lstStyle/>
@@ -1583,9 +1800,6 @@
               </a:spcBef>
               <a:buNone/>
             </a:pPr>
-            <a:r>
-              <a:t/>
-            </a:r>
             <a:endParaRPr/>
           </a:p>
         </p:txBody>
@@ -1598,28 +1812,33 @@
         </p:nvSpPr>
         <p:spPr>
           <a:xfrm flipH="1">
-            <a:off y="660" x="14659"/>
-            <a:ext cy="5165065" cx="10500940"/>
+            <a:off x="14659" y="660"/>
+            <a:ext cx="10500940" cy="5165065"/>
           </a:xfrm>
           <a:custGeom>
+            <a:avLst/>
+            <a:gdLst/>
+            <a:ahLst/>
+            <a:cxnLst/>
+            <a:rect l="0" t="0" r="0" b="0"/>
             <a:pathLst>
-              <a:path w="24279631" extrusionOk="0" h="6863875">
+              <a:path w="24279631" h="6863875" extrusionOk="0">
                 <a:moveTo>
-                  <a:pt y="0" x="9291599"/>
+                  <a:pt x="9291599" y="0"/>
                 </a:moveTo>
                 <a:lnTo>
-                  <a:pt y="5875" x="24279631"/>
+                  <a:pt x="24279631" y="5875"/>
                 </a:lnTo>
                 <a:lnTo>
-                  <a:pt y="6863875" x="24250422"/>
+                  <a:pt x="24250422" y="6863875"/>
                 </a:lnTo>
                 <a:lnTo>
-                  <a:pt y="6858000" x="8740466"/>
+                  <a:pt x="8740466" y="6858000"/>
                 </a:lnTo>
                 <a:cubicBezTo>
-                  <a:pt y="3062308" x="0"/>
-                  <a:pt y="312298" x="7449035"/>
-                  <a:pt y="0" x="9291599"/>
+                  <a:pt x="0" y="3062308"/>
+                  <a:pt x="7449035" y="312298"/>
+                  <a:pt x="9291599" y="0"/>
                 </a:cubicBezTo>
                 <a:close/>
               </a:path>
@@ -1644,16 +1863,16 @@
               </a:gs>
             </a:gsLst>
             <a:path path="circle">
-              <a:fillToRect t="100%" r="100%"/>
+              <a:fillToRect t="100000" r="100000"/>
             </a:path>
-            <a:tileRect b="-100%" l="-100%"/>
+            <a:tileRect l="-100000" b="-100000"/>
           </a:gradFill>
           <a:ln>
             <a:noFill/>
           </a:ln>
         </p:spPr>
         <p:txBody>
-          <a:bodyPr bIns="45700" rIns="91425" lIns="91425" tIns="45700" anchor="b" anchorCtr="0">
+          <a:bodyPr lIns="91425" tIns="45700" rIns="91425" bIns="45700" anchor="b" anchorCtr="0">
             <a:noAutofit/>
           </a:bodyPr>
           <a:lstStyle/>
@@ -1664,9 +1883,6 @@
               </a:spcBef>
               <a:buNone/>
             </a:pPr>
-            <a:r>
-              <a:t/>
-            </a:r>
             <a:endParaRPr/>
           </a:p>
         </p:txBody>
@@ -1679,28 +1895,33 @@
         </p:nvSpPr>
         <p:spPr>
           <a:xfrm>
-            <a:off y="-661" x="-846666"/>
-            <a:ext cy="5176308" cx="2167466"/>
+            <a:off x="-846666" y="-661"/>
+            <a:ext cx="2167466" cy="5176308"/>
           </a:xfrm>
           <a:custGeom>
+            <a:avLst/>
+            <a:gdLst/>
+            <a:ahLst/>
+            <a:cxnLst/>
+            <a:rect l="0" t="0" r="0" b="0"/>
             <a:pathLst>
-              <a:path w="2167467" extrusionOk="0" h="6180667">
+              <a:path w="2167467" h="6180667" extrusionOk="0">
                 <a:moveTo>
-                  <a:pt y="0" x="939800"/>
+                  <a:pt x="939800" y="0"/>
                 </a:moveTo>
                 <a:lnTo>
-                  <a:pt y="5881" x="1905000"/>
+                  <a:pt x="1905000" y="5881"/>
                 </a:lnTo>
                 <a:cubicBezTo>
-                  <a:pt y="1035992" x="2167467"/>
-                  <a:pt y="1848556" x="0"/>
-                  <a:pt y="6180667" x="1896533"/>
+                  <a:pt x="2167467" y="1035992"/>
+                  <a:pt x="0" y="1848556"/>
+                  <a:pt x="1896533" y="6180667"/>
                 </a:cubicBezTo>
                 <a:lnTo>
-                  <a:pt y="6180667" x="939800"/>
+                  <a:pt x="939800" y="6180667"/>
                 </a:lnTo>
                 <a:lnTo>
-                  <a:pt y="0" x="939800"/>
+                  <a:pt x="939800" y="0"/>
                 </a:lnTo>
                 <a:close/>
               </a:path>
@@ -1726,7 +1947,7 @@
           </a:ln>
         </p:spPr>
         <p:txBody>
-          <a:bodyPr bIns="45700" rIns="91425" lIns="91425" tIns="45700" anchor="ctr" anchorCtr="0">
+          <a:bodyPr lIns="91425" tIns="45700" rIns="91425" bIns="45700" anchor="ctr" anchorCtr="0">
             <a:noAutofit/>
           </a:bodyPr>
           <a:lstStyle/>
@@ -1737,9 +1958,6 @@
               </a:spcBef>
               <a:buNone/>
             </a:pPr>
-            <a:r>
-              <a:t/>
-            </a:r>
             <a:endParaRPr/>
           </a:p>
         </p:txBody>
@@ -1752,28 +1970,33 @@
         </p:nvSpPr>
         <p:spPr>
           <a:xfrm rot="10800000" flipH="1">
-            <a:off y="131" x="-524933"/>
-            <a:ext cy="5176308" cx="1403434"/>
+            <a:off x="-524933" y="131"/>
+            <a:ext cx="1403434" cy="5176308"/>
           </a:xfrm>
           <a:custGeom>
+            <a:avLst/>
+            <a:gdLst/>
+            <a:ahLst/>
+            <a:cxnLst/>
+            <a:rect l="0" t="0" r="0" b="0"/>
             <a:pathLst>
-              <a:path w="2167467" extrusionOk="0" h="6180667">
+              <a:path w="2167467" h="6180667" extrusionOk="0">
                 <a:moveTo>
-                  <a:pt y="0" x="939800"/>
+                  <a:pt x="939800" y="0"/>
                 </a:moveTo>
                 <a:lnTo>
-                  <a:pt y="5881" x="1905000"/>
+                  <a:pt x="1905000" y="5881"/>
                 </a:lnTo>
                 <a:cubicBezTo>
-                  <a:pt y="1035992" x="2167467"/>
-                  <a:pt y="1848556" x="0"/>
-                  <a:pt y="6180667" x="1896533"/>
+                  <a:pt x="2167467" y="1035992"/>
+                  <a:pt x="0" y="1848556"/>
+                  <a:pt x="1896533" y="6180667"/>
                 </a:cubicBezTo>
                 <a:lnTo>
-                  <a:pt y="6180667" x="939800"/>
+                  <a:pt x="939800" y="6180667"/>
                 </a:lnTo>
                 <a:lnTo>
-                  <a:pt y="0" x="939800"/>
+                  <a:pt x="939800" y="0"/>
                 </a:lnTo>
                 <a:close/>
               </a:path>
@@ -1799,7 +2022,7 @@
           </a:ln>
         </p:spPr>
         <p:txBody>
-          <a:bodyPr bIns="45700" rIns="91425" lIns="91425" tIns="45700" anchor="ctr" anchorCtr="0">
+          <a:bodyPr lIns="91425" tIns="45700" rIns="91425" bIns="45700" anchor="ctr" anchorCtr="0">
             <a:noAutofit/>
           </a:bodyPr>
           <a:lstStyle/>
@@ -1810,9 +2033,6 @@
               </a:spcBef>
               <a:buNone/>
             </a:pPr>
-            <a:r>
-              <a:t/>
-            </a:r>
             <a:endParaRPr/>
           </a:p>
         </p:txBody>
@@ -1820,22 +2040,24 @@
       <p:sp>
         <p:nvSpPr>
           <p:cNvPr id="13" name="Shape 13"/>
-          <p:cNvSpPr txBox="1"/>
+          <p:cNvSpPr txBox="1">
+            <a:spLocks noGrp="1"/>
+          </p:cNvSpPr>
           <p:nvPr>
             <p:ph type="ctrTitle"/>
           </p:nvPr>
         </p:nvSpPr>
         <p:spPr>
           <a:xfrm>
-            <a:off y="1242060" x="1082040"/>
-            <a:ext cy="1102500" cx="7050900"/>
+            <a:off x="1082040" y="1242060"/>
+            <a:ext cx="7050900" cy="1102500"/>
           </a:xfrm>
           <a:prstGeom prst="rect">
             <a:avLst/>
           </a:prstGeom>
         </p:spPr>
         <p:txBody>
-          <a:bodyPr bIns="91425" rIns="91425" lIns="91425" tIns="91425" anchor="b" anchorCtr="0"/>
+          <a:bodyPr lIns="91425" tIns="91425" rIns="91425" bIns="91425" anchor="b" anchorCtr="0"/>
           <a:lstStyle>
             <a:lvl1pPr algn="r">
               <a:spcBef>
@@ -1964,28 +2186,32 @@
               </a:defRPr>
             </a:lvl9pPr>
           </a:lstStyle>
-          <a:p/>
+          <a:p>
+            <a:endParaRPr/>
+          </a:p>
         </p:txBody>
       </p:sp>
       <p:sp>
         <p:nvSpPr>
           <p:cNvPr id="14" name="Shape 14"/>
-          <p:cNvSpPr txBox="1"/>
+          <p:cNvSpPr txBox="1">
+            <a:spLocks noGrp="1"/>
+          </p:cNvSpPr>
           <p:nvPr>
-            <p:ph idx="1" type="subTitle"/>
+            <p:ph type="subTitle" idx="1"/>
           </p:nvPr>
         </p:nvSpPr>
         <p:spPr>
           <a:xfrm>
-            <a:off y="2423159" x="1082040"/>
-            <a:ext cy="694199" cx="7035899"/>
+            <a:off x="1082040" y="2423159"/>
+            <a:ext cx="7035899" cy="694199"/>
           </a:xfrm>
           <a:prstGeom prst="rect">
             <a:avLst/>
           </a:prstGeom>
         </p:spPr>
         <p:txBody>
-          <a:bodyPr bIns="91425" rIns="91425" lIns="91425" tIns="91425" anchor="t" anchorCtr="0"/>
+          <a:bodyPr lIns="91425" tIns="91425" rIns="91425" bIns="91425" anchor="t" anchorCtr="0"/>
           <a:lstStyle>
             <a:lvl1pPr algn="r">
               <a:spcBef>
@@ -2122,7 +2348,9 @@
               </a:defRPr>
             </a:lvl9pPr>
           </a:lstStyle>
-          <a:p/>
+          <a:p>
+            <a:endParaRPr/>
+          </a:p>
         </p:txBody>
       </p:sp>
     </p:spTree>
@@ -2134,20 +2362,20 @@
 </file>
 
 <file path=ppt/slideLayouts/slideLayout2.xml><?xml version="1.0" encoding="utf-8"?>
-<p:sldLayout xmlns:a="http://schemas.openxmlformats.org/drawingml/2006/main" xmlns:r="http://schemas.openxmlformats.org/officeDocument/2006/relationships" xmlns:mc="http://schemas.openxmlformats.org/markup-compatibility/2006" xmlns:mv="urn:schemas-microsoft-com:mac:vml" xmlns:p="http://schemas.openxmlformats.org/presentationml/2006/main" xmlns:c="http://schemas.openxmlformats.org/drawingml/2006/chart" xmlns:dgm="http://schemas.openxmlformats.org/drawingml/2006/diagram" xmlns:o="urn:schemas-microsoft-com:office:office" xmlns:v="urn:schemas-microsoft-com:vml" xmlns:pvml="urn:schemas-microsoft-com:office:powerpoint" xmlns:com="http://schemas.openxmlformats.org/drawingml/2006/compatibility" xmlns:p14="http://schemas.microsoft.com/office/powerpoint/2010/main" type="tx">
+<p:sldLayout xmlns:a="http://schemas.openxmlformats.org/drawingml/2006/main" xmlns:r="http://schemas.openxmlformats.org/officeDocument/2006/relationships" xmlns:p="http://schemas.openxmlformats.org/presentationml/2006/main" type="tx">
   <p:cSld name="Title and Body">
     <p:spTree>
       <p:nvGrpSpPr>
-        <p:cNvPr id="15" name="Shape 15"/>
+        <p:cNvPr id="1" name="Shape 15"/>
         <p:cNvGrpSpPr/>
         <p:nvPr/>
       </p:nvGrpSpPr>
       <p:grpSpPr>
         <a:xfrm>
-          <a:off y="0" x="0"/>
-          <a:ext cy="0" cx="0"/>
-          <a:chOff y="0" x="0"/>
-          <a:chExt cy="0" cx="0"/>
+          <a:off x="0" y="0"/>
+          <a:ext cx="0" cy="0"/>
+          <a:chOff x="0" y="0"/>
+          <a:chExt cx="0" cy="0"/>
         </a:xfrm>
       </p:grpSpPr>
       <p:sp>
@@ -2158,30 +2386,35 @@
         </p:nvSpPr>
         <p:spPr>
           <a:xfrm rot="10800000" flipH="1">
-            <a:off y="-16424" x="-348182"/>
-            <a:ext cy="5159924" cx="1723519"/>
+            <a:off x="-348182" y="-16424"/>
+            <a:ext cx="1723519" cy="5159924"/>
           </a:xfrm>
           <a:custGeom>
+            <a:avLst/>
+            <a:gdLst/>
+            <a:ahLst/>
+            <a:cxnLst/>
+            <a:rect l="0" t="0" r="0" b="0"/>
             <a:pathLst>
-              <a:path w="4476675" extrusionOk="0" h="6879900">
+              <a:path w="4476675" h="6879900" extrusionOk="0">
                 <a:moveTo>
-                  <a:pt y="16025" x="4476676"/>
+                  <a:pt x="4476676" y="16025"/>
                 </a:moveTo>
                 <a:lnTo>
-                  <a:pt y="0" x="879695"/>
+                  <a:pt x="879695" y="0"/>
                 </a:lnTo>
                 <a:cubicBezTo>
-                  <a:pt y="2293300" x="886211"/>
-                  <a:pt y="4586600" x="892726"/>
-                  <a:pt y="6879900" x="899242"/>
+                  <a:pt x="886211" y="2293300"/>
+                  <a:pt x="892726" y="4586600"/>
+                  <a:pt x="899242" y="6879900"/>
                 </a:cubicBezTo>
                 <a:lnTo>
-                  <a:pt y="6861462" x="3909760"/>
+                  <a:pt x="3909760" y="6861462"/>
                 </a:lnTo>
                 <a:cubicBezTo>
-                  <a:pt y="3547544" x="0"/>
-                  <a:pt y="1824359" x="1695771"/>
-                  <a:pt y="16025" x="4476676"/>
+                  <a:pt x="0" y="3547544"/>
+                  <a:pt x="1695771" y="1824359"/>
+                  <a:pt x="4476676" y="16025"/>
                 </a:cubicBezTo>
                 <a:close/>
               </a:path>
@@ -2206,16 +2439,16 @@
               </a:gs>
             </a:gsLst>
             <a:path path="circle">
-              <a:fillToRect t="100%" r="100%"/>
+              <a:fillToRect t="100000" r="100000"/>
             </a:path>
-            <a:tileRect b="-100%" l="-100%"/>
+            <a:tileRect l="-100000" b="-100000"/>
           </a:gradFill>
           <a:ln>
             <a:noFill/>
           </a:ln>
         </p:spPr>
         <p:txBody>
-          <a:bodyPr bIns="45700" rIns="91425" lIns="91425" tIns="45700" anchor="ctr" anchorCtr="0">
+          <a:bodyPr lIns="91425" tIns="45700" rIns="91425" bIns="45700" anchor="ctr" anchorCtr="0">
             <a:noAutofit/>
           </a:bodyPr>
           <a:lstStyle/>
@@ -2226,9 +2459,6 @@
               </a:spcBef>
               <a:buNone/>
             </a:pPr>
-            <a:r>
-              <a:t/>
-            </a:r>
             <a:endParaRPr/>
           </a:p>
         </p:txBody>
@@ -2236,22 +2466,24 @@
       <p:sp>
         <p:nvSpPr>
           <p:cNvPr id="17" name="Shape 17"/>
-          <p:cNvSpPr txBox="1"/>
+          <p:cNvSpPr txBox="1">
+            <a:spLocks noGrp="1"/>
+          </p:cNvSpPr>
           <p:nvPr>
-            <p:ph idx="1" type="body"/>
+            <p:ph type="body" idx="1"/>
           </p:nvPr>
         </p:nvSpPr>
         <p:spPr>
           <a:xfrm>
-            <a:off y="1244242" x="457200"/>
-            <a:ext cy="3630300" cx="8229600"/>
+            <a:off x="457200" y="1244242"/>
+            <a:ext cx="8229600" cy="3630300"/>
           </a:xfrm>
           <a:prstGeom prst="rect">
             <a:avLst/>
           </a:prstGeom>
         </p:spPr>
         <p:txBody>
-          <a:bodyPr bIns="91425" rIns="91425" lIns="91425" tIns="91425" anchor="t" anchorCtr="0"/>
+          <a:bodyPr lIns="91425" tIns="91425" rIns="91425" bIns="91425" anchor="t" anchorCtr="0"/>
           <a:lstStyle>
             <a:lvl1pPr>
               <a:spcBef>
@@ -2308,7 +2540,9 @@
               <a:defRPr/>
             </a:lvl9pPr>
           </a:lstStyle>
-          <a:p/>
+          <a:p>
+            <a:endParaRPr/>
+          </a:p>
         </p:txBody>
       </p:sp>
       <p:sp>
@@ -2319,30 +2553,35 @@
         </p:nvSpPr>
         <p:spPr>
           <a:xfrm rot="10800000" flipH="1">
-            <a:off y="774" x="-1118653"/>
-            <a:ext cy="5142725" cx="3100650"/>
+            <a:off x="-1118653" y="774"/>
+            <a:ext cx="3100650" cy="5142725"/>
           </a:xfrm>
           <a:custGeom>
+            <a:avLst/>
+            <a:gdLst/>
+            <a:ahLst/>
+            <a:cxnLst/>
+            <a:rect l="0" t="0" r="0" b="0"/>
             <a:pathLst>
-              <a:path w="8053639" extrusionOk="0" h="6879900">
+              <a:path w="8053639" h="6879900" extrusionOk="0">
                 <a:moveTo>
-                  <a:pt y="16025" x="4696126"/>
+                  <a:pt x="4696126" y="16025"/>
                 </a:moveTo>
                 <a:lnTo>
-                  <a:pt y="0" x="2920537"/>
+                  <a:pt x="2920537" y="0"/>
                 </a:lnTo>
                 <a:cubicBezTo>
-                  <a:pt y="2293300" x="2927053"/>
-                  <a:pt y="4586600" x="2933568"/>
-                  <a:pt y="6879900" x="2940084"/>
+                  <a:pt x="2927053" y="2293300"/>
+                  <a:pt x="2933568" y="4586600"/>
+                  <a:pt x="2940084" y="6879900"/>
                 </a:cubicBezTo>
                 <a:lnTo>
-                  <a:pt y="6861462" x="4085318"/>
+                  <a:pt x="4085318" y="6861462"/>
                 </a:lnTo>
                 <a:cubicBezTo>
-                  <a:pt y="4651267" x="8053639"/>
-                  <a:pt y="3113439" x="0"/>
-                  <a:pt y="16025" x="4696126"/>
+                  <a:pt x="8053639" y="4651267"/>
+                  <a:pt x="0" y="3113439"/>
+                  <a:pt x="4696126" y="16025"/>
                 </a:cubicBezTo>
                 <a:close/>
               </a:path>
@@ -2367,16 +2606,16 @@
               </a:gs>
             </a:gsLst>
             <a:path path="circle">
-              <a:fillToRect t="100%" r="100%"/>
+              <a:fillToRect t="100000" r="100000"/>
             </a:path>
-            <a:tileRect b="-100%" l="-100%"/>
+            <a:tileRect l="-100000" b="-100000"/>
           </a:gradFill>
           <a:ln>
             <a:noFill/>
           </a:ln>
         </p:spPr>
         <p:txBody>
-          <a:bodyPr bIns="45700" rIns="91425" lIns="91425" tIns="45700" anchor="ctr" anchorCtr="0">
+          <a:bodyPr lIns="91425" tIns="45700" rIns="91425" bIns="45700" anchor="ctr" anchorCtr="0">
             <a:noAutofit/>
           </a:bodyPr>
           <a:lstStyle/>
@@ -2387,9 +2626,6 @@
               </a:spcBef>
               <a:buNone/>
             </a:pPr>
-            <a:r>
-              <a:t/>
-            </a:r>
             <a:endParaRPr/>
           </a:p>
         </p:txBody>
@@ -2402,28 +2638,33 @@
         </p:nvSpPr>
         <p:spPr>
           <a:xfrm rot="10800000">
-            <a:off y="-9550" x="8088846"/>
-            <a:ext cy="5153050" cx="1100667"/>
+            <a:off x="8088846" y="-9550"/>
+            <a:ext cx="1100667" cy="5153050"/>
           </a:xfrm>
           <a:custGeom>
+            <a:avLst/>
+            <a:gdLst/>
+            <a:ahLst/>
+            <a:cxnLst/>
+            <a:rect l="0" t="0" r="0" b="0"/>
             <a:pathLst>
-              <a:path w="1100668" extrusionOk="0" h="6916846">
+              <a:path w="1100668" h="6916846" extrusionOk="0">
                 <a:moveTo>
-                  <a:pt y="11711" x="0"/>
+                  <a:pt x="0" y="11711"/>
                 </a:moveTo>
                 <a:lnTo>
-                  <a:pt y="0" x="956734"/>
+                  <a:pt x="956734" y="0"/>
                 </a:lnTo>
                 <a:cubicBezTo>
-                  <a:pt y="3419922" x="33869"/>
-                  <a:pt y="4504457" x="220135"/>
-                  <a:pt y="6916846" x="1100668"/>
+                  <a:pt x="33869" y="3419922"/>
+                  <a:pt x="220135" y="4504457"/>
+                  <a:pt x="1100668" y="6916846"/>
                 </a:cubicBezTo>
                 <a:lnTo>
-                  <a:pt y="6916846" x="0"/>
+                  <a:pt x="0" y="6916846"/>
                 </a:lnTo>
                 <a:lnTo>
-                  <a:pt y="11711" x="0"/>
+                  <a:pt x="0" y="11711"/>
                 </a:lnTo>
                 <a:close/>
               </a:path>
@@ -2445,7 +2686,7 @@
           </a:ln>
         </p:spPr>
         <p:txBody>
-          <a:bodyPr bIns="45700" rIns="91425" lIns="91425" tIns="45700" anchor="ctr" anchorCtr="0">
+          <a:bodyPr lIns="91425" tIns="45700" rIns="91425" bIns="45700" anchor="ctr" anchorCtr="0">
             <a:noAutofit/>
           </a:bodyPr>
           <a:lstStyle/>
@@ -2456,9 +2697,6 @@
               </a:spcBef>
               <a:buNone/>
             </a:pPr>
-            <a:r>
-              <a:t/>
-            </a:r>
             <a:endParaRPr/>
           </a:p>
         </p:txBody>
@@ -2466,22 +2704,24 @@
       <p:sp>
         <p:nvSpPr>
           <p:cNvPr id="20" name="Shape 20"/>
-          <p:cNvSpPr txBox="1"/>
+          <p:cNvSpPr txBox="1">
+            <a:spLocks noGrp="1"/>
+          </p:cNvSpPr>
           <p:nvPr>
             <p:ph type="title"/>
           </p:nvPr>
         </p:nvSpPr>
         <p:spPr>
           <a:xfrm>
-            <a:off y="205978" x="457200"/>
-            <a:ext cy="994200" cx="8229600"/>
+            <a:off x="457200" y="205978"/>
+            <a:ext cx="8229600" cy="994200"/>
           </a:xfrm>
           <a:prstGeom prst="rect">
             <a:avLst/>
           </a:prstGeom>
         </p:spPr>
         <p:txBody>
-          <a:bodyPr bIns="91425" rIns="91425" lIns="91425" tIns="91425" anchor="b" anchorCtr="0"/>
+          <a:bodyPr lIns="91425" tIns="91425" rIns="91425" bIns="91425" anchor="b" anchorCtr="0"/>
           <a:lstStyle>
             <a:lvl1pPr>
               <a:spcBef>
@@ -2538,7 +2778,9 @@
               <a:defRPr/>
             </a:lvl9pPr>
           </a:lstStyle>
-          <a:p/>
+          <a:p>
+            <a:endParaRPr/>
+          </a:p>
         </p:txBody>
       </p:sp>
     </p:spTree>
@@ -2550,20 +2792,20 @@
 </file>
 
 <file path=ppt/slideLayouts/slideLayout3.xml><?xml version="1.0" encoding="utf-8"?>
-<p:sldLayout xmlns:a="http://schemas.openxmlformats.org/drawingml/2006/main" xmlns:r="http://schemas.openxmlformats.org/officeDocument/2006/relationships" xmlns:mc="http://schemas.openxmlformats.org/markup-compatibility/2006" xmlns:mv="urn:schemas-microsoft-com:mac:vml" xmlns:p="http://schemas.openxmlformats.org/presentationml/2006/main" xmlns:c="http://schemas.openxmlformats.org/drawingml/2006/chart" xmlns:dgm="http://schemas.openxmlformats.org/drawingml/2006/diagram" xmlns:o="urn:schemas-microsoft-com:office:office" xmlns:v="urn:schemas-microsoft-com:vml" xmlns:pvml="urn:schemas-microsoft-com:office:powerpoint" xmlns:com="http://schemas.openxmlformats.org/drawingml/2006/compatibility" xmlns:p14="http://schemas.microsoft.com/office/powerpoint/2010/main" type="twoColTx">
+<p:sldLayout xmlns:a="http://schemas.openxmlformats.org/drawingml/2006/main" xmlns:r="http://schemas.openxmlformats.org/officeDocument/2006/relationships" xmlns:p="http://schemas.openxmlformats.org/presentationml/2006/main" type="twoColTx">
   <p:cSld name="Title and Two Columns">
     <p:spTree>
       <p:nvGrpSpPr>
-        <p:cNvPr id="21" name="Shape 21"/>
+        <p:cNvPr id="1" name="Shape 21"/>
         <p:cNvGrpSpPr/>
         <p:nvPr/>
       </p:nvGrpSpPr>
       <p:grpSpPr>
         <a:xfrm>
-          <a:off y="0" x="0"/>
-          <a:ext cy="0" cx="0"/>
-          <a:chOff y="0" x="0"/>
-          <a:chExt cy="0" cx="0"/>
+          <a:off x="0" y="0"/>
+          <a:ext cx="0" cy="0"/>
+          <a:chOff x="0" y="0"/>
+          <a:chExt cx="0" cy="0"/>
         </a:xfrm>
       </p:grpSpPr>
       <p:sp>
@@ -2574,30 +2816,35 @@
         </p:nvSpPr>
         <p:spPr>
           <a:xfrm rot="10800000" flipH="1">
-            <a:off y="-16424" x="-348182"/>
-            <a:ext cy="5159924" cx="1723519"/>
+            <a:off x="-348182" y="-16424"/>
+            <a:ext cx="1723519" cy="5159924"/>
           </a:xfrm>
           <a:custGeom>
+            <a:avLst/>
+            <a:gdLst/>
+            <a:ahLst/>
+            <a:cxnLst/>
+            <a:rect l="0" t="0" r="0" b="0"/>
             <a:pathLst>
-              <a:path w="4476675" extrusionOk="0" h="6879900">
+              <a:path w="4476675" h="6879900" extrusionOk="0">
                 <a:moveTo>
-                  <a:pt y="16025" x="4476676"/>
+                  <a:pt x="4476676" y="16025"/>
                 </a:moveTo>
                 <a:lnTo>
-                  <a:pt y="0" x="879695"/>
+                  <a:pt x="879695" y="0"/>
                 </a:lnTo>
                 <a:cubicBezTo>
-                  <a:pt y="2293300" x="886211"/>
-                  <a:pt y="4586600" x="892726"/>
-                  <a:pt y="6879900" x="899242"/>
+                  <a:pt x="886211" y="2293300"/>
+                  <a:pt x="892726" y="4586600"/>
+                  <a:pt x="899242" y="6879900"/>
                 </a:cubicBezTo>
                 <a:lnTo>
-                  <a:pt y="6861462" x="3909760"/>
+                  <a:pt x="3909760" y="6861462"/>
                 </a:lnTo>
                 <a:cubicBezTo>
-                  <a:pt y="3547544" x="0"/>
-                  <a:pt y="1824359" x="1695771"/>
-                  <a:pt y="16025" x="4476676"/>
+                  <a:pt x="0" y="3547544"/>
+                  <a:pt x="1695771" y="1824359"/>
+                  <a:pt x="4476676" y="16025"/>
                 </a:cubicBezTo>
                 <a:close/>
               </a:path>
@@ -2622,16 +2869,16 @@
               </a:gs>
             </a:gsLst>
             <a:path path="circle">
-              <a:fillToRect t="100%" r="100%"/>
+              <a:fillToRect t="100000" r="100000"/>
             </a:path>
-            <a:tileRect b="-100%" l="-100%"/>
+            <a:tileRect l="-100000" b="-100000"/>
           </a:gradFill>
           <a:ln>
             <a:noFill/>
           </a:ln>
         </p:spPr>
         <p:txBody>
-          <a:bodyPr bIns="45700" rIns="91425" lIns="91425" tIns="45700" anchor="ctr" anchorCtr="0">
+          <a:bodyPr lIns="91425" tIns="45700" rIns="91425" bIns="45700" anchor="ctr" anchorCtr="0">
             <a:noAutofit/>
           </a:bodyPr>
           <a:lstStyle/>
@@ -2642,9 +2889,6 @@
               </a:spcBef>
               <a:buNone/>
             </a:pPr>
-            <a:r>
-              <a:t/>
-            </a:r>
             <a:endParaRPr/>
           </a:p>
         </p:txBody>
@@ -2657,30 +2901,35 @@
         </p:nvSpPr>
         <p:spPr>
           <a:xfrm rot="10800000" flipH="1">
-            <a:off y="774" x="-1118653"/>
-            <a:ext cy="5142725" cx="3100650"/>
+            <a:off x="-1118653" y="774"/>
+            <a:ext cx="3100650" cy="5142725"/>
           </a:xfrm>
           <a:custGeom>
+            <a:avLst/>
+            <a:gdLst/>
+            <a:ahLst/>
+            <a:cxnLst/>
+            <a:rect l="0" t="0" r="0" b="0"/>
             <a:pathLst>
-              <a:path w="8053639" extrusionOk="0" h="6879900">
+              <a:path w="8053639" h="6879900" extrusionOk="0">
                 <a:moveTo>
-                  <a:pt y="16025" x="4696126"/>
+                  <a:pt x="4696126" y="16025"/>
                 </a:moveTo>
                 <a:lnTo>
-                  <a:pt y="0" x="2920537"/>
+                  <a:pt x="2920537" y="0"/>
                 </a:lnTo>
                 <a:cubicBezTo>
-                  <a:pt y="2293300" x="2927053"/>
-                  <a:pt y="4586600" x="2933568"/>
-                  <a:pt y="6879900" x="2940084"/>
+                  <a:pt x="2927053" y="2293300"/>
+                  <a:pt x="2933568" y="4586600"/>
+                  <a:pt x="2940084" y="6879900"/>
                 </a:cubicBezTo>
                 <a:lnTo>
-                  <a:pt y="6861462" x="4085318"/>
+                  <a:pt x="4085318" y="6861462"/>
                 </a:lnTo>
                 <a:cubicBezTo>
-                  <a:pt y="4651267" x="8053639"/>
-                  <a:pt y="3113439" x="0"/>
-                  <a:pt y="16025" x="4696126"/>
+                  <a:pt x="8053639" y="4651267"/>
+                  <a:pt x="0" y="3113439"/>
+                  <a:pt x="4696126" y="16025"/>
                 </a:cubicBezTo>
                 <a:close/>
               </a:path>
@@ -2705,16 +2954,16 @@
               </a:gs>
             </a:gsLst>
             <a:path path="circle">
-              <a:fillToRect t="100%" r="100%"/>
+              <a:fillToRect t="100000" r="100000"/>
             </a:path>
-            <a:tileRect b="-100%" l="-100%"/>
+            <a:tileRect l="-100000" b="-100000"/>
           </a:gradFill>
           <a:ln>
             <a:noFill/>
           </a:ln>
         </p:spPr>
         <p:txBody>
-          <a:bodyPr bIns="45700" rIns="91425" lIns="91425" tIns="45700" anchor="ctr" anchorCtr="0">
+          <a:bodyPr lIns="91425" tIns="45700" rIns="91425" bIns="45700" anchor="ctr" anchorCtr="0">
             <a:noAutofit/>
           </a:bodyPr>
           <a:lstStyle/>
@@ -2725,9 +2974,6 @@
               </a:spcBef>
               <a:buNone/>
             </a:pPr>
-            <a:r>
-              <a:t/>
-            </a:r>
             <a:endParaRPr/>
           </a:p>
         </p:txBody>
@@ -2740,28 +2986,33 @@
         </p:nvSpPr>
         <p:spPr>
           <a:xfrm rot="10800000">
-            <a:off y="-9550" x="8088846"/>
-            <a:ext cy="5153050" cx="1100667"/>
+            <a:off x="8088846" y="-9550"/>
+            <a:ext cx="1100667" cy="5153050"/>
           </a:xfrm>
           <a:custGeom>
+            <a:avLst/>
+            <a:gdLst/>
+            <a:ahLst/>
+            <a:cxnLst/>
+            <a:rect l="0" t="0" r="0" b="0"/>
             <a:pathLst>
-              <a:path w="1100668" extrusionOk="0" h="6916846">
+              <a:path w="1100668" h="6916846" extrusionOk="0">
                 <a:moveTo>
-                  <a:pt y="11711" x="0"/>
+                  <a:pt x="0" y="11711"/>
                 </a:moveTo>
                 <a:lnTo>
-                  <a:pt y="0" x="956734"/>
+                  <a:pt x="956734" y="0"/>
                 </a:lnTo>
                 <a:cubicBezTo>
-                  <a:pt y="3419922" x="33869"/>
-                  <a:pt y="4504457" x="220135"/>
-                  <a:pt y="6916846" x="1100668"/>
+                  <a:pt x="33869" y="3419922"/>
+                  <a:pt x="220135" y="4504457"/>
+                  <a:pt x="1100668" y="6916846"/>
                 </a:cubicBezTo>
                 <a:lnTo>
-                  <a:pt y="6916846" x="0"/>
+                  <a:pt x="0" y="6916846"/>
                 </a:lnTo>
                 <a:lnTo>
-                  <a:pt y="11711" x="0"/>
+                  <a:pt x="0" y="11711"/>
                 </a:lnTo>
                 <a:close/>
               </a:path>
@@ -2783,7 +3034,7 @@
           </a:ln>
         </p:spPr>
         <p:txBody>
-          <a:bodyPr bIns="45700" rIns="91425" lIns="91425" tIns="45700" anchor="ctr" anchorCtr="0">
+          <a:bodyPr lIns="91425" tIns="45700" rIns="91425" bIns="45700" anchor="ctr" anchorCtr="0">
             <a:noAutofit/>
           </a:bodyPr>
           <a:lstStyle/>
@@ -2794,9 +3045,6 @@
               </a:spcBef>
               <a:buNone/>
             </a:pPr>
-            <a:r>
-              <a:t/>
-            </a:r>
             <a:endParaRPr/>
           </a:p>
         </p:txBody>
@@ -2804,22 +3052,24 @@
       <p:sp>
         <p:nvSpPr>
           <p:cNvPr id="25" name="Shape 25"/>
-          <p:cNvSpPr txBox="1"/>
+          <p:cNvSpPr txBox="1">
+            <a:spLocks noGrp="1"/>
+          </p:cNvSpPr>
           <p:nvPr>
             <p:ph type="title"/>
           </p:nvPr>
         </p:nvSpPr>
         <p:spPr>
           <a:xfrm>
-            <a:off y="205978" x="457200"/>
-            <a:ext cy="994200" cx="8229600"/>
+            <a:off x="457200" y="205978"/>
+            <a:ext cx="8229600" cy="994200"/>
           </a:xfrm>
           <a:prstGeom prst="rect">
             <a:avLst/>
           </a:prstGeom>
         </p:spPr>
         <p:txBody>
-          <a:bodyPr bIns="91425" rIns="91425" lIns="91425" tIns="91425" anchor="b" anchorCtr="0"/>
+          <a:bodyPr lIns="91425" tIns="91425" rIns="91425" bIns="91425" anchor="b" anchorCtr="0"/>
           <a:lstStyle>
             <a:lvl1pPr>
               <a:spcBef>
@@ -2876,28 +3126,32 @@
               <a:defRPr/>
             </a:lvl9pPr>
           </a:lstStyle>
-          <a:p/>
+          <a:p>
+            <a:endParaRPr/>
+          </a:p>
         </p:txBody>
       </p:sp>
       <p:sp>
         <p:nvSpPr>
           <p:cNvPr id="26" name="Shape 26"/>
-          <p:cNvSpPr txBox="1"/>
+          <p:cNvSpPr txBox="1">
+            <a:spLocks noGrp="1"/>
+          </p:cNvSpPr>
           <p:nvPr>
-            <p:ph idx="1" type="body"/>
+            <p:ph type="body" idx="1"/>
           </p:nvPr>
         </p:nvSpPr>
         <p:spPr>
           <a:xfrm>
-            <a:off y="1244242" x="457200"/>
-            <a:ext cy="3630300" cx="4038599"/>
+            <a:off x="457200" y="1244242"/>
+            <a:ext cx="4038599" cy="3630300"/>
           </a:xfrm>
           <a:prstGeom prst="rect">
             <a:avLst/>
           </a:prstGeom>
         </p:spPr>
         <p:txBody>
-          <a:bodyPr bIns="91425" rIns="91425" lIns="91425" tIns="91425" anchor="t" anchorCtr="0"/>
+          <a:bodyPr lIns="91425" tIns="91425" rIns="91425" bIns="91425" anchor="t" anchorCtr="0"/>
           <a:lstStyle>
             <a:lvl1pPr>
               <a:spcBef>
@@ -2954,28 +3208,32 @@
               <a:defRPr sz="1800"/>
             </a:lvl9pPr>
           </a:lstStyle>
-          <a:p/>
+          <a:p>
+            <a:endParaRPr/>
+          </a:p>
         </p:txBody>
       </p:sp>
       <p:sp>
         <p:nvSpPr>
           <p:cNvPr id="27" name="Shape 27"/>
-          <p:cNvSpPr txBox="1"/>
+          <p:cNvSpPr txBox="1">
+            <a:spLocks noGrp="1"/>
+          </p:cNvSpPr>
           <p:nvPr>
-            <p:ph idx="2" type="body"/>
+            <p:ph type="body" idx="2"/>
           </p:nvPr>
         </p:nvSpPr>
         <p:spPr>
           <a:xfrm>
-            <a:off y="1244242" x="4648200"/>
-            <a:ext cy="3630300" cx="4038599"/>
+            <a:off x="4648200" y="1244242"/>
+            <a:ext cx="4038599" cy="3630300"/>
           </a:xfrm>
           <a:prstGeom prst="rect">
             <a:avLst/>
           </a:prstGeom>
         </p:spPr>
         <p:txBody>
-          <a:bodyPr bIns="91425" rIns="91425" lIns="91425" tIns="91425" anchor="t" anchorCtr="0"/>
+          <a:bodyPr lIns="91425" tIns="91425" rIns="91425" bIns="91425" anchor="t" anchorCtr="0"/>
           <a:lstStyle>
             <a:lvl1pPr>
               <a:spcBef>
@@ -3032,7 +3290,9 @@
               <a:defRPr sz="1800"/>
             </a:lvl9pPr>
           </a:lstStyle>
-          <a:p/>
+          <a:p>
+            <a:endParaRPr/>
+          </a:p>
         </p:txBody>
       </p:sp>
     </p:spTree>
@@ -3044,20 +3304,20 @@
 </file>
 
 <file path=ppt/slideLayouts/slideLayout4.xml><?xml version="1.0" encoding="utf-8"?>
-<p:sldLayout xmlns:a="http://schemas.openxmlformats.org/drawingml/2006/main" xmlns:r="http://schemas.openxmlformats.org/officeDocument/2006/relationships" xmlns:mc="http://schemas.openxmlformats.org/markup-compatibility/2006" xmlns:mv="urn:schemas-microsoft-com:mac:vml" xmlns:p="http://schemas.openxmlformats.org/presentationml/2006/main" xmlns:c="http://schemas.openxmlformats.org/drawingml/2006/chart" xmlns:dgm="http://schemas.openxmlformats.org/drawingml/2006/diagram" xmlns:o="urn:schemas-microsoft-com:office:office" xmlns:v="urn:schemas-microsoft-com:vml" xmlns:pvml="urn:schemas-microsoft-com:office:powerpoint" xmlns:com="http://schemas.openxmlformats.org/drawingml/2006/compatibility" xmlns:p14="http://schemas.microsoft.com/office/powerpoint/2010/main" type="titleOnly">
+<p:sldLayout xmlns:a="http://schemas.openxmlformats.org/drawingml/2006/main" xmlns:r="http://schemas.openxmlformats.org/officeDocument/2006/relationships" xmlns:p="http://schemas.openxmlformats.org/presentationml/2006/main" type="titleOnly">
   <p:cSld name="Title Only">
     <p:spTree>
       <p:nvGrpSpPr>
-        <p:cNvPr id="28" name="Shape 28"/>
+        <p:cNvPr id="1" name="Shape 28"/>
         <p:cNvGrpSpPr/>
         <p:nvPr/>
       </p:nvGrpSpPr>
       <p:grpSpPr>
         <a:xfrm>
-          <a:off y="0" x="0"/>
-          <a:ext cy="0" cx="0"/>
-          <a:chOff y="0" x="0"/>
-          <a:chExt cy="0" cx="0"/>
+          <a:off x="0" y="0"/>
+          <a:ext cx="0" cy="0"/>
+          <a:chOff x="0" y="0"/>
+          <a:chExt cx="0" cy="0"/>
         </a:xfrm>
       </p:grpSpPr>
       <p:sp>
@@ -3068,30 +3328,35 @@
         </p:nvSpPr>
         <p:spPr>
           <a:xfrm rot="10800000" flipH="1">
-            <a:off y="-16424" x="-348182"/>
-            <a:ext cy="5159924" cx="1723519"/>
+            <a:off x="-348182" y="-16424"/>
+            <a:ext cx="1723519" cy="5159924"/>
           </a:xfrm>
           <a:custGeom>
+            <a:avLst/>
+            <a:gdLst/>
+            <a:ahLst/>
+            <a:cxnLst/>
+            <a:rect l="0" t="0" r="0" b="0"/>
             <a:pathLst>
-              <a:path w="4476675" extrusionOk="0" h="6879900">
+              <a:path w="4476675" h="6879900" extrusionOk="0">
                 <a:moveTo>
-                  <a:pt y="16025" x="4476676"/>
+                  <a:pt x="4476676" y="16025"/>
                 </a:moveTo>
                 <a:lnTo>
-                  <a:pt y="0" x="879695"/>
+                  <a:pt x="879695" y="0"/>
                 </a:lnTo>
                 <a:cubicBezTo>
-                  <a:pt y="2293300" x="886211"/>
-                  <a:pt y="4586600" x="892726"/>
-                  <a:pt y="6879900" x="899242"/>
+                  <a:pt x="886211" y="2293300"/>
+                  <a:pt x="892726" y="4586600"/>
+                  <a:pt x="899242" y="6879900"/>
                 </a:cubicBezTo>
                 <a:lnTo>
-                  <a:pt y="6861462" x="3909760"/>
+                  <a:pt x="3909760" y="6861462"/>
                 </a:lnTo>
                 <a:cubicBezTo>
-                  <a:pt y="3547544" x="0"/>
-                  <a:pt y="1824359" x="1695771"/>
-                  <a:pt y="16025" x="4476676"/>
+                  <a:pt x="0" y="3547544"/>
+                  <a:pt x="1695771" y="1824359"/>
+                  <a:pt x="4476676" y="16025"/>
                 </a:cubicBezTo>
                 <a:close/>
               </a:path>
@@ -3116,16 +3381,16 @@
               </a:gs>
             </a:gsLst>
             <a:path path="circle">
-              <a:fillToRect t="100%" r="100%"/>
+              <a:fillToRect t="100000" r="100000"/>
             </a:path>
-            <a:tileRect b="-100%" l="-100%"/>
+            <a:tileRect l="-100000" b="-100000"/>
           </a:gradFill>
           <a:ln>
             <a:noFill/>
           </a:ln>
         </p:spPr>
         <p:txBody>
-          <a:bodyPr bIns="45700" rIns="91425" lIns="91425" tIns="45700" anchor="ctr" anchorCtr="0">
+          <a:bodyPr lIns="91425" tIns="45700" rIns="91425" bIns="45700" anchor="ctr" anchorCtr="0">
             <a:noAutofit/>
           </a:bodyPr>
           <a:lstStyle/>
@@ -3136,9 +3401,6 @@
               </a:spcBef>
               <a:buNone/>
             </a:pPr>
-            <a:r>
-              <a:t/>
-            </a:r>
             <a:endParaRPr/>
           </a:p>
         </p:txBody>
@@ -3151,30 +3413,35 @@
         </p:nvSpPr>
         <p:spPr>
           <a:xfrm rot="10800000" flipH="1">
-            <a:off y="774" x="-1118653"/>
-            <a:ext cy="5142725" cx="3100650"/>
+            <a:off x="-1118653" y="774"/>
+            <a:ext cx="3100650" cy="5142725"/>
           </a:xfrm>
           <a:custGeom>
+            <a:avLst/>
+            <a:gdLst/>
+            <a:ahLst/>
+            <a:cxnLst/>
+            <a:rect l="0" t="0" r="0" b="0"/>
             <a:pathLst>
-              <a:path w="8053639" extrusionOk="0" h="6879900">
+              <a:path w="8053639" h="6879900" extrusionOk="0">
                 <a:moveTo>
-                  <a:pt y="16025" x="4696126"/>
+                  <a:pt x="4696126" y="16025"/>
                 </a:moveTo>
                 <a:lnTo>
-                  <a:pt y="0" x="2920537"/>
+                  <a:pt x="2920537" y="0"/>
                 </a:lnTo>
                 <a:cubicBezTo>
-                  <a:pt y="2293300" x="2927053"/>
-                  <a:pt y="4586600" x="2933568"/>
-                  <a:pt y="6879900" x="2940084"/>
+                  <a:pt x="2927053" y="2293300"/>
+                  <a:pt x="2933568" y="4586600"/>
+                  <a:pt x="2940084" y="6879900"/>
                 </a:cubicBezTo>
                 <a:lnTo>
-                  <a:pt y="6861462" x="4085318"/>
+                  <a:pt x="4085318" y="6861462"/>
                 </a:lnTo>
                 <a:cubicBezTo>
-                  <a:pt y="4651267" x="8053639"/>
-                  <a:pt y="3113439" x="0"/>
-                  <a:pt y="16025" x="4696126"/>
+                  <a:pt x="8053639" y="4651267"/>
+                  <a:pt x="0" y="3113439"/>
+                  <a:pt x="4696126" y="16025"/>
                 </a:cubicBezTo>
                 <a:close/>
               </a:path>
@@ -3199,16 +3466,16 @@
               </a:gs>
             </a:gsLst>
             <a:path path="circle">
-              <a:fillToRect t="100%" r="100%"/>
+              <a:fillToRect t="100000" r="100000"/>
             </a:path>
-            <a:tileRect b="-100%" l="-100%"/>
+            <a:tileRect l="-100000" b="-100000"/>
           </a:gradFill>
           <a:ln>
             <a:noFill/>
           </a:ln>
         </p:spPr>
         <p:txBody>
-          <a:bodyPr bIns="45700" rIns="91425" lIns="91425" tIns="45700" anchor="ctr" anchorCtr="0">
+          <a:bodyPr lIns="91425" tIns="45700" rIns="91425" bIns="45700" anchor="ctr" anchorCtr="0">
             <a:noAutofit/>
           </a:bodyPr>
           <a:lstStyle/>
@@ -3219,9 +3486,6 @@
               </a:spcBef>
               <a:buNone/>
             </a:pPr>
-            <a:r>
-              <a:t/>
-            </a:r>
             <a:endParaRPr/>
           </a:p>
         </p:txBody>
@@ -3234,28 +3498,33 @@
         </p:nvSpPr>
         <p:spPr>
           <a:xfrm rot="10800000">
-            <a:off y="-9550" x="8088846"/>
-            <a:ext cy="5153050" cx="1100667"/>
+            <a:off x="8088846" y="-9550"/>
+            <a:ext cx="1100667" cy="5153050"/>
           </a:xfrm>
           <a:custGeom>
+            <a:avLst/>
+            <a:gdLst/>
+            <a:ahLst/>
+            <a:cxnLst/>
+            <a:rect l="0" t="0" r="0" b="0"/>
             <a:pathLst>
-              <a:path w="1100668" extrusionOk="0" h="6916846">
+              <a:path w="1100668" h="6916846" extrusionOk="0">
                 <a:moveTo>
-                  <a:pt y="11711" x="0"/>
+                  <a:pt x="0" y="11711"/>
                 </a:moveTo>
                 <a:lnTo>
-                  <a:pt y="0" x="956734"/>
+                  <a:pt x="956734" y="0"/>
                 </a:lnTo>
                 <a:cubicBezTo>
-                  <a:pt y="3419922" x="33869"/>
-                  <a:pt y="4504457" x="220135"/>
-                  <a:pt y="6916846" x="1100668"/>
+                  <a:pt x="33869" y="3419922"/>
+                  <a:pt x="220135" y="4504457"/>
+                  <a:pt x="1100668" y="6916846"/>
                 </a:cubicBezTo>
                 <a:lnTo>
-                  <a:pt y="6916846" x="0"/>
+                  <a:pt x="0" y="6916846"/>
                 </a:lnTo>
                 <a:lnTo>
-                  <a:pt y="11711" x="0"/>
+                  <a:pt x="0" y="11711"/>
                 </a:lnTo>
                 <a:close/>
               </a:path>
@@ -3277,7 +3546,7 @@
           </a:ln>
         </p:spPr>
         <p:txBody>
-          <a:bodyPr bIns="45700" rIns="91425" lIns="91425" tIns="45700" anchor="ctr" anchorCtr="0">
+          <a:bodyPr lIns="91425" tIns="45700" rIns="91425" bIns="45700" anchor="ctr" anchorCtr="0">
             <a:noAutofit/>
           </a:bodyPr>
           <a:lstStyle/>
@@ -3288,9 +3557,6 @@
               </a:spcBef>
               <a:buNone/>
             </a:pPr>
-            <a:r>
-              <a:t/>
-            </a:r>
             <a:endParaRPr/>
           </a:p>
         </p:txBody>
@@ -3298,22 +3564,24 @@
       <p:sp>
         <p:nvSpPr>
           <p:cNvPr id="32" name="Shape 32"/>
-          <p:cNvSpPr txBox="1"/>
+          <p:cNvSpPr txBox="1">
+            <a:spLocks noGrp="1"/>
+          </p:cNvSpPr>
           <p:nvPr>
             <p:ph type="title"/>
           </p:nvPr>
         </p:nvSpPr>
         <p:spPr>
           <a:xfrm>
-            <a:off y="205978" x="457200"/>
-            <a:ext cy="994200" cx="8229600"/>
+            <a:off x="457200" y="205978"/>
+            <a:ext cx="8229600" cy="994200"/>
           </a:xfrm>
           <a:prstGeom prst="rect">
             <a:avLst/>
           </a:prstGeom>
         </p:spPr>
         <p:txBody>
-          <a:bodyPr bIns="91425" rIns="91425" lIns="91425" tIns="91425" anchor="b" anchorCtr="0"/>
+          <a:bodyPr lIns="91425" tIns="91425" rIns="91425" bIns="91425" anchor="b" anchorCtr="0"/>
           <a:lstStyle>
             <a:lvl1pPr>
               <a:spcBef>
@@ -3370,7 +3638,9 @@
               <a:defRPr/>
             </a:lvl9pPr>
           </a:lstStyle>
-          <a:p/>
+          <a:p>
+            <a:endParaRPr/>
+          </a:p>
         </p:txBody>
       </p:sp>
     </p:spTree>
@@ -3382,20 +3652,20 @@
 </file>
 
 <file path=ppt/slideLayouts/slideLayout5.xml><?xml version="1.0" encoding="utf-8"?>
-<p:sldLayout xmlns:a="http://schemas.openxmlformats.org/drawingml/2006/main" xmlns:r="http://schemas.openxmlformats.org/officeDocument/2006/relationships" xmlns:mc="http://schemas.openxmlformats.org/markup-compatibility/2006" xmlns:mv="urn:schemas-microsoft-com:mac:vml" xmlns:p="http://schemas.openxmlformats.org/presentationml/2006/main" xmlns:c="http://schemas.openxmlformats.org/drawingml/2006/chart" xmlns:dgm="http://schemas.openxmlformats.org/drawingml/2006/diagram" xmlns:o="urn:schemas-microsoft-com:office:office" xmlns:v="urn:schemas-microsoft-com:vml" xmlns:pvml="urn:schemas-microsoft-com:office:powerpoint" xmlns:com="http://schemas.openxmlformats.org/drawingml/2006/compatibility" xmlns:p14="http://schemas.microsoft.com/office/powerpoint/2010/main">
+<p:sldLayout xmlns:a="http://schemas.openxmlformats.org/drawingml/2006/main" xmlns:r="http://schemas.openxmlformats.org/officeDocument/2006/relationships" xmlns:p="http://schemas.openxmlformats.org/presentationml/2006/main">
   <p:cSld name="Caption">
     <p:spTree>
       <p:nvGrpSpPr>
-        <p:cNvPr id="33" name="Shape 33"/>
+        <p:cNvPr id="1" name="Shape 33"/>
         <p:cNvGrpSpPr/>
         <p:nvPr/>
       </p:nvGrpSpPr>
       <p:grpSpPr>
         <a:xfrm>
-          <a:off y="0" x="0"/>
-          <a:ext cy="0" cx="0"/>
-          <a:chOff y="0" x="0"/>
-          <a:chExt cy="0" cx="0"/>
+          <a:off x="0" y="0"/>
+          <a:ext cx="0" cy="0"/>
+          <a:chOff x="0" y="0"/>
+          <a:chExt cx="0" cy="0"/>
         </a:xfrm>
       </p:grpSpPr>
       <p:grpSp>
@@ -3406,10 +3676,10 @@
         </p:nvGrpSpPr>
         <p:grpSpPr>
           <a:xfrm>
-            <a:off y="3700039" x="-6264"/>
-            <a:ext cy="2325488" cx="9150267"/>
-            <a:chOff y="4933386" x="-6264"/>
-            <a:chExt cy="3100650" cx="9150267"/>
+            <a:off x="-6264" y="3700039"/>
+            <a:ext cx="9150267" cy="2325488"/>
+            <a:chOff x="-6264" y="4933386"/>
+            <a:chExt cx="9150267" cy="3100650"/>
           </a:xfrm>
         </p:grpSpPr>
         <p:sp>
@@ -3420,32 +3690,37 @@
           </p:nvSpPr>
           <p:spPr>
             <a:xfrm>
-              <a:off y="5537200" x="-7"/>
-              <a:ext cy="1574769" cx="9144008"/>
+              <a:off x="-7" y="5537200"/>
+              <a:ext cx="9144008" cy="1574769"/>
             </a:xfrm>
             <a:custGeom>
+              <a:avLst/>
+              <a:gdLst/>
+              <a:ahLst/>
+              <a:cxnLst/>
+              <a:rect l="0" t="0" r="0" b="0"/>
               <a:pathLst>
-                <a:path w="9144009" extrusionOk="0" h="1257301">
+                <a:path w="9144009" h="1257301" extrusionOk="0">
                   <a:moveTo>
-                    <a:pt y="266700" x="5"/>
+                    <a:pt x="5" y="266700"/>
                   </a:moveTo>
                   <a:cubicBezTo>
-                    <a:pt y="1257301" x="8115305"/>
-                    <a:pt y="0" x="7620009"/>
-                    <a:pt y="186267" x="9144009"/>
+                    <a:pt x="8115305" y="1257301"/>
+                    <a:pt x="7620009" y="0"/>
+                    <a:pt x="9144009" y="186267"/>
                   </a:cubicBezTo>
                   <a:cubicBezTo>
-                    <a:pt y="441678" x="9144008"/>
-                    <a:pt y="818763" x="9143998"/>
-                    <a:pt y="1074174" x="9143997"/>
+                    <a:pt x="9144008" y="441678"/>
+                    <a:pt x="9143998" y="818763"/>
+                    <a:pt x="9143997" y="1074174"/>
                   </a:cubicBezTo>
                   <a:lnTo>
-                    <a:pt y="1086874" x="0"/>
+                    <a:pt x="0" y="1086874"/>
                   </a:lnTo>
                   <a:cubicBezTo>
-                    <a:pt y="854041" x="0"/>
-                    <a:pt y="499533" x="5"/>
-                    <a:pt y="266700" x="5"/>
+                    <a:pt x="0" y="854041"/>
+                    <a:pt x="5" y="499533"/>
+                    <a:pt x="5" y="266700"/>
                   </a:cubicBezTo>
                   <a:close/>
                 </a:path>
@@ -3463,7 +3738,7 @@
                 </a:gs>
               </a:gsLst>
               <a:path path="circle">
-                <a:fillToRect t="50%" b="50%" r="50%" l="50%"/>
+                <a:fillToRect l="50000" t="50000" r="50000" b="50000"/>
               </a:path>
               <a:tileRect/>
             </a:gradFill>
@@ -3472,7 +3747,7 @@
             </a:ln>
           </p:spPr>
           <p:txBody>
-            <a:bodyPr bIns="45700" rIns="91425" lIns="91425" tIns="45700" anchor="ctr" anchorCtr="0">
+            <a:bodyPr lIns="91425" tIns="45700" rIns="91425" bIns="45700" anchor="ctr" anchorCtr="0">
               <a:noAutofit/>
             </a:bodyPr>
             <a:lstStyle/>
@@ -3483,9 +3758,6 @@
                 </a:spcBef>
                 <a:buNone/>
               </a:pPr>
-              <a:r>
-                <a:t/>
-              </a:r>
               <a:endParaRPr/>
             </a:p>
           </p:txBody>
@@ -3498,30 +3770,35 @@
           </p:nvSpPr>
           <p:spPr>
             <a:xfrm rot="5400000" flipH="1">
-              <a:off y="1908578" x="3018543"/>
-              <a:ext cy="9150266" cx="3100650"/>
+              <a:off x="3018543" y="1908578"/>
+              <a:ext cx="3100650" cy="9150266"/>
             </a:xfrm>
             <a:custGeom>
+              <a:avLst/>
+              <a:gdLst/>
+              <a:ahLst/>
+              <a:cxnLst/>
+              <a:rect l="0" t="0" r="0" b="0"/>
               <a:pathLst>
-                <a:path w="8053639" extrusionOk="0" h="6879900">
+                <a:path w="8053639" h="6879900" extrusionOk="0">
                   <a:moveTo>
-                    <a:pt y="16025" x="4696126"/>
+                    <a:pt x="4696126" y="16025"/>
                   </a:moveTo>
                   <a:lnTo>
-                    <a:pt y="0" x="2920537"/>
+                    <a:pt x="2920537" y="0"/>
                   </a:lnTo>
                   <a:cubicBezTo>
-                    <a:pt y="2293300" x="2927053"/>
-                    <a:pt y="4586600" x="2933568"/>
-                    <a:pt y="6879900" x="2940084"/>
+                    <a:pt x="2927053" y="2293300"/>
+                    <a:pt x="2933568" y="4586600"/>
+                    <a:pt x="2940084" y="6879900"/>
                   </a:cubicBezTo>
                   <a:lnTo>
-                    <a:pt y="6861462" x="4085318"/>
+                    <a:pt x="4085318" y="6861462"/>
                   </a:lnTo>
                   <a:cubicBezTo>
-                    <a:pt y="4651267" x="8053639"/>
-                    <a:pt y="3113439" x="0"/>
-                    <a:pt y="16025" x="4696126"/>
+                    <a:pt x="8053639" y="4651267"/>
+                    <a:pt x="0" y="3113439"/>
+                    <a:pt x="4696126" y="16025"/>
                   </a:cubicBezTo>
                   <a:close/>
                 </a:path>
@@ -3546,16 +3823,16 @@
                 </a:gs>
               </a:gsLst>
               <a:path path="circle">
-                <a:fillToRect t="100%" r="100%"/>
+                <a:fillToRect t="100000" r="100000"/>
               </a:path>
-              <a:tileRect b="-100%" l="-100%"/>
+              <a:tileRect l="-100000" b="-100000"/>
             </a:gradFill>
             <a:ln>
               <a:noFill/>
             </a:ln>
           </p:spPr>
           <p:txBody>
-            <a:bodyPr bIns="45700" rIns="91425" lIns="91425" tIns="45700" anchor="ctr" anchorCtr="0">
+            <a:bodyPr lIns="91425" tIns="45700" rIns="91425" bIns="45700" anchor="ctr" anchorCtr="0">
               <a:noAutofit/>
             </a:bodyPr>
             <a:lstStyle/>
@@ -3566,9 +3843,6 @@
                 </a:spcBef>
                 <a:buNone/>
               </a:pPr>
-              <a:r>
-                <a:t/>
-              </a:r>
               <a:endParaRPr/>
             </a:p>
           </p:txBody>
@@ -3581,30 +3855,35 @@
           </p:nvSpPr>
           <p:spPr>
             <a:xfrm>
-              <a:off y="5740400" x="-7"/>
-              <a:ext cy="1574769" cx="9144010"/>
+              <a:off x="-7" y="5740400"/>
+              <a:ext cx="9144010" cy="1574769"/>
             </a:xfrm>
             <a:custGeom>
+              <a:avLst/>
+              <a:gdLst/>
+              <a:ahLst/>
+              <a:cxnLst/>
+              <a:rect l="0" t="0" r="0" b="0"/>
               <a:pathLst>
-                <a:path w="9144011" extrusionOk="0" h="1257301">
+                <a:path w="9144011" h="1257301" extrusionOk="0">
                   <a:moveTo>
-                    <a:pt y="266700" x="7"/>
+                    <a:pt x="7" y="266700"/>
                   </a:moveTo>
                   <a:cubicBezTo>
-                    <a:pt y="1257301" x="8115307"/>
-                    <a:pt y="0" x="7620011"/>
-                    <a:pt y="186267" x="9144011"/>
+                    <a:pt x="8115307" y="1257301"/>
+                    <a:pt x="7620011" y="0"/>
+                    <a:pt x="9144011" y="186267"/>
                   </a:cubicBezTo>
                   <a:lnTo>
-                    <a:pt y="921775" x="9144011"/>
+                    <a:pt x="9144011" y="921775"/>
                   </a:lnTo>
                   <a:lnTo>
-                    <a:pt y="931914" x="0"/>
+                    <a:pt x="0" y="931914"/>
                   </a:lnTo>
                   <a:cubicBezTo>
-                    <a:pt y="699081" x="0"/>
-                    <a:pt y="499533" x="7"/>
-                    <a:pt y="266700" x="7"/>
+                    <a:pt x="0" y="699081"/>
+                    <a:pt x="7" y="499533"/>
+                    <a:pt x="7" y="266700"/>
                   </a:cubicBezTo>
                   <a:close/>
                 </a:path>
@@ -3624,7 +3903,7 @@
                 </a:gs>
               </a:gsLst>
               <a:path path="circle">
-                <a:fillToRect t="50%" b="50%" r="50%" l="50%"/>
+                <a:fillToRect l="50000" t="50000" r="50000" b="50000"/>
               </a:path>
               <a:tileRect/>
             </a:gradFill>
@@ -3633,7 +3912,7 @@
             </a:ln>
           </p:spPr>
           <p:txBody>
-            <a:bodyPr bIns="45700" rIns="91425" lIns="91425" tIns="45700" anchor="ctr" anchorCtr="0">
+            <a:bodyPr lIns="91425" tIns="45700" rIns="91425" bIns="45700" anchor="ctr" anchorCtr="0">
               <a:noAutofit/>
             </a:bodyPr>
             <a:lstStyle/>
@@ -3644,9 +3923,6 @@
                 </a:spcBef>
                 <a:buNone/>
               </a:pPr>
-              <a:r>
-                <a:t/>
-              </a:r>
               <a:endParaRPr/>
             </a:p>
           </p:txBody>
@@ -3655,22 +3931,24 @@
       <p:sp>
         <p:nvSpPr>
           <p:cNvPr id="38" name="Shape 38"/>
-          <p:cNvSpPr txBox="1"/>
+          <p:cNvSpPr txBox="1">
+            <a:spLocks noGrp="1"/>
+          </p:cNvSpPr>
           <p:nvPr>
-            <p:ph idx="1" type="body"/>
+            <p:ph type="body" idx="1"/>
           </p:nvPr>
         </p:nvSpPr>
         <p:spPr>
           <a:xfrm>
-            <a:off y="4025503" x="1792288"/>
-            <a:ext cy="603599" cx="5486399"/>
+            <a:off x="1792288" y="4025503"/>
+            <a:ext cx="5486399" cy="603599"/>
           </a:xfrm>
           <a:prstGeom prst="rect">
             <a:avLst/>
           </a:prstGeom>
         </p:spPr>
         <p:txBody>
-          <a:bodyPr bIns="91425" rIns="91425" lIns="91425" tIns="91425" anchor="ctr" anchorCtr="0"/>
+          <a:bodyPr lIns="91425" tIns="91425" rIns="91425" bIns="91425" anchor="ctr" anchorCtr="0"/>
           <a:lstStyle>
             <a:lvl1pPr algn="ctr">
               <a:spcBef>
@@ -3681,7 +3959,9 @@
               <a:defRPr sz="2400"/>
             </a:lvl1pPr>
           </a:lstStyle>
-          <a:p/>
+          <a:p>
+            <a:endParaRPr/>
+          </a:p>
         </p:txBody>
       </p:sp>
     </p:spTree>
@@ -3693,20 +3973,20 @@
 </file>
 
 <file path=ppt/slideLayouts/slideLayout6.xml><?xml version="1.0" encoding="utf-8"?>
-<p:sldLayout xmlns:a="http://schemas.openxmlformats.org/drawingml/2006/main" xmlns:r="http://schemas.openxmlformats.org/officeDocument/2006/relationships" xmlns:mc="http://schemas.openxmlformats.org/markup-compatibility/2006" xmlns:mv="urn:schemas-microsoft-com:mac:vml" xmlns:p="http://schemas.openxmlformats.org/presentationml/2006/main" xmlns:c="http://schemas.openxmlformats.org/drawingml/2006/chart" xmlns:dgm="http://schemas.openxmlformats.org/drawingml/2006/diagram" xmlns:o="urn:schemas-microsoft-com:office:office" xmlns:v="urn:schemas-microsoft-com:vml" xmlns:pvml="urn:schemas-microsoft-com:office:powerpoint" xmlns:com="http://schemas.openxmlformats.org/drawingml/2006/compatibility" xmlns:p14="http://schemas.microsoft.com/office/powerpoint/2010/main" type="blank">
+<p:sldLayout xmlns:a="http://schemas.openxmlformats.org/drawingml/2006/main" xmlns:r="http://schemas.openxmlformats.org/officeDocument/2006/relationships" xmlns:p="http://schemas.openxmlformats.org/presentationml/2006/main" type="blank">
   <p:cSld name="Blank">
     <p:spTree>
       <p:nvGrpSpPr>
-        <p:cNvPr id="39" name="Shape 39"/>
+        <p:cNvPr id="1" name="Shape 39"/>
         <p:cNvGrpSpPr/>
         <p:nvPr/>
       </p:nvGrpSpPr>
       <p:grpSpPr>
         <a:xfrm>
-          <a:off y="0" x="0"/>
-          <a:ext cy="0" cx="0"/>
-          <a:chOff y="0" x="0"/>
-          <a:chExt cy="0" cx="0"/>
+          <a:off x="0" y="0"/>
+          <a:ext cx="0" cy="0"/>
+          <a:chOff x="0" y="0"/>
+          <a:chExt cx="0" cy="0"/>
         </a:xfrm>
       </p:grpSpPr>
     </p:spTree>
@@ -3718,7 +3998,7 @@
 </file>
 
 <file path=ppt/slideMasters/slideMaster1.xml><?xml version="1.0" encoding="utf-8"?>
-<p:sldMaster xmlns:a="http://schemas.openxmlformats.org/drawingml/2006/main" xmlns:r="http://schemas.openxmlformats.org/officeDocument/2006/relationships" xmlns:mc="http://schemas.openxmlformats.org/markup-compatibility/2006" xmlns:mv="urn:schemas-microsoft-com:mac:vml" xmlns:p="http://schemas.openxmlformats.org/presentationml/2006/main" xmlns:c="http://schemas.openxmlformats.org/drawingml/2006/chart" xmlns:dgm="http://schemas.openxmlformats.org/drawingml/2006/diagram" xmlns:o="urn:schemas-microsoft-com:office:office" xmlns:v="urn:schemas-microsoft-com:vml" xmlns:pvml="urn:schemas-microsoft-com:office:powerpoint" xmlns:com="http://schemas.openxmlformats.org/drawingml/2006/compatibility" xmlns:p14="http://schemas.microsoft.com/office/powerpoint/2010/main">
+<p:sldMaster xmlns:a="http://schemas.openxmlformats.org/drawingml/2006/main" xmlns:r="http://schemas.openxmlformats.org/officeDocument/2006/relationships" xmlns:p="http://schemas.openxmlformats.org/presentationml/2006/main">
   <p:cSld>
     <p:bg>
       <p:bgPr>
@@ -3732,38 +4012,41 @@
             </a:gs>
           </a:gsLst>
           <a:path path="circle">
-            <a:fillToRect t="50%" b="50%" r="50%" l="50%"/>
+            <a:fillToRect l="50000" t="50000" r="50000" b="50000"/>
           </a:path>
           <a:tileRect/>
         </a:gradFill>
+        <a:effectLst/>
       </p:bgPr>
     </p:bg>
     <p:spTree>
       <p:nvGrpSpPr>
-        <p:cNvPr id="4" name="Shape 4"/>
+        <p:cNvPr id="1" name="Shape 4"/>
         <p:cNvGrpSpPr/>
         <p:nvPr/>
       </p:nvGrpSpPr>
       <p:grpSpPr>
         <a:xfrm>
-          <a:off y="0" x="0"/>
-          <a:ext cy="0" cx="0"/>
-          <a:chOff y="0" x="0"/>
-          <a:chExt cy="0" cx="0"/>
+          <a:off x="0" y="0"/>
+          <a:ext cx="0" cy="0"/>
+          <a:chOff x="0" y="0"/>
+          <a:chExt cx="0" cy="0"/>
         </a:xfrm>
       </p:grpSpPr>
       <p:sp>
         <p:nvSpPr>
           <p:cNvPr id="5" name="Shape 5"/>
-          <p:cNvSpPr txBox="1"/>
+          <p:cNvSpPr txBox="1">
+            <a:spLocks noGrp="1"/>
+          </p:cNvSpPr>
           <p:nvPr>
             <p:ph type="title"/>
           </p:nvPr>
         </p:nvSpPr>
         <p:spPr>
           <a:xfrm>
-            <a:off y="205978" x="457200"/>
-            <a:ext cy="994200" cx="8229600"/>
+            <a:off x="457200" y="205978"/>
+            <a:ext cx="8229600" cy="994200"/>
           </a:xfrm>
           <a:prstGeom prst="rect">
             <a:avLst/>
@@ -3774,7 +4057,7 @@
           </a:ln>
         </p:spPr>
         <p:txBody>
-          <a:bodyPr bIns="91425" rIns="91425" lIns="91425" tIns="91425" anchor="b" anchorCtr="0"/>
+          <a:bodyPr lIns="91425" tIns="91425" rIns="91425" bIns="91425" anchor="b" anchorCtr="0"/>
           <a:lstStyle>
             <a:lvl1pPr>
               <a:spcBef>
@@ -3786,7 +4069,7 @@
               <a:buSzPct val="100000"/>
               <a:buFont typeface="Trebuchet MS"/>
               <a:buNone/>
-              <a:defRPr b="1" sz="4000">
+              <a:defRPr sz="4000" b="1">
                 <a:solidFill>
                   <a:srgbClr val="00387E"/>
                 </a:solidFill>
@@ -3806,7 +4089,7 @@
               <a:buSzPct val="100000"/>
               <a:buFont typeface="Trebuchet MS"/>
               <a:buNone/>
-              <a:defRPr b="1" sz="4000">
+              <a:defRPr sz="4000" b="1">
                 <a:solidFill>
                   <a:srgbClr val="00387E"/>
                 </a:solidFill>
@@ -3826,7 +4109,7 @@
               <a:buSzPct val="100000"/>
               <a:buFont typeface="Trebuchet MS"/>
               <a:buNone/>
-              <a:defRPr b="1" sz="4000">
+              <a:defRPr sz="4000" b="1">
                 <a:solidFill>
                   <a:srgbClr val="00387E"/>
                 </a:solidFill>
@@ -3846,7 +4129,7 @@
               <a:buSzPct val="100000"/>
               <a:buFont typeface="Trebuchet MS"/>
               <a:buNone/>
-              <a:defRPr b="1" sz="4000">
+              <a:defRPr sz="4000" b="1">
                 <a:solidFill>
                   <a:srgbClr val="00387E"/>
                 </a:solidFill>
@@ -3866,7 +4149,7 @@
               <a:buSzPct val="100000"/>
               <a:buFont typeface="Trebuchet MS"/>
               <a:buNone/>
-              <a:defRPr b="1" sz="4000">
+              <a:defRPr sz="4000" b="1">
                 <a:solidFill>
                   <a:srgbClr val="00387E"/>
                 </a:solidFill>
@@ -3886,7 +4169,7 @@
               <a:buSzPct val="100000"/>
               <a:buFont typeface="Trebuchet MS"/>
               <a:buNone/>
-              <a:defRPr b="1" sz="4000">
+              <a:defRPr sz="4000" b="1">
                 <a:solidFill>
                   <a:srgbClr val="00387E"/>
                 </a:solidFill>
@@ -3906,7 +4189,7 @@
               <a:buSzPct val="100000"/>
               <a:buFont typeface="Trebuchet MS"/>
               <a:buNone/>
-              <a:defRPr b="1" sz="4000">
+              <a:defRPr sz="4000" b="1">
                 <a:solidFill>
                   <a:srgbClr val="00387E"/>
                 </a:solidFill>
@@ -3926,7 +4209,7 @@
               <a:buSzPct val="100000"/>
               <a:buFont typeface="Trebuchet MS"/>
               <a:buNone/>
-              <a:defRPr b="1" sz="4000">
+              <a:defRPr sz="4000" b="1">
                 <a:solidFill>
                   <a:srgbClr val="00387E"/>
                 </a:solidFill>
@@ -3946,7 +4229,7 @@
               <a:buSzPct val="100000"/>
               <a:buFont typeface="Trebuchet MS"/>
               <a:buNone/>
-              <a:defRPr b="1" sz="4000">
+              <a:defRPr sz="4000" b="1">
                 <a:solidFill>
                   <a:srgbClr val="00387E"/>
                 </a:solidFill>
@@ -3957,21 +4240,25 @@
               </a:defRPr>
             </a:lvl9pPr>
           </a:lstStyle>
-          <a:p/>
+          <a:p>
+            <a:endParaRPr/>
+          </a:p>
         </p:txBody>
       </p:sp>
       <p:sp>
         <p:nvSpPr>
           <p:cNvPr id="6" name="Shape 6"/>
-          <p:cNvSpPr txBox="1"/>
+          <p:cNvSpPr txBox="1">
+            <a:spLocks noGrp="1"/>
+          </p:cNvSpPr>
           <p:nvPr>
-            <p:ph idx="1" type="body"/>
+            <p:ph type="body" idx="1"/>
           </p:nvPr>
         </p:nvSpPr>
         <p:spPr>
           <a:xfrm>
-            <a:off y="1295400" x="457200"/>
-            <a:ext cy="3394500" cx="8229600"/>
+            <a:off x="457200" y="1295400"/>
+            <a:ext cx="8229600" cy="3394500"/>
           </a:xfrm>
           <a:prstGeom prst="rect">
             <a:avLst/>
@@ -3982,7 +4269,7 @@
           </a:ln>
         </p:spPr>
         <p:txBody>
-          <a:bodyPr bIns="91425" rIns="91425" lIns="91425" tIns="91425" anchor="t" anchorCtr="0"/>
+          <a:bodyPr lIns="91425" tIns="91425" rIns="91425" bIns="91425" anchor="t" anchorCtr="0"/>
           <a:lstStyle>
             <a:lvl1pPr>
               <a:spcBef>
@@ -4156,12 +4443,14 @@
               </a:defRPr>
             </a:lvl9pPr>
           </a:lstStyle>
-          <a:p/>
+          <a:p>
+            <a:endParaRPr/>
+          </a:p>
         </p:txBody>
       </p:sp>
     </p:spTree>
   </p:cSld>
-  <p:clrMap accent2="accent2" accent3="accent3" accent4="accent4" accent5="accent5" accent6="accent6" hlink="hlink" tx2="lt2" tx1="dk1" bg2="dk2" bg1="lt1" folHlink="folHlink" accent1="accent1"/>
+  <p:clrMap bg1="lt1" tx1="dk1" bg2="dk2" tx2="lt2" accent1="accent1" accent2="accent2" accent3="accent3" accent4="accent4" accent5="accent5" accent6="accent6" hlink="hlink" folHlink="folHlink"/>
   <p:sldLayoutIdLst>
     <p:sldLayoutId id="2147483648" r:id="rId1"/>
     <p:sldLayoutId id="2147483649" r:id="rId2"/>
@@ -4170,10 +4459,10 @@
     <p:sldLayoutId id="2147483652" r:id="rId5"/>
     <p:sldLayoutId id="2147483653" r:id="rId6"/>
   </p:sldLayoutIdLst>
-  <p:hf dt="0" ftr="0" sldNum="0" hdr="0"/>
+  <p:hf sldNum="0" hdr="0" ftr="0" dt="0"/>
   <p:txStyles>
     <p:titleStyle>
-      <a:defPPr algn="l" rtl="0" marR="0">
+      <a:defPPr marR="0" algn="l" rtl="0">
         <a:lnSpc>
           <a:spcPct val="100000"/>
         </a:lnSpc>
@@ -4184,7 +4473,7 @@
           <a:spcPts val="0"/>
         </a:spcAft>
       </a:defPPr>
-      <a:lvl1pPr algn="l" rtl="0" marR="0">
+      <a:lvl1pPr marR="0" algn="l" rtl="0">
         <a:lnSpc>
           <a:spcPct val="100000"/>
         </a:lnSpc>
@@ -4195,7 +4484,7 @@
           <a:spcPts val="0"/>
         </a:spcAft>
         <a:buNone/>
-        <a:defRPr strike="noStrike" u="none" b="0" cap="none" baseline="0" sz="1400" i="0">
+        <a:defRPr sz="1400" b="0" i="0" u="none" strike="noStrike" cap="none" baseline="0">
           <a:solidFill>
             <a:srgbClr val="000000"/>
           </a:solidFill>
@@ -4206,7 +4495,7 @@
           <a:rtl val="0"/>
         </a:defRPr>
       </a:lvl1pPr>
-      <a:lvl2pPr algn="l" rtl="0" marR="0">
+      <a:lvl2pPr marR="0" algn="l" rtl="0">
         <a:lnSpc>
           <a:spcPct val="100000"/>
         </a:lnSpc>
@@ -4217,7 +4506,7 @@
           <a:spcPts val="0"/>
         </a:spcAft>
         <a:buNone/>
-        <a:defRPr strike="noStrike" u="none" b="0" cap="none" baseline="0" sz="1400" i="0">
+        <a:defRPr sz="1400" b="0" i="0" u="none" strike="noStrike" cap="none" baseline="0">
           <a:solidFill>
             <a:srgbClr val="000000"/>
           </a:solidFill>
@@ -4230,7 +4519,7 @@
       </a:lvl2pPr>
     </p:titleStyle>
     <p:bodyStyle>
-      <a:defPPr algn="l" rtl="0" marR="0">
+      <a:defPPr marR="0" algn="l" rtl="0">
         <a:lnSpc>
           <a:spcPct val="100000"/>
         </a:lnSpc>
@@ -4241,7 +4530,7 @@
           <a:spcPts val="0"/>
         </a:spcAft>
       </a:defPPr>
-      <a:lvl1pPr algn="l" rtl="0" marR="0">
+      <a:lvl1pPr marR="0" algn="l" rtl="0">
         <a:lnSpc>
           <a:spcPct val="100000"/>
         </a:lnSpc>
@@ -4252,7 +4541,7 @@
           <a:spcPts val="0"/>
         </a:spcAft>
         <a:buNone/>
-        <a:defRPr strike="noStrike" u="none" b="0" cap="none" baseline="0" sz="1400" i="0">
+        <a:defRPr sz="1400" b="0" i="0" u="none" strike="noStrike" cap="none" baseline="0">
           <a:solidFill>
             <a:srgbClr val="000000"/>
           </a:solidFill>
@@ -4263,7 +4552,7 @@
           <a:rtl val="0"/>
         </a:defRPr>
       </a:lvl1pPr>
-      <a:lvl2pPr algn="l" rtl="0" marR="0">
+      <a:lvl2pPr marR="0" algn="l" rtl="0">
         <a:lnSpc>
           <a:spcPct val="100000"/>
         </a:lnSpc>
@@ -4274,7 +4563,7 @@
           <a:spcPts val="0"/>
         </a:spcAft>
         <a:buNone/>
-        <a:defRPr strike="noStrike" u="none" b="0" cap="none" baseline="0" sz="1400" i="0">
+        <a:defRPr sz="1400" b="0" i="0" u="none" strike="noStrike" cap="none" baseline="0">
           <a:solidFill>
             <a:srgbClr val="000000"/>
           </a:solidFill>
@@ -4285,7 +4574,7 @@
           <a:rtl val="0"/>
         </a:defRPr>
       </a:lvl2pPr>
-      <a:lvl3pPr algn="l" rtl="0" marR="0">
+      <a:lvl3pPr marR="0" algn="l" rtl="0">
         <a:lnSpc>
           <a:spcPct val="100000"/>
         </a:lnSpc>
@@ -4296,7 +4585,7 @@
           <a:spcPts val="0"/>
         </a:spcAft>
         <a:buNone/>
-        <a:defRPr strike="noStrike" u="none" b="0" cap="none" baseline="0" sz="1400" i="0">
+        <a:defRPr sz="1400" b="0" i="0" u="none" strike="noStrike" cap="none" baseline="0">
           <a:solidFill>
             <a:srgbClr val="000000"/>
           </a:solidFill>
@@ -4307,7 +4596,7 @@
           <a:rtl val="0"/>
         </a:defRPr>
       </a:lvl3pPr>
-      <a:lvl4pPr algn="l" rtl="0" marR="0">
+      <a:lvl4pPr marR="0" algn="l" rtl="0">
         <a:lnSpc>
           <a:spcPct val="100000"/>
         </a:lnSpc>
@@ -4318,7 +4607,7 @@
           <a:spcPts val="0"/>
         </a:spcAft>
         <a:buNone/>
-        <a:defRPr strike="noStrike" u="none" b="0" cap="none" baseline="0" sz="1400" i="0">
+        <a:defRPr sz="1400" b="0" i="0" u="none" strike="noStrike" cap="none" baseline="0">
           <a:solidFill>
             <a:srgbClr val="000000"/>
           </a:solidFill>
@@ -4329,7 +4618,7 @@
           <a:rtl val="0"/>
         </a:defRPr>
       </a:lvl4pPr>
-      <a:lvl5pPr algn="l" rtl="0" marR="0">
+      <a:lvl5pPr marR="0" algn="l" rtl="0">
         <a:lnSpc>
           <a:spcPct val="100000"/>
         </a:lnSpc>
@@ -4340,7 +4629,7 @@
           <a:spcPts val="0"/>
         </a:spcAft>
         <a:buNone/>
-        <a:defRPr strike="noStrike" u="none" b="0" cap="none" baseline="0" sz="1400" i="0">
+        <a:defRPr sz="1400" b="0" i="0" u="none" strike="noStrike" cap="none" baseline="0">
           <a:solidFill>
             <a:srgbClr val="000000"/>
           </a:solidFill>
@@ -4351,7 +4640,7 @@
           <a:rtl val="0"/>
         </a:defRPr>
       </a:lvl5pPr>
-      <a:lvl6pPr algn="l" rtl="0" marR="0">
+      <a:lvl6pPr marR="0" algn="l" rtl="0">
         <a:lnSpc>
           <a:spcPct val="100000"/>
         </a:lnSpc>
@@ -4362,7 +4651,7 @@
           <a:spcPts val="0"/>
         </a:spcAft>
         <a:buNone/>
-        <a:defRPr strike="noStrike" u="none" b="0" cap="none" baseline="0" sz="1400" i="0">
+        <a:defRPr sz="1400" b="0" i="0" u="none" strike="noStrike" cap="none" baseline="0">
           <a:solidFill>
             <a:srgbClr val="000000"/>
           </a:solidFill>
@@ -4373,7 +4662,7 @@
           <a:rtl val="0"/>
         </a:defRPr>
       </a:lvl6pPr>
-      <a:lvl7pPr algn="l" rtl="0" marR="0">
+      <a:lvl7pPr marR="0" algn="l" rtl="0">
         <a:lnSpc>
           <a:spcPct val="100000"/>
         </a:lnSpc>
@@ -4384,7 +4673,7 @@
           <a:spcPts val="0"/>
         </a:spcAft>
         <a:buNone/>
-        <a:defRPr strike="noStrike" u="none" b="0" cap="none" baseline="0" sz="1400" i="0">
+        <a:defRPr sz="1400" b="0" i="0" u="none" strike="noStrike" cap="none" baseline="0">
           <a:solidFill>
             <a:srgbClr val="000000"/>
           </a:solidFill>
@@ -4395,7 +4684,7 @@
           <a:rtl val="0"/>
         </a:defRPr>
       </a:lvl7pPr>
-      <a:lvl8pPr algn="l" rtl="0" marR="0">
+      <a:lvl8pPr marR="0" algn="l" rtl="0">
         <a:lnSpc>
           <a:spcPct val="100000"/>
         </a:lnSpc>
@@ -4406,7 +4695,7 @@
           <a:spcPts val="0"/>
         </a:spcAft>
         <a:buNone/>
-        <a:defRPr strike="noStrike" u="none" b="0" cap="none" baseline="0" sz="1400" i="0">
+        <a:defRPr sz="1400" b="0" i="0" u="none" strike="noStrike" cap="none" baseline="0">
           <a:solidFill>
             <a:srgbClr val="000000"/>
           </a:solidFill>
@@ -4417,7 +4706,7 @@
           <a:rtl val="0"/>
         </a:defRPr>
       </a:lvl8pPr>
-      <a:lvl9pPr algn="l" rtl="0" marR="0">
+      <a:lvl9pPr marR="0" algn="l" rtl="0">
         <a:lnSpc>
           <a:spcPct val="100000"/>
         </a:lnSpc>
@@ -4428,7 +4717,7 @@
           <a:spcPts val="0"/>
         </a:spcAft>
         <a:buNone/>
-        <a:defRPr strike="noStrike" u="none" b="0" cap="none" baseline="0" sz="1400" i="0">
+        <a:defRPr sz="1400" b="0" i="0" u="none" strike="noStrike" cap="none" baseline="0">
           <a:solidFill>
             <a:srgbClr val="000000"/>
           </a:solidFill>
@@ -4441,7 +4730,7 @@
       </a:lvl9pPr>
     </p:bodyStyle>
     <p:otherStyle>
-      <a:defPPr algn="l" rtl="0" marR="0">
+      <a:defPPr marR="0" algn="l" rtl="0">
         <a:lnSpc>
           <a:spcPct val="100000"/>
         </a:lnSpc>
@@ -4452,7 +4741,7 @@
           <a:spcPts val="0"/>
         </a:spcAft>
       </a:defPPr>
-      <a:lvl1pPr algn="l" rtl="0" marR="0">
+      <a:lvl1pPr marR="0" algn="l" rtl="0">
         <a:lnSpc>
           <a:spcPct val="100000"/>
         </a:lnSpc>
@@ -4463,7 +4752,7 @@
           <a:spcPts val="0"/>
         </a:spcAft>
         <a:buNone/>
-        <a:defRPr strike="noStrike" u="none" b="0" cap="none" baseline="0" sz="1400" i="0">
+        <a:defRPr sz="1400" b="0" i="0" u="none" strike="noStrike" cap="none" baseline="0">
           <a:solidFill>
             <a:srgbClr val="000000"/>
           </a:solidFill>
@@ -4474,7 +4763,7 @@
           <a:rtl val="0"/>
         </a:defRPr>
       </a:lvl1pPr>
-      <a:lvl2pPr algn="l" rtl="0" marR="0">
+      <a:lvl2pPr marR="0" algn="l" rtl="0">
         <a:lnSpc>
           <a:spcPct val="100000"/>
         </a:lnSpc>
@@ -4485,7 +4774,7 @@
           <a:spcPts val="0"/>
         </a:spcAft>
         <a:buNone/>
-        <a:defRPr strike="noStrike" u="none" b="0" cap="none" baseline="0" sz="1400" i="0">
+        <a:defRPr sz="1400" b="0" i="0" u="none" strike="noStrike" cap="none" baseline="0">
           <a:solidFill>
             <a:srgbClr val="000000"/>
           </a:solidFill>
@@ -4496,7 +4785,7 @@
           <a:rtl val="0"/>
         </a:defRPr>
       </a:lvl2pPr>
-      <a:lvl3pPr algn="l" rtl="0" marR="0">
+      <a:lvl3pPr marR="0" algn="l" rtl="0">
         <a:lnSpc>
           <a:spcPct val="100000"/>
         </a:lnSpc>
@@ -4507,7 +4796,7 @@
           <a:spcPts val="0"/>
         </a:spcAft>
         <a:buNone/>
-        <a:defRPr strike="noStrike" u="none" b="0" cap="none" baseline="0" sz="1400" i="0">
+        <a:defRPr sz="1400" b="0" i="0" u="none" strike="noStrike" cap="none" baseline="0">
           <a:solidFill>
             <a:srgbClr val="000000"/>
           </a:solidFill>
@@ -4518,7 +4807,7 @@
           <a:rtl val="0"/>
         </a:defRPr>
       </a:lvl3pPr>
-      <a:lvl4pPr algn="l" rtl="0" marR="0">
+      <a:lvl4pPr marR="0" algn="l" rtl="0">
         <a:lnSpc>
           <a:spcPct val="100000"/>
         </a:lnSpc>
@@ -4529,7 +4818,7 @@
           <a:spcPts val="0"/>
         </a:spcAft>
         <a:buNone/>
-        <a:defRPr strike="noStrike" u="none" b="0" cap="none" baseline="0" sz="1400" i="0">
+        <a:defRPr sz="1400" b="0" i="0" u="none" strike="noStrike" cap="none" baseline="0">
           <a:solidFill>
             <a:srgbClr val="000000"/>
           </a:solidFill>
@@ -4540,7 +4829,7 @@
           <a:rtl val="0"/>
         </a:defRPr>
       </a:lvl4pPr>
-      <a:lvl5pPr algn="l" rtl="0" marR="0">
+      <a:lvl5pPr marR="0" algn="l" rtl="0">
         <a:lnSpc>
           <a:spcPct val="100000"/>
         </a:lnSpc>
@@ -4551,7 +4840,7 @@
           <a:spcPts val="0"/>
         </a:spcAft>
         <a:buNone/>
-        <a:defRPr strike="noStrike" u="none" b="0" cap="none" baseline="0" sz="1400" i="0">
+        <a:defRPr sz="1400" b="0" i="0" u="none" strike="noStrike" cap="none" baseline="0">
           <a:solidFill>
             <a:srgbClr val="000000"/>
           </a:solidFill>
@@ -4562,7 +4851,7 @@
           <a:rtl val="0"/>
         </a:defRPr>
       </a:lvl5pPr>
-      <a:lvl6pPr algn="l" rtl="0" marR="0">
+      <a:lvl6pPr marR="0" algn="l" rtl="0">
         <a:lnSpc>
           <a:spcPct val="100000"/>
         </a:lnSpc>
@@ -4573,7 +4862,7 @@
           <a:spcPts val="0"/>
         </a:spcAft>
         <a:buNone/>
-        <a:defRPr strike="noStrike" u="none" b="0" cap="none" baseline="0" sz="1400" i="0">
+        <a:defRPr sz="1400" b="0" i="0" u="none" strike="noStrike" cap="none" baseline="0">
           <a:solidFill>
             <a:srgbClr val="000000"/>
           </a:solidFill>
@@ -4584,7 +4873,7 @@
           <a:rtl val="0"/>
         </a:defRPr>
       </a:lvl6pPr>
-      <a:lvl7pPr algn="l" rtl="0" marR="0">
+      <a:lvl7pPr marR="0" algn="l" rtl="0">
         <a:lnSpc>
           <a:spcPct val="100000"/>
         </a:lnSpc>
@@ -4595,7 +4884,7 @@
           <a:spcPts val="0"/>
         </a:spcAft>
         <a:buNone/>
-        <a:defRPr strike="noStrike" u="none" b="0" cap="none" baseline="0" sz="1400" i="0">
+        <a:defRPr sz="1400" b="0" i="0" u="none" strike="noStrike" cap="none" baseline="0">
           <a:solidFill>
             <a:srgbClr val="000000"/>
           </a:solidFill>
@@ -4606,7 +4895,7 @@
           <a:rtl val="0"/>
         </a:defRPr>
       </a:lvl7pPr>
-      <a:lvl8pPr algn="l" rtl="0" marR="0">
+      <a:lvl8pPr marR="0" algn="l" rtl="0">
         <a:lnSpc>
           <a:spcPct val="100000"/>
         </a:lnSpc>
@@ -4617,7 +4906,7 @@
           <a:spcPts val="0"/>
         </a:spcAft>
         <a:buNone/>
-        <a:defRPr strike="noStrike" u="none" b="0" cap="none" baseline="0" sz="1400" i="0">
+        <a:defRPr sz="1400" b="0" i="0" u="none" strike="noStrike" cap="none" baseline="0">
           <a:solidFill>
             <a:srgbClr val="000000"/>
           </a:solidFill>
@@ -4628,7 +4917,7 @@
           <a:rtl val="0"/>
         </a:defRPr>
       </a:lvl8pPr>
-      <a:lvl9pPr algn="l" rtl="0" marR="0">
+      <a:lvl9pPr marR="0" algn="l" rtl="0">
         <a:lnSpc>
           <a:spcPct val="100000"/>
         </a:lnSpc>
@@ -4639,7 +4928,7 @@
           <a:spcPts val="0"/>
         </a:spcAft>
         <a:buNone/>
-        <a:defRPr strike="noStrike" u="none" b="0" cap="none" baseline="0" sz="1400" i="0">
+        <a:defRPr sz="1400" b="0" i="0" u="none" strike="noStrike" cap="none" baseline="0">
           <a:solidFill>
             <a:srgbClr val="000000"/>
           </a:solidFill>
@@ -4656,41 +4945,43 @@
 </file>
 
 <file path=ppt/slides/slide1.xml><?xml version="1.0" encoding="utf-8"?>
-<p:sld xmlns:a="http://schemas.openxmlformats.org/drawingml/2006/main" xmlns:r="http://schemas.openxmlformats.org/officeDocument/2006/relationships" xmlns:mc="http://schemas.openxmlformats.org/markup-compatibility/2006" xmlns:mv="urn:schemas-microsoft-com:mac:vml" xmlns:p="http://schemas.openxmlformats.org/presentationml/2006/main" xmlns:c="http://schemas.openxmlformats.org/drawingml/2006/chart" xmlns:dgm="http://schemas.openxmlformats.org/drawingml/2006/diagram" xmlns:o="urn:schemas-microsoft-com:office:office" xmlns:v="urn:schemas-microsoft-com:vml" xmlns:pvml="urn:schemas-microsoft-com:office:powerpoint" xmlns:com="http://schemas.openxmlformats.org/drawingml/2006/compatibility" xmlns:p14="http://schemas.microsoft.com/office/powerpoint/2010/main">
+<p:sld xmlns:a="http://schemas.openxmlformats.org/drawingml/2006/main" xmlns:r="http://schemas.openxmlformats.org/officeDocument/2006/relationships" xmlns:p="http://schemas.openxmlformats.org/presentationml/2006/main">
   <p:cSld>
     <p:spTree>
       <p:nvGrpSpPr>
-        <p:cNvPr id="40" name="Shape 40"/>
+        <p:cNvPr id="1" name="Shape 40"/>
         <p:cNvGrpSpPr/>
         <p:nvPr/>
       </p:nvGrpSpPr>
       <p:grpSpPr>
         <a:xfrm>
-          <a:off y="0" x="0"/>
-          <a:ext cy="0" cx="0"/>
-          <a:chOff y="0" x="0"/>
-          <a:chExt cy="0" cx="0"/>
+          <a:off x="0" y="0"/>
+          <a:ext cx="0" cy="0"/>
+          <a:chOff x="0" y="0"/>
+          <a:chExt cx="0" cy="0"/>
         </a:xfrm>
       </p:grpSpPr>
       <p:sp>
         <p:nvSpPr>
           <p:cNvPr id="41" name="Shape 41"/>
-          <p:cNvSpPr txBox="1"/>
+          <p:cNvSpPr txBox="1">
+            <a:spLocks noGrp="1"/>
+          </p:cNvSpPr>
           <p:nvPr>
             <p:ph type="ctrTitle"/>
           </p:nvPr>
         </p:nvSpPr>
         <p:spPr>
           <a:xfrm>
-            <a:off y="544075" x="212200"/>
-            <a:ext cy="1102500" cx="7703400"/>
+            <a:off x="212200" y="544075"/>
+            <a:ext cx="7703400" cy="1102500"/>
           </a:xfrm>
           <a:prstGeom prst="rect">
             <a:avLst/>
           </a:prstGeom>
         </p:spPr>
         <p:txBody>
-          <a:bodyPr bIns="91425" rIns="91425" lIns="91425" tIns="91425" anchor="b" anchorCtr="0">
+          <a:bodyPr lIns="91425" tIns="91425" rIns="91425" bIns="91425" anchor="b" anchorCtr="0">
             <a:noAutofit/>
           </a:bodyPr>
           <a:lstStyle/>
@@ -4714,7 +5005,7 @@
               <a:buNone/>
             </a:pPr>
             <a:r>
-              <a:rPr sz="1800" lang="en"/>
+              <a:rPr lang="en" sz="1800"/>
               <a:t>Final</a:t>
             </a:r>
           </a:p>
@@ -4723,22 +5014,24 @@
       <p:sp>
         <p:nvSpPr>
           <p:cNvPr id="42" name="Shape 42"/>
-          <p:cNvSpPr txBox="1"/>
+          <p:cNvSpPr txBox="1">
+            <a:spLocks noGrp="1"/>
+          </p:cNvSpPr>
           <p:nvPr>
-            <p:ph idx="1" type="subTitle"/>
+            <p:ph type="subTitle" idx="1"/>
           </p:nvPr>
         </p:nvSpPr>
         <p:spPr>
           <a:xfrm>
-            <a:off y="4038810" x="1214990"/>
-            <a:ext cy="694199" cx="7035899"/>
+            <a:off x="1214990" y="4038810"/>
+            <a:ext cx="7035899" cy="694199"/>
           </a:xfrm>
           <a:prstGeom prst="rect">
             <a:avLst/>
           </a:prstGeom>
         </p:spPr>
         <p:txBody>
-          <a:bodyPr bIns="91425" rIns="91425" lIns="91425" tIns="91425" anchor="t" anchorCtr="0">
+          <a:bodyPr lIns="91425" tIns="91425" rIns="91425" bIns="91425" anchor="t" anchorCtr="0">
             <a:noAutofit/>
           </a:bodyPr>
           <a:lstStyle/>
@@ -4772,8 +5065,8 @@
         </p:blipFill>
         <p:spPr>
           <a:xfrm>
-            <a:off y="1570600" x="695300"/>
-            <a:ext cy="3308299" cx="4326224"/>
+            <a:off x="695300" y="1570600"/>
+            <a:ext cx="4326224" cy="3308299"/>
           </a:xfrm>
           <a:prstGeom prst="rect">
             <a:avLst/>
@@ -4792,50 +5085,59 @@
   <p:transition spd="slow">
     <p:cut/>
   </p:transition>
+  <p:timing>
+    <p:tnLst>
+      <p:par>
+        <p:cTn id="1" dur="indefinite" restart="never" nodeType="tmRoot"/>
+      </p:par>
+    </p:tnLst>
+  </p:timing>
 </p:sld>
 </file>
 
 <file path=ppt/slides/slide2.xml><?xml version="1.0" encoding="utf-8"?>
-<p:sld xmlns:a="http://schemas.openxmlformats.org/drawingml/2006/main" xmlns:r="http://schemas.openxmlformats.org/officeDocument/2006/relationships" xmlns:mc="http://schemas.openxmlformats.org/markup-compatibility/2006" xmlns:mv="urn:schemas-microsoft-com:mac:vml" xmlns:p="http://schemas.openxmlformats.org/presentationml/2006/main" xmlns:c="http://schemas.openxmlformats.org/drawingml/2006/chart" xmlns:dgm="http://schemas.openxmlformats.org/drawingml/2006/diagram" xmlns:o="urn:schemas-microsoft-com:office:office" xmlns:v="urn:schemas-microsoft-com:vml" xmlns:pvml="urn:schemas-microsoft-com:office:powerpoint" xmlns:com="http://schemas.openxmlformats.org/drawingml/2006/compatibility" xmlns:p14="http://schemas.microsoft.com/office/powerpoint/2010/main">
+<p:sld xmlns:a="http://schemas.openxmlformats.org/drawingml/2006/main" xmlns:r="http://schemas.openxmlformats.org/officeDocument/2006/relationships" xmlns:p="http://schemas.openxmlformats.org/presentationml/2006/main">
   <p:cSld>
     <p:spTree>
       <p:nvGrpSpPr>
-        <p:cNvPr id="47" name="Shape 47"/>
+        <p:cNvPr id="1" name="Shape 47"/>
         <p:cNvGrpSpPr/>
         <p:nvPr/>
       </p:nvGrpSpPr>
       <p:grpSpPr>
         <a:xfrm>
-          <a:off y="0" x="0"/>
-          <a:ext cy="0" cx="0"/>
-          <a:chOff y="0" x="0"/>
-          <a:chExt cy="0" cx="0"/>
+          <a:off x="0" y="0"/>
+          <a:ext cx="0" cy="0"/>
+          <a:chOff x="0" y="0"/>
+          <a:chExt cx="0" cy="0"/>
         </a:xfrm>
       </p:grpSpPr>
       <p:sp>
         <p:nvSpPr>
           <p:cNvPr id="48" name="Shape 48"/>
-          <p:cNvSpPr txBox="1"/>
+          <p:cNvSpPr txBox="1">
+            <a:spLocks noGrp="1"/>
+          </p:cNvSpPr>
           <p:nvPr>
-            <p:ph idx="1" type="body"/>
+            <p:ph type="body" idx="1"/>
           </p:nvPr>
         </p:nvSpPr>
         <p:spPr>
           <a:xfrm>
-            <a:off y="1031642" x="86350"/>
-            <a:ext cy="3630300" cx="8229600"/>
+            <a:off x="86350" y="1031642"/>
+            <a:ext cx="8229600" cy="3630300"/>
           </a:xfrm>
           <a:prstGeom prst="rect">
             <a:avLst/>
           </a:prstGeom>
         </p:spPr>
         <p:txBody>
-          <a:bodyPr bIns="91425" rIns="91425" lIns="91425" tIns="91425" anchor="t" anchorCtr="0">
+          <a:bodyPr lIns="91425" tIns="91425" rIns="91425" bIns="91425" anchor="t" anchorCtr="0">
             <a:noAutofit/>
           </a:bodyPr>
           <a:lstStyle/>
           <a:p>
-            <a:pPr rtl="0" lvl="0">
+            <a:pPr lvl="0" rtl="0">
               <a:lnSpc>
                 <a:spcPct val="115000"/>
               </a:lnSpc>
@@ -4844,13 +5146,10 @@
               </a:spcBef>
               <a:buNone/>
             </a:pPr>
-            <a:r>
-              <a:t/>
-            </a:r>
-            <a:endParaRPr b="1" sz="2600"/>
-          </a:p>
-          <a:p>
-            <a:pPr rtl="0" lvl="1" indent="-393700" marL="914400">
+            <a:endParaRPr sz="2600" b="1"/>
+          </a:p>
+          <a:p>
+            <a:pPr marL="914400" lvl="1" indent="-393700" rtl="0">
               <a:lnSpc>
                 <a:spcPct val="115000"/>
               </a:lnSpc>
@@ -4865,12 +5164,12 @@
               <a:buChar char="○"/>
             </a:pPr>
             <a:r>
-              <a:rPr sz="2600" lang="en"/>
+              <a:rPr lang="en" sz="2600"/>
               <a:t>Framework from scratch</a:t>
             </a:r>
           </a:p>
           <a:p>
-            <a:pPr rtl="0" lvl="1" indent="-393700" marL="914400">
+            <a:pPr marL="914400" lvl="1" indent="-393700" rtl="0">
               <a:lnSpc>
                 <a:spcPct val="115000"/>
               </a:lnSpc>
@@ -4885,12 +5184,12 @@
               <a:buChar char="○"/>
             </a:pPr>
             <a:r>
-              <a:rPr sz="2600" lang="en"/>
+              <a:rPr lang="en" sz="2600"/>
               <a:t>Environment - Pool, Sky</a:t>
             </a:r>
           </a:p>
           <a:p>
-            <a:pPr rtl="0" lvl="1" indent="-393700" marL="914400">
+            <a:pPr marL="914400" lvl="1" indent="-393700" rtl="0">
               <a:lnSpc>
                 <a:spcPct val="115000"/>
               </a:lnSpc>
@@ -4905,12 +5204,12 @@
               <a:buChar char="○"/>
             </a:pPr>
             <a:r>
-              <a:rPr sz="2600" lang="en"/>
+              <a:rPr lang="en" sz="2600"/>
               <a:t>Water Shader</a:t>
             </a:r>
           </a:p>
           <a:p>
-            <a:pPr rtl="0" lvl="1" indent="-393700" marL="914400">
+            <a:pPr marL="914400" lvl="1" indent="-393700" rtl="0">
               <a:lnSpc>
                 <a:spcPct val="115000"/>
               </a:lnSpc>
@@ -4925,12 +5224,12 @@
               <a:buChar char="○"/>
             </a:pPr>
             <a:r>
-              <a:rPr sz="2600" lang="en"/>
+              <a:rPr lang="en" sz="2600"/>
               <a:t>Water Simulation</a:t>
             </a:r>
           </a:p>
           <a:p>
-            <a:pPr rtl="0" lvl="1" indent="-393700" marL="914400">
+            <a:pPr marL="914400" lvl="1" indent="-393700" rtl="0">
               <a:lnSpc>
                 <a:spcPct val="115000"/>
               </a:lnSpc>
@@ -4945,12 +5244,12 @@
               <a:buChar char="○"/>
             </a:pPr>
             <a:r>
-              <a:rPr sz="2600" lang="en"/>
+              <a:rPr lang="en" sz="2600"/>
               <a:t>Mouse &amp; sphere interaction</a:t>
             </a:r>
           </a:p>
           <a:p>
-            <a:pPr rtl="0" lvl="1" indent="-393700" marL="914400">
+            <a:pPr marL="914400" lvl="1" indent="-393700" rtl="0">
               <a:lnSpc>
                 <a:spcPct val="115000"/>
               </a:lnSpc>
@@ -4965,12 +5264,12 @@
               <a:buChar char="○"/>
             </a:pPr>
             <a:r>
-              <a:rPr sz="2600" lang="en"/>
+              <a:rPr lang="en" sz="2600"/>
               <a:t>Caustics</a:t>
             </a:r>
           </a:p>
           <a:p>
-            <a:pPr algn="l" rtl="0" lvl="0" marR="0">
+            <a:pPr marR="0" lvl="0" algn="l" rtl="0">
               <a:lnSpc>
                 <a:spcPct val="115000"/>
               </a:lnSpc>
@@ -4982,9 +5281,6 @@
               </a:spcAft>
               <a:buNone/>
             </a:pPr>
-            <a:r>
-              <a:t/>
-            </a:r>
             <a:endParaRPr sz="2600"/>
           </a:p>
         </p:txBody>
@@ -4992,22 +5288,24 @@
       <p:sp>
         <p:nvSpPr>
           <p:cNvPr id="49" name="Shape 49"/>
-          <p:cNvSpPr txBox="1"/>
+          <p:cNvSpPr txBox="1">
+            <a:spLocks noGrp="1"/>
+          </p:cNvSpPr>
           <p:nvPr>
             <p:ph type="title"/>
           </p:nvPr>
         </p:nvSpPr>
         <p:spPr>
           <a:xfrm>
-            <a:off y="189853" x="578125"/>
-            <a:ext cy="994200" cx="8229600"/>
+            <a:off x="578125" y="189853"/>
+            <a:ext cx="8229600" cy="994200"/>
           </a:xfrm>
           <a:prstGeom prst="rect">
             <a:avLst/>
           </a:prstGeom>
         </p:spPr>
         <p:txBody>
-          <a:bodyPr bIns="91425" rIns="91425" lIns="91425" tIns="91425" anchor="b" anchorCtr="0">
+          <a:bodyPr lIns="91425" tIns="91425" rIns="91425" bIns="91425" anchor="b" anchorCtr="0">
             <a:noAutofit/>
           </a:bodyPr>
           <a:lstStyle/>
@@ -5035,13 +5333,13 @@
           <a:blip r:embed="rId3">
             <a:alphaModFix/>
           </a:blip>
-          <a:srcRect t="24163" b="8095" r="18227" l="22478"/>
+          <a:srcRect l="22478" t="24163" r="18227" b="8095"/>
           <a:stretch/>
         </p:blipFill>
         <p:spPr>
           <a:xfrm>
-            <a:off y="41400" x="5756250"/>
-            <a:ext cy="2610000" cx="3429850"/>
+            <a:off x="5756250" y="41400"/>
+            <a:ext cx="3429850" cy="2610000"/>
           </a:xfrm>
           <a:prstGeom prst="rect">
             <a:avLst/>
@@ -5062,13 +5360,13 @@
           <a:blip r:embed="rId4">
             <a:alphaModFix/>
           </a:blip>
-          <a:srcRect t="29735" b="0" r="17989" l="16186"/>
+          <a:srcRect l="16186" t="29735" r="17989"/>
           <a:stretch/>
         </p:blipFill>
         <p:spPr>
           <a:xfrm>
-            <a:off y="2651400" x="5756250"/>
-            <a:ext cy="2437325" cx="3429850"/>
+            <a:off x="5756250" y="2651400"/>
+            <a:ext cx="3429850" cy="2437325"/>
           </a:xfrm>
           <a:prstGeom prst="rect">
             <a:avLst/>
@@ -5091,46 +5389,48 @@
 </file>
 
 <file path=ppt/slides/slide3.xml><?xml version="1.0" encoding="utf-8"?>
-<p:sld xmlns:a="http://schemas.openxmlformats.org/drawingml/2006/main" xmlns:r="http://schemas.openxmlformats.org/officeDocument/2006/relationships" xmlns:mc="http://schemas.openxmlformats.org/markup-compatibility/2006" xmlns:mv="urn:schemas-microsoft-com:mac:vml" xmlns:p="http://schemas.openxmlformats.org/presentationml/2006/main" xmlns:c="http://schemas.openxmlformats.org/drawingml/2006/chart" xmlns:dgm="http://schemas.openxmlformats.org/drawingml/2006/diagram" xmlns:o="urn:schemas-microsoft-com:office:office" xmlns:v="urn:schemas-microsoft-com:vml" xmlns:pvml="urn:schemas-microsoft-com:office:powerpoint" xmlns:com="http://schemas.openxmlformats.org/drawingml/2006/compatibility" xmlns:p14="http://schemas.microsoft.com/office/powerpoint/2010/main">
+<p:sld xmlns:a="http://schemas.openxmlformats.org/drawingml/2006/main" xmlns:r="http://schemas.openxmlformats.org/officeDocument/2006/relationships" xmlns:p="http://schemas.openxmlformats.org/presentationml/2006/main">
   <p:cSld>
     <p:spTree>
       <p:nvGrpSpPr>
-        <p:cNvPr id="55" name="Shape 55"/>
+        <p:cNvPr id="1" name="Shape 55"/>
         <p:cNvGrpSpPr/>
         <p:nvPr/>
       </p:nvGrpSpPr>
       <p:grpSpPr>
         <a:xfrm>
-          <a:off y="0" x="0"/>
-          <a:ext cy="0" cx="0"/>
-          <a:chOff y="0" x="0"/>
-          <a:chExt cy="0" cx="0"/>
+          <a:off x="0" y="0"/>
+          <a:ext cx="0" cy="0"/>
+          <a:chOff x="0" y="0"/>
+          <a:chExt cx="0" cy="0"/>
         </a:xfrm>
       </p:grpSpPr>
       <p:sp>
         <p:nvSpPr>
           <p:cNvPr id="56" name="Shape 56"/>
-          <p:cNvSpPr txBox="1"/>
+          <p:cNvSpPr txBox="1">
+            <a:spLocks noGrp="1"/>
+          </p:cNvSpPr>
           <p:nvPr>
-            <p:ph idx="1" type="body"/>
+            <p:ph type="body" idx="1"/>
           </p:nvPr>
         </p:nvSpPr>
         <p:spPr>
           <a:xfrm>
-            <a:off y="1549042" x="457200"/>
-            <a:ext cy="3630300" cx="8229600"/>
+            <a:off x="457200" y="1549042"/>
+            <a:ext cx="8229600" cy="3630300"/>
           </a:xfrm>
           <a:prstGeom prst="rect">
             <a:avLst/>
           </a:prstGeom>
         </p:spPr>
         <p:txBody>
-          <a:bodyPr bIns="91425" rIns="91425" lIns="91425" tIns="91425" anchor="t" anchorCtr="0">
+          <a:bodyPr lIns="91425" tIns="91425" rIns="91425" bIns="91425" anchor="t" anchorCtr="0">
             <a:noAutofit/>
           </a:bodyPr>
           <a:lstStyle/>
           <a:p>
-            <a:pPr rtl="0" lvl="0" indent="-393700" marL="457200">
+            <a:pPr marL="457200" lvl="0" indent="-393700" rtl="0">
               <a:lnSpc>
                 <a:spcPct val="115000"/>
               </a:lnSpc>
@@ -5145,12 +5445,12 @@
               <a:buChar char="●"/>
             </a:pPr>
             <a:r>
-              <a:rPr sz="2600" lang="en"/>
+              <a:rPr lang="en" sz="2600"/>
               <a:t>More obj interaction </a:t>
             </a:r>
           </a:p>
           <a:p>
-            <a:pPr rtl="0" lvl="0" indent="-393700" marL="457200">
+            <a:pPr marL="457200" lvl="0" indent="-393700" rtl="0">
               <a:lnSpc>
                 <a:spcPct val="115000"/>
               </a:lnSpc>
@@ -5165,12 +5465,12 @@
               <a:buChar char="●"/>
             </a:pPr>
             <a:r>
-              <a:rPr sz="2600" lang="en"/>
+              <a:rPr lang="en" sz="2600"/>
               <a:t>obj shadow &amp; reflection</a:t>
             </a:r>
           </a:p>
           <a:p>
-            <a:pPr rtl="0" lvl="0" indent="-393700" marL="457200">
+            <a:pPr marL="457200" lvl="0" indent="-393700" rtl="0">
               <a:lnSpc>
                 <a:spcPct val="115000"/>
               </a:lnSpc>
@@ -5185,12 +5485,12 @@
               <a:buChar char="●"/>
             </a:pPr>
             <a:r>
-              <a:rPr sz="2600" lang="en"/>
+              <a:rPr lang="en" sz="2600"/>
               <a:t>God rays effect</a:t>
             </a:r>
           </a:p>
           <a:p>
-            <a:pPr rtl="0" lvl="0" indent="-393700" marL="457200">
+            <a:pPr marL="457200" lvl="0" indent="-393700" rtl="0">
               <a:lnSpc>
                 <a:spcPct val="115000"/>
               </a:lnSpc>
@@ -5205,12 +5505,12 @@
               <a:buChar char="●"/>
             </a:pPr>
             <a:r>
-              <a:rPr sz="2600" lang="en"/>
+              <a:rPr lang="en" sz="2600"/>
               <a:t>User input</a:t>
             </a:r>
           </a:p>
           <a:p>
-            <a:pPr rtl="0" lvl="0" indent="-393700" marL="457200">
+            <a:pPr marL="457200" lvl="0" indent="-393700" rtl="0">
               <a:lnSpc>
                 <a:spcPct val="115000"/>
               </a:lnSpc>
@@ -5225,12 +5525,12 @@
               <a:buChar char="●"/>
             </a:pPr>
             <a:r>
-              <a:rPr sz="2600" lang="en"/>
+              <a:rPr lang="en" sz="2600"/>
               <a:t>Wind and rain drop effects</a:t>
             </a:r>
           </a:p>
           <a:p>
-            <a:pPr algn="l" rtl="0" lvl="0" marR="0">
+            <a:pPr marR="0" lvl="0" algn="l" rtl="0">
               <a:lnSpc>
                 <a:spcPct val="115000"/>
               </a:lnSpc>
@@ -5242,9 +5542,6 @@
               </a:spcAft>
               <a:buNone/>
             </a:pPr>
-            <a:r>
-              <a:t/>
-            </a:r>
             <a:endParaRPr sz="2600"/>
           </a:p>
         </p:txBody>
@@ -5252,22 +5549,24 @@
       <p:sp>
         <p:nvSpPr>
           <p:cNvPr id="57" name="Shape 57"/>
-          <p:cNvSpPr txBox="1"/>
+          <p:cNvSpPr txBox="1">
+            <a:spLocks noGrp="1"/>
+          </p:cNvSpPr>
           <p:nvPr>
             <p:ph type="title"/>
           </p:nvPr>
         </p:nvSpPr>
         <p:spPr>
           <a:xfrm>
-            <a:off y="205978" x="457200"/>
-            <a:ext cy="994200" cx="8229600"/>
+            <a:off x="457200" y="205978"/>
+            <a:ext cx="8229600" cy="994200"/>
           </a:xfrm>
           <a:prstGeom prst="rect">
             <a:avLst/>
           </a:prstGeom>
         </p:spPr>
         <p:txBody>
-          <a:bodyPr bIns="91425" rIns="91425" lIns="91425" tIns="91425" anchor="b" anchorCtr="0">
+          <a:bodyPr lIns="91425" tIns="91425" rIns="91425" bIns="91425" anchor="b" anchorCtr="0">
             <a:noAutofit/>
           </a:bodyPr>
           <a:lstStyle/>
@@ -5295,13 +5594,13 @@
           <a:blip r:embed="rId3">
             <a:alphaModFix/>
           </a:blip>
-          <a:srcRect t="24402" b="0" r="18172" l="12464"/>
+          <a:srcRect l="12464" t="24402" r="18172"/>
           <a:stretch/>
         </p:blipFill>
         <p:spPr>
           <a:xfrm>
-            <a:off y="1549049" x="5149775"/>
-            <a:ext cy="2763550" cx="3814149"/>
+            <a:off x="5149775" y="1549049"/>
+            <a:ext cx="3814149" cy="2763550"/>
           </a:xfrm>
           <a:prstGeom prst="rect">
             <a:avLst/>
@@ -5324,46 +5623,48 @@
 </file>
 
 <file path=ppt/slides/slide4.xml><?xml version="1.0" encoding="utf-8"?>
-<p:sld xmlns:a="http://schemas.openxmlformats.org/drawingml/2006/main" xmlns:r="http://schemas.openxmlformats.org/officeDocument/2006/relationships" xmlns:mc="http://schemas.openxmlformats.org/markup-compatibility/2006" xmlns:mv="urn:schemas-microsoft-com:mac:vml" xmlns:p="http://schemas.openxmlformats.org/presentationml/2006/main" xmlns:c="http://schemas.openxmlformats.org/drawingml/2006/chart" xmlns:dgm="http://schemas.openxmlformats.org/drawingml/2006/diagram" xmlns:o="urn:schemas-microsoft-com:office:office" xmlns:v="urn:schemas-microsoft-com:vml" xmlns:pvml="urn:schemas-microsoft-com:office:powerpoint" xmlns:com="http://schemas.openxmlformats.org/drawingml/2006/compatibility" xmlns:p14="http://schemas.microsoft.com/office/powerpoint/2010/main">
+<p:sld xmlns:a="http://schemas.openxmlformats.org/drawingml/2006/main" xmlns:r="http://schemas.openxmlformats.org/officeDocument/2006/relationships" xmlns:p="http://schemas.openxmlformats.org/presentationml/2006/main">
   <p:cSld>
     <p:spTree>
       <p:nvGrpSpPr>
-        <p:cNvPr id="62" name="Shape 62"/>
+        <p:cNvPr id="1" name="Shape 62"/>
         <p:cNvGrpSpPr/>
         <p:nvPr/>
       </p:nvGrpSpPr>
       <p:grpSpPr>
         <a:xfrm>
-          <a:off y="0" x="0"/>
-          <a:ext cy="0" cx="0"/>
-          <a:chOff y="0" x="0"/>
-          <a:chExt cy="0" cx="0"/>
+          <a:off x="0" y="0"/>
+          <a:ext cx="0" cy="0"/>
+          <a:chOff x="0" y="0"/>
+          <a:chExt cx="0" cy="0"/>
         </a:xfrm>
       </p:grpSpPr>
       <p:sp>
         <p:nvSpPr>
           <p:cNvPr id="63" name="Shape 63"/>
-          <p:cNvSpPr txBox="1"/>
+          <p:cNvSpPr txBox="1">
+            <a:spLocks noGrp="1"/>
+          </p:cNvSpPr>
           <p:nvPr>
-            <p:ph idx="1" type="body"/>
+            <p:ph type="body" idx="1"/>
           </p:nvPr>
         </p:nvSpPr>
         <p:spPr>
           <a:xfrm>
-            <a:off y="1123975" x="457200"/>
-            <a:ext cy="3944100" cx="8229600"/>
+            <a:off x="457200" y="1123975"/>
+            <a:ext cx="8229600" cy="3944100"/>
           </a:xfrm>
           <a:prstGeom prst="rect">
             <a:avLst/>
           </a:prstGeom>
         </p:spPr>
         <p:txBody>
-          <a:bodyPr bIns="91425" rIns="91425" lIns="91425" tIns="91425" anchor="t" anchorCtr="0">
+          <a:bodyPr lIns="91425" tIns="91425" rIns="91425" bIns="91425" anchor="t" anchorCtr="0">
             <a:noAutofit/>
           </a:bodyPr>
           <a:lstStyle/>
           <a:p>
-            <a:pPr rtl="0" lvl="0" indent="-355600" marL="457200">
+            <a:pPr marL="457200" lvl="0" indent="-355600" rtl="0">
               <a:lnSpc>
                 <a:spcPct val="115000"/>
               </a:lnSpc>
@@ -5378,12 +5679,12 @@
               <a:buChar char="●"/>
             </a:pPr>
             <a:r>
-              <a:rPr sz="2000" lang="en"/>
+              <a:rPr lang="en" sz="2000"/>
               <a:t>Obj loading</a:t>
             </a:r>
           </a:p>
           <a:p>
-            <a:pPr rtl="0" lvl="1" indent="-342900" marL="914400">
+            <a:pPr marL="914400" lvl="1" indent="-342900" rtl="0">
               <a:lnSpc>
                 <a:spcPct val="115000"/>
               </a:lnSpc>
@@ -5398,12 +5699,12 @@
               <a:buChar char="o"/>
             </a:pPr>
             <a:r>
-              <a:rPr sz="1800" lang="en"/>
+              <a:rPr lang="en" sz="1800"/>
               <a:t>Threejs obj loader</a:t>
             </a:r>
           </a:p>
           <a:p>
-            <a:pPr rtl="0" lvl="0" indent="-355600" marL="457200">
+            <a:pPr marL="457200" lvl="0" indent="-355600" rtl="0">
               <a:lnSpc>
                 <a:spcPct val="115000"/>
               </a:lnSpc>
@@ -5418,12 +5719,12 @@
               <a:buChar char="●"/>
             </a:pPr>
             <a:r>
-              <a:rPr sz="2000" lang="en"/>
+              <a:rPr lang="en" sz="2000"/>
               <a:t>Obj Shadow</a:t>
             </a:r>
           </a:p>
           <a:p>
-            <a:pPr rtl="0" lvl="1" indent="-342900" marL="914400">
+            <a:pPr marL="914400" lvl="1" indent="-342900" rtl="0">
               <a:lnSpc>
                 <a:spcPct val="115000"/>
               </a:lnSpc>
@@ -5438,12 +5739,12 @@
               <a:buChar char="o"/>
             </a:pPr>
             <a:r>
-              <a:rPr u="sng" b="1" sz="1800" lang="en"/>
+              <a:rPr lang="en" sz="1800" b="1" u="sng"/>
               <a:t>Shadow Map</a:t>
             </a:r>
           </a:p>
           <a:p>
-            <a:pPr rtl="0" lvl="2" indent="-342900" marL="1371600">
+            <a:pPr marL="1371600" lvl="2" indent="-342900" rtl="0">
               <a:lnSpc>
                 <a:spcPct val="115000"/>
               </a:lnSpc>
@@ -5458,12 +5759,12 @@
               <a:buChar char="§"/>
             </a:pPr>
             <a:r>
-              <a:rPr sz="1800" lang="en"/>
+              <a:rPr lang="en" sz="1800"/>
               <a:t>render a depth texture from the point of view of light</a:t>
             </a:r>
           </a:p>
           <a:p>
-            <a:pPr rtl="0" lvl="2" indent="-342900" marL="1371600">
+            <a:pPr marL="1371600" lvl="2" indent="-342900" rtl="0">
               <a:lnSpc>
                 <a:spcPct val="115000"/>
               </a:lnSpc>
@@ -5478,12 +5779,12 @@
               <a:buChar char="§"/>
             </a:pPr>
             <a:r>
-              <a:rPr sz="1800" lang="en"/>
+              <a:rPr lang="en" sz="1800"/>
               <a:t>transform vertex into the light view space</a:t>
             </a:r>
           </a:p>
           <a:p>
-            <a:pPr rtl="0" lvl="2" indent="-342900" marL="1371600">
+            <a:pPr marL="1371600" lvl="2" indent="-342900" rtl="0">
               <a:lnSpc>
                 <a:spcPct val="115000"/>
               </a:lnSpc>
@@ -5498,12 +5799,12 @@
               <a:buChar char="§"/>
             </a:pPr>
             <a:r>
-              <a:rPr sz="1800" lang="en"/>
+              <a:rPr lang="en" sz="1800"/>
               <a:t>if(position.z &gt; depth)  ---&gt; part of shadow</a:t>
             </a:r>
           </a:p>
           <a:p>
-            <a:pPr rtl="0" lvl="0" indent="-355600" marL="457200">
+            <a:pPr marL="457200" lvl="0" indent="-355600" rtl="0">
               <a:lnSpc>
                 <a:spcPct val="115000"/>
               </a:lnSpc>
@@ -5518,12 +5819,12 @@
               <a:buChar char="●"/>
             </a:pPr>
             <a:r>
-              <a:rPr sz="2000" lang="en"/>
+              <a:rPr lang="en" sz="2000"/>
               <a:t>Obj Reflection &amp; Refraction</a:t>
             </a:r>
           </a:p>
           <a:p>
-            <a:pPr rtl="0" lvl="1" indent="-342900" marL="914400">
+            <a:pPr marL="914400" lvl="1" indent="-342900" rtl="0">
               <a:lnSpc>
                 <a:spcPct val="115000"/>
               </a:lnSpc>
@@ -5538,12 +5839,12 @@
               <a:buChar char="o"/>
             </a:pPr>
             <a:r>
-              <a:rPr u="sng" b="1" sz="1800" lang="en"/>
+              <a:rPr lang="en" sz="1800" b="1" u="sng"/>
               <a:t>Reflection Map</a:t>
             </a:r>
           </a:p>
           <a:p>
-            <a:pPr rtl="0" lvl="2" indent="-342900" marL="1371600">
+            <a:pPr marL="1371600" lvl="2" indent="-342900" rtl="0">
               <a:lnSpc>
                 <a:spcPct val="115000"/>
               </a:lnSpc>
@@ -5558,7 +5859,7 @@
               <a:buChar char="§"/>
             </a:pPr>
             <a:r>
-              <a:rPr sz="1800" lang="en"/>
+              <a:rPr lang="en" sz="1800"/>
               <a:t>render a reflection texture from the point of view of reflection point</a:t>
             </a:r>
           </a:p>
@@ -5567,22 +5868,24 @@
       <p:sp>
         <p:nvSpPr>
           <p:cNvPr id="64" name="Shape 64"/>
-          <p:cNvSpPr txBox="1"/>
+          <p:cNvSpPr txBox="1">
+            <a:spLocks noGrp="1"/>
+          </p:cNvSpPr>
           <p:nvPr>
             <p:ph type="title"/>
           </p:nvPr>
         </p:nvSpPr>
         <p:spPr>
           <a:xfrm>
-            <a:off y="205978" x="457200"/>
-            <a:ext cy="994200" cx="8229600"/>
+            <a:off x="457200" y="205978"/>
+            <a:ext cx="8229600" cy="994200"/>
           </a:xfrm>
           <a:prstGeom prst="rect">
             <a:avLst/>
           </a:prstGeom>
         </p:spPr>
         <p:txBody>
-          <a:bodyPr bIns="91425" rIns="91425" lIns="91425" tIns="91425" anchor="b" anchorCtr="0">
+          <a:bodyPr lIns="91425" tIns="91425" rIns="91425" bIns="91425" anchor="b" anchorCtr="0">
             <a:noAutofit/>
           </a:bodyPr>
           <a:lstStyle/>
@@ -5616,8 +5919,8 @@
         </p:blipFill>
         <p:spPr>
           <a:xfrm>
-            <a:off y="1200174" x="4462875"/>
-            <a:ext cy="1299549" cx="2061100"/>
+            <a:off x="4462875" y="1200174"/>
+            <a:ext cx="2061100" cy="1299549"/>
           </a:xfrm>
           <a:prstGeom prst="rect">
             <a:avLst/>
@@ -5638,13 +5941,13 @@
           <a:blip r:embed="rId4">
             <a:alphaModFix/>
           </a:blip>
-          <a:srcRect t="46640" b="27666" r="42513" l="36407"/>
+          <a:srcRect l="36407" t="46640" r="42513" b="27666"/>
           <a:stretch/>
         </p:blipFill>
         <p:spPr>
           <a:xfrm>
-            <a:off y="205975" x="5429825"/>
-            <a:ext cy="837625" cx="1094150"/>
+            <a:off x="5429825" y="205975"/>
+            <a:ext cx="1094150" cy="837625"/>
           </a:xfrm>
           <a:prstGeom prst="rect">
             <a:avLst/>
@@ -5665,13 +5968,13 @@
           <a:blip r:embed="rId5">
             <a:alphaModFix/>
           </a:blip>
-          <a:srcRect t="64271" b="0" r="36880" l="40245"/>
+          <a:srcRect l="40245" t="64271" r="36880"/>
           <a:stretch/>
         </p:blipFill>
         <p:spPr>
           <a:xfrm>
-            <a:off y="205974" x="6749925"/>
-            <a:ext cy="2251125" cx="2167825"/>
+            <a:off x="6749925" y="205974"/>
+            <a:ext cx="2167825" cy="2251125"/>
           </a:xfrm>
           <a:prstGeom prst="rect">
             <a:avLst/>
@@ -5694,46 +5997,48 @@
 </file>
 
 <file path=ppt/slides/slide5.xml><?xml version="1.0" encoding="utf-8"?>
-<p:sld xmlns:a="http://schemas.openxmlformats.org/drawingml/2006/main" xmlns:r="http://schemas.openxmlformats.org/officeDocument/2006/relationships" xmlns:mc="http://schemas.openxmlformats.org/markup-compatibility/2006" xmlns:mv="urn:schemas-microsoft-com:mac:vml" xmlns:p="http://schemas.openxmlformats.org/presentationml/2006/main" xmlns:c="http://schemas.openxmlformats.org/drawingml/2006/chart" xmlns:dgm="http://schemas.openxmlformats.org/drawingml/2006/diagram" xmlns:o="urn:schemas-microsoft-com:office:office" xmlns:v="urn:schemas-microsoft-com:vml" xmlns:pvml="urn:schemas-microsoft-com:office:powerpoint" xmlns:com="http://schemas.openxmlformats.org/drawingml/2006/compatibility" xmlns:p14="http://schemas.microsoft.com/office/powerpoint/2010/main">
+<p:sld xmlns:a="http://schemas.openxmlformats.org/drawingml/2006/main" xmlns:r="http://schemas.openxmlformats.org/officeDocument/2006/relationships" xmlns:p="http://schemas.openxmlformats.org/presentationml/2006/main">
   <p:cSld>
     <p:spTree>
       <p:nvGrpSpPr>
-        <p:cNvPr id="71" name="Shape 71"/>
+        <p:cNvPr id="1" name="Shape 71"/>
         <p:cNvGrpSpPr/>
         <p:nvPr/>
       </p:nvGrpSpPr>
       <p:grpSpPr>
         <a:xfrm>
-          <a:off y="0" x="0"/>
-          <a:ext cy="0" cx="0"/>
-          <a:chOff y="0" x="0"/>
-          <a:chExt cy="0" cx="0"/>
+          <a:off x="0" y="0"/>
+          <a:ext cx="0" cy="0"/>
+          <a:chOff x="0" y="0"/>
+          <a:chExt cx="0" cy="0"/>
         </a:xfrm>
       </p:grpSpPr>
       <p:sp>
         <p:nvSpPr>
           <p:cNvPr id="72" name="Shape 72"/>
-          <p:cNvSpPr txBox="1"/>
+          <p:cNvSpPr txBox="1">
+            <a:spLocks noGrp="1"/>
+          </p:cNvSpPr>
           <p:nvPr>
-            <p:ph idx="1" type="body"/>
+            <p:ph type="body" idx="1"/>
           </p:nvPr>
         </p:nvSpPr>
         <p:spPr>
           <a:xfrm>
-            <a:off y="1244242" x="457200"/>
-            <a:ext cy="3630300" cx="8229600"/>
+            <a:off x="457200" y="1244242"/>
+            <a:ext cx="8229600" cy="3630300"/>
           </a:xfrm>
           <a:prstGeom prst="rect">
             <a:avLst/>
           </a:prstGeom>
         </p:spPr>
         <p:txBody>
-          <a:bodyPr bIns="91425" rIns="91425" lIns="91425" tIns="91425" anchor="t" anchorCtr="0">
+          <a:bodyPr lIns="91425" tIns="91425" rIns="91425" bIns="91425" anchor="t" anchorCtr="0">
             <a:noAutofit/>
           </a:bodyPr>
           <a:lstStyle/>
           <a:p>
-            <a:pPr rtl="0" lvl="0" indent="-355600" marL="457200">
+            <a:pPr marL="457200" lvl="0" indent="-355600" rtl="0">
               <a:lnSpc>
                 <a:spcPct val="115000"/>
               </a:lnSpc>
@@ -5748,12 +6053,12 @@
               <a:buChar char="●"/>
             </a:pPr>
             <a:r>
-              <a:rPr sz="2000" lang="en"/>
+              <a:rPr lang="en" sz="2000"/>
               <a:t>Wind</a:t>
             </a:r>
           </a:p>
           <a:p>
-            <a:pPr rtl="0" lvl="1" indent="-342900" marL="914400">
+            <a:pPr marL="914400" lvl="1" indent="-342900" rtl="0">
               <a:lnSpc>
                 <a:spcPct val="115000"/>
               </a:lnSpc>
@@ -5768,12 +6073,12 @@
               <a:buChar char="o"/>
             </a:pPr>
             <a:r>
-              <a:rPr sz="1800" lang="en"/>
+              <a:rPr lang="en" sz="1800"/>
               <a:t>3D Perlin noise as a noise texture</a:t>
             </a:r>
           </a:p>
           <a:p>
-            <a:pPr rtl="0" lvl="1" indent="-342900" marL="914400">
+            <a:pPr marL="914400" lvl="1" indent="-342900" rtl="0">
               <a:lnSpc>
                 <a:spcPct val="115000"/>
               </a:lnSpc>
@@ -5788,12 +6093,12 @@
               <a:buChar char="o"/>
             </a:pPr>
             <a:r>
-              <a:rPr sz="1800" lang="en"/>
+              <a:rPr lang="en" sz="1800"/>
               <a:t>Change water height based on noise</a:t>
             </a:r>
           </a:p>
           <a:p>
-            <a:pPr algn="l" rtl="0" lvl="0" marR="0" indent="-355600" marL="457200">
+            <a:pPr marL="457200" marR="0" lvl="0" indent="-355600" algn="l" rtl="0">
               <a:lnSpc>
                 <a:spcPct val="115000"/>
               </a:lnSpc>
@@ -5811,12 +6116,12 @@
               <a:buChar char="●"/>
             </a:pPr>
             <a:r>
-              <a:rPr sz="2000" lang="en"/>
+              <a:rPr lang="en" sz="2000"/>
               <a:t>Rain</a:t>
             </a:r>
           </a:p>
           <a:p>
-            <a:pPr algn="l" rtl="0" lvl="1" marR="0" indent="-342900" marL="914400">
+            <a:pPr marL="914400" marR="0" lvl="1" indent="-342900" algn="l" rtl="0">
               <a:lnSpc>
                 <a:spcPct val="115000"/>
               </a:lnSpc>
@@ -5834,7 +6139,7 @@
               <a:buChar char="o"/>
             </a:pPr>
             <a:r>
-              <a:rPr sz="1800" lang="en"/>
+              <a:rPr lang="en" sz="1800"/>
               <a:t>Pseudo random mouse click</a:t>
             </a:r>
           </a:p>
@@ -5843,22 +6148,24 @@
       <p:sp>
         <p:nvSpPr>
           <p:cNvPr id="73" name="Shape 73"/>
-          <p:cNvSpPr txBox="1"/>
+          <p:cNvSpPr txBox="1">
+            <a:spLocks noGrp="1"/>
+          </p:cNvSpPr>
           <p:nvPr>
             <p:ph type="title"/>
           </p:nvPr>
         </p:nvSpPr>
         <p:spPr>
           <a:xfrm>
-            <a:off y="205978" x="457200"/>
-            <a:ext cy="994200" cx="8229600"/>
+            <a:off x="457200" y="205978"/>
+            <a:ext cx="8229600" cy="994200"/>
           </a:xfrm>
           <a:prstGeom prst="rect">
             <a:avLst/>
           </a:prstGeom>
         </p:spPr>
         <p:txBody>
-          <a:bodyPr bIns="91425" rIns="91425" lIns="91425" tIns="91425" anchor="b" anchorCtr="0">
+          <a:bodyPr lIns="91425" tIns="91425" rIns="91425" bIns="91425" anchor="b" anchorCtr="0">
             <a:noAutofit/>
           </a:bodyPr>
           <a:lstStyle/>
@@ -5884,50 +6191,59 @@
   <p:transition spd="slow">
     <p:cut/>
   </p:transition>
+  <p:timing>
+    <p:tnLst>
+      <p:par>
+        <p:cTn id="1" dur="indefinite" restart="never" nodeType="tmRoot"/>
+      </p:par>
+    </p:tnLst>
+  </p:timing>
 </p:sld>
 </file>
 
 <file path=ppt/slides/slide6.xml><?xml version="1.0" encoding="utf-8"?>
-<p:sld xmlns:a="http://schemas.openxmlformats.org/drawingml/2006/main" xmlns:r="http://schemas.openxmlformats.org/officeDocument/2006/relationships" xmlns:mc="http://schemas.openxmlformats.org/markup-compatibility/2006" xmlns:mv="urn:schemas-microsoft-com:mac:vml" xmlns:p="http://schemas.openxmlformats.org/presentationml/2006/main" xmlns:c="http://schemas.openxmlformats.org/drawingml/2006/chart" xmlns:dgm="http://schemas.openxmlformats.org/drawingml/2006/diagram" xmlns:o="urn:schemas-microsoft-com:office:office" xmlns:v="urn:schemas-microsoft-com:vml" xmlns:pvml="urn:schemas-microsoft-com:office:powerpoint" xmlns:com="http://schemas.openxmlformats.org/drawingml/2006/compatibility" xmlns:p14="http://schemas.microsoft.com/office/powerpoint/2010/main">
+<p:sld xmlns:a="http://schemas.openxmlformats.org/drawingml/2006/main" xmlns:r="http://schemas.openxmlformats.org/officeDocument/2006/relationships" xmlns:p="http://schemas.openxmlformats.org/presentationml/2006/main">
   <p:cSld>
     <p:spTree>
       <p:nvGrpSpPr>
-        <p:cNvPr id="77" name="Shape 77"/>
+        <p:cNvPr id="1" name="Shape 77"/>
         <p:cNvGrpSpPr/>
         <p:nvPr/>
       </p:nvGrpSpPr>
       <p:grpSpPr>
         <a:xfrm>
-          <a:off y="0" x="0"/>
-          <a:ext cy="0" cx="0"/>
-          <a:chOff y="0" x="0"/>
-          <a:chExt cy="0" cx="0"/>
+          <a:off x="0" y="0"/>
+          <a:ext cx="0" cy="0"/>
+          <a:chOff x="0" y="0"/>
+          <a:chExt cx="0" cy="0"/>
         </a:xfrm>
       </p:grpSpPr>
       <p:sp>
         <p:nvSpPr>
           <p:cNvPr id="78" name="Shape 78"/>
-          <p:cNvSpPr txBox="1"/>
+          <p:cNvSpPr txBox="1">
+            <a:spLocks noGrp="1"/>
+          </p:cNvSpPr>
           <p:nvPr>
-            <p:ph idx="1" type="body"/>
+            <p:ph type="body" idx="1"/>
           </p:nvPr>
         </p:nvSpPr>
         <p:spPr>
           <a:xfrm>
-            <a:off y="1219225" x="287275"/>
-            <a:ext cy="1992600" cx="5403900"/>
+            <a:off x="287275" y="1219225"/>
+            <a:ext cx="5403900" cy="1992600"/>
           </a:xfrm>
           <a:prstGeom prst="rect">
             <a:avLst/>
           </a:prstGeom>
         </p:spPr>
         <p:txBody>
-          <a:bodyPr bIns="91425" rIns="91425" lIns="91425" tIns="91425" anchor="t" anchorCtr="0">
+          <a:bodyPr lIns="91425" tIns="91425" rIns="91425" bIns="91425" anchor="t" anchorCtr="0">
             <a:noAutofit/>
           </a:bodyPr>
           <a:lstStyle/>
           <a:p>
-            <a:pPr rtl="0" lvl="0" indent="-342900" marL="457200">
+            <a:pPr marL="457200" lvl="0" indent="-342900" rtl="0">
               <a:spcBef>
                 <a:spcPts val="0"/>
               </a:spcBef>
@@ -5939,12 +6255,12 @@
               <a:buChar char="●"/>
             </a:pPr>
             <a:r>
-              <a:rPr sz="1800" lang="en"/>
+              <a:rPr lang="en" sz="1800"/>
               <a:t>Volumetric light scattering due to shadows</a:t>
             </a:r>
           </a:p>
           <a:p>
-            <a:pPr rtl="0" lvl="0" indent="-342900" marL="457200">
+            <a:pPr marL="457200" lvl="0" indent="-342900" rtl="0">
               <a:spcBef>
                 <a:spcPts val="0"/>
               </a:spcBef>
@@ -5956,12 +6272,12 @@
               <a:buChar char="●"/>
             </a:pPr>
             <a:r>
-              <a:rPr sz="1800" lang="en"/>
+              <a:rPr lang="en" sz="1800"/>
               <a:t>Depth map -&gt; Godray texture -&gt; Post-process</a:t>
             </a:r>
           </a:p>
           <a:p>
-            <a:pPr rtl="0" lvl="0" indent="-342900" marL="457200">
+            <a:pPr marL="457200" lvl="0" indent="-342900" rtl="0">
               <a:spcBef>
                 <a:spcPts val="0"/>
               </a:spcBef>
@@ -5973,12 +6289,12 @@
               <a:buChar char="●"/>
             </a:pPr>
             <a:r>
-              <a:rPr sz="1800" lang="en"/>
+              <a:rPr lang="en" sz="1800"/>
               <a:t>Godray texture: Blurs a mask generated from the depth map along radial lines emanating from the light source. </a:t>
             </a:r>
           </a:p>
           <a:p>
-            <a:pPr rtl="0" lvl="0" indent="-342900" marL="457200">
+            <a:pPr marL="457200" lvl="0" indent="-342900" rtl="0">
               <a:spcBef>
                 <a:spcPts val="0"/>
               </a:spcBef>
@@ -5990,12 +6306,12 @@
               <a:buChar char="●"/>
             </a:pPr>
             <a:r>
-              <a:rPr sz="1800" lang="en"/>
+              <a:rPr lang="en" sz="1800"/>
               <a:t>3 passes  </a:t>
             </a:r>
           </a:p>
           <a:p>
-            <a:pPr algn="l" rtl="0" lvl="0" marR="0">
+            <a:pPr marR="0" lvl="0" algn="l" rtl="0">
               <a:lnSpc>
                 <a:spcPct val="100000"/>
               </a:lnSpc>
@@ -6007,9 +6323,6 @@
               </a:spcAft>
               <a:buNone/>
             </a:pPr>
-            <a:r>
-              <a:t/>
-            </a:r>
             <a:endParaRPr sz="1800"/>
           </a:p>
         </p:txBody>
@@ -6017,22 +6330,24 @@
       <p:sp>
         <p:nvSpPr>
           <p:cNvPr id="79" name="Shape 79"/>
-          <p:cNvSpPr txBox="1"/>
+          <p:cNvSpPr txBox="1">
+            <a:spLocks noGrp="1"/>
+          </p:cNvSpPr>
           <p:nvPr>
             <p:ph type="title"/>
           </p:nvPr>
         </p:nvSpPr>
         <p:spPr>
           <a:xfrm>
-            <a:off y="152400" x="515862"/>
-            <a:ext cy="828599" cx="8229600"/>
+            <a:off x="515862" y="152400"/>
+            <a:ext cx="8229600" cy="828599"/>
           </a:xfrm>
           <a:prstGeom prst="rect">
             <a:avLst/>
           </a:prstGeom>
         </p:spPr>
         <p:txBody>
-          <a:bodyPr bIns="91425" rIns="91425" lIns="91425" tIns="91425" anchor="b" anchorCtr="0">
+          <a:bodyPr lIns="91425" tIns="91425" rIns="91425" bIns="91425" anchor="b" anchorCtr="0">
             <a:noAutofit/>
           </a:bodyPr>
           <a:lstStyle/>
@@ -6060,13 +6375,13 @@
           <a:blip r:embed="rId3">
             <a:alphaModFix/>
           </a:blip>
-          <a:srcRect t="25205" b="0" r="10606" l="10943"/>
+          <a:srcRect l="10943" t="25205" r="10606"/>
           <a:stretch/>
         </p:blipFill>
         <p:spPr>
           <a:xfrm>
-            <a:off y="304799" x="5576025"/>
-            <a:ext cy="2560625" cx="3382024"/>
+            <a:off x="5576025" y="304799"/>
+            <a:ext cx="3382024" cy="2560625"/>
           </a:xfrm>
           <a:prstGeom prst="rect">
             <a:avLst/>
@@ -6093,8 +6408,8 @@
         </p:blipFill>
         <p:spPr>
           <a:xfrm>
-            <a:off y="3112149" x="495499"/>
-            <a:ext cy="1913149" cx="2682725"/>
+            <a:off x="495499" y="3112149"/>
+            <a:ext cx="2682725" cy="1913149"/>
           </a:xfrm>
           <a:prstGeom prst="rect">
             <a:avLst/>
@@ -6121,8 +6436,8 @@
         </p:blipFill>
         <p:spPr>
           <a:xfrm>
-            <a:off y="3122098" x="3442525"/>
-            <a:ext cy="1893249" cx="2681077"/>
+            <a:off x="3442525" y="3122098"/>
+            <a:ext cx="2681077" cy="1893249"/>
           </a:xfrm>
           <a:prstGeom prst="rect">
             <a:avLst/>
@@ -6149,8 +6464,8 @@
         </p:blipFill>
         <p:spPr>
           <a:xfrm>
-            <a:off y="3112150" x="6387900"/>
-            <a:ext cy="1913149" cx="2520275"/>
+            <a:off x="6387900" y="3112150"/>
+            <a:ext cx="2520275" cy="1913149"/>
           </a:xfrm>
           <a:prstGeom prst="rect">
             <a:avLst/>
@@ -6173,46 +6488,48 @@
 </file>
 
 <file path=ppt/slides/slide7.xml><?xml version="1.0" encoding="utf-8"?>
-<p:sld xmlns:a="http://schemas.openxmlformats.org/drawingml/2006/main" xmlns:r="http://schemas.openxmlformats.org/officeDocument/2006/relationships" xmlns:mc="http://schemas.openxmlformats.org/markup-compatibility/2006" xmlns:mv="urn:schemas-microsoft-com:mac:vml" xmlns:p="http://schemas.openxmlformats.org/presentationml/2006/main" xmlns:c="http://schemas.openxmlformats.org/drawingml/2006/chart" xmlns:dgm="http://schemas.openxmlformats.org/drawingml/2006/diagram" xmlns:o="urn:schemas-microsoft-com:office:office" xmlns:v="urn:schemas-microsoft-com:vml" xmlns:pvml="urn:schemas-microsoft-com:office:powerpoint" xmlns:com="http://schemas.openxmlformats.org/drawingml/2006/compatibility" xmlns:p14="http://schemas.microsoft.com/office/powerpoint/2010/main">
+<p:sld xmlns:a="http://schemas.openxmlformats.org/drawingml/2006/main" xmlns:r="http://schemas.openxmlformats.org/officeDocument/2006/relationships" xmlns:p="http://schemas.openxmlformats.org/presentationml/2006/main">
   <p:cSld>
     <p:spTree>
       <p:nvGrpSpPr>
-        <p:cNvPr id="87" name="Shape 87"/>
+        <p:cNvPr id="1" name="Shape 87"/>
         <p:cNvGrpSpPr/>
         <p:nvPr/>
       </p:nvGrpSpPr>
       <p:grpSpPr>
         <a:xfrm>
-          <a:off y="0" x="0"/>
-          <a:ext cy="0" cx="0"/>
-          <a:chOff y="0" x="0"/>
-          <a:chExt cy="0" cx="0"/>
+          <a:off x="0" y="0"/>
+          <a:ext cx="0" cy="0"/>
+          <a:chOff x="0" y="0"/>
+          <a:chExt cx="0" cy="0"/>
         </a:xfrm>
       </p:grpSpPr>
       <p:sp>
         <p:nvSpPr>
           <p:cNvPr id="88" name="Shape 88"/>
-          <p:cNvSpPr txBox="1"/>
+          <p:cNvSpPr txBox="1">
+            <a:spLocks noGrp="1"/>
+          </p:cNvSpPr>
           <p:nvPr>
-            <p:ph idx="1" type="body"/>
+            <p:ph type="body" idx="1"/>
           </p:nvPr>
         </p:nvSpPr>
         <p:spPr>
           <a:xfrm>
-            <a:off y="1244250" x="457200"/>
-            <a:ext cy="3630300" cx="3349200"/>
+            <a:off x="457200" y="1244250"/>
+            <a:ext cx="3349200" cy="3630300"/>
           </a:xfrm>
           <a:prstGeom prst="rect">
             <a:avLst/>
           </a:prstGeom>
         </p:spPr>
         <p:txBody>
-          <a:bodyPr bIns="91425" rIns="91425" lIns="91425" tIns="91425" anchor="t" anchorCtr="0">
+          <a:bodyPr lIns="91425" tIns="91425" rIns="91425" bIns="91425" anchor="t" anchorCtr="0">
             <a:noAutofit/>
           </a:bodyPr>
           <a:lstStyle/>
           <a:p>
-            <a:pPr rtl="0" lvl="0" indent="-342900" marL="457200">
+            <a:pPr marL="457200" lvl="0" indent="-342900" rtl="0">
               <a:spcBef>
                 <a:spcPts val="0"/>
               </a:spcBef>
@@ -6224,23 +6541,23 @@
               <a:buChar char="●"/>
             </a:pPr>
             <a:r>
-              <a:rPr b="1" sz="1800" lang="en"/>
+              <a:rPr lang="en" sz="1800" b="1"/>
               <a:t>Obj mesh interaction</a:t>
             </a:r>
             <a:r>
-              <a:rPr sz="1800" lang="en"/>
+              <a:rPr lang="en" sz="1800"/>
               <a:t>: not much influence</a:t>
             </a:r>
           </a:p>
           <a:p>
-            <a:pPr rtl="0" lvl="0" indent="457200">
+            <a:pPr lvl="0" indent="457200" rtl="0">
               <a:spcBef>
                 <a:spcPts val="0"/>
               </a:spcBef>
               <a:buNone/>
             </a:pPr>
             <a:r>
-              <a:rPr sz="1400" lang="en"/>
+              <a:rPr lang="en" sz="1400"/>
               <a:t>-bounding sphere</a:t>
             </a:r>
           </a:p>
@@ -6251,13 +6568,10 @@
               </a:spcBef>
               <a:buNone/>
             </a:pPr>
-            <a:r>
-              <a:t/>
-            </a:r>
             <a:endParaRPr sz="1800"/>
           </a:p>
           <a:p>
-            <a:pPr rtl="0" lvl="0" indent="-342900" marL="457200">
+            <a:pPr marL="457200" lvl="0" indent="-342900" rtl="0">
               <a:spcBef>
                 <a:spcPts val="0"/>
               </a:spcBef>
@@ -6269,11 +6583,11 @@
               <a:buChar char="●"/>
             </a:pPr>
             <a:r>
-              <a:rPr b="1" sz="1800" lang="en"/>
+              <a:rPr lang="en" sz="1800" b="1"/>
               <a:t>God rays</a:t>
             </a:r>
             <a:r>
-              <a:rPr sz="1800" lang="en"/>
+              <a:rPr lang="en" sz="1800"/>
               <a:t>: Drop down FPS by 30</a:t>
             </a:r>
           </a:p>
@@ -6285,23 +6599,23 @@
               <a:buNone/>
             </a:pPr>
             <a:r>
-              <a:rPr sz="1800" lang="en"/>
+              <a:rPr lang="en" sz="1800"/>
               <a:t>	</a:t>
             </a:r>
             <a:r>
-              <a:rPr sz="1400" lang="en"/>
+              <a:rPr lang="en" sz="1400"/>
               <a:t>-3 passes, write to texture</a:t>
             </a:r>
           </a:p>
           <a:p>
-            <a:pPr rtl="0" lvl="0">
+            <a:pPr lvl="0" rtl="0">
               <a:spcBef>
                 <a:spcPts val="0"/>
               </a:spcBef>
               <a:buNone/>
             </a:pPr>
             <a:r>
-              <a:rPr sz="1400" lang="en"/>
+              <a:rPr lang="en" sz="1400"/>
               <a:t>	-6 samples each pass</a:t>
             </a:r>
           </a:p>
@@ -6310,22 +6624,24 @@
       <p:sp>
         <p:nvSpPr>
           <p:cNvPr id="89" name="Shape 89"/>
-          <p:cNvSpPr txBox="1"/>
+          <p:cNvSpPr txBox="1">
+            <a:spLocks noGrp="1"/>
+          </p:cNvSpPr>
           <p:nvPr>
             <p:ph type="title"/>
           </p:nvPr>
         </p:nvSpPr>
         <p:spPr>
           <a:xfrm>
-            <a:off y="205978" x="457200"/>
-            <a:ext cy="994200" cx="8229600"/>
+            <a:off x="457200" y="205978"/>
+            <a:ext cx="8229600" cy="994200"/>
           </a:xfrm>
           <a:prstGeom prst="rect">
             <a:avLst/>
           </a:prstGeom>
         </p:spPr>
         <p:txBody>
-          <a:bodyPr bIns="91425" rIns="91425" lIns="91425" tIns="91425" anchor="b" anchorCtr="0">
+          <a:bodyPr lIns="91425" tIns="91425" rIns="91425" bIns="91425" anchor="b" anchorCtr="0">
             <a:noAutofit/>
           </a:bodyPr>
           <a:lstStyle/>
@@ -6359,8 +6675,8 @@
         </p:blipFill>
         <p:spPr>
           <a:xfrm>
-            <a:off y="1200175" x="4014275"/>
-            <a:ext cy="3457325" cx="4798850"/>
+            <a:off x="4014275" y="1200175"/>
+            <a:ext cx="4798850" cy="3457325"/>
           </a:xfrm>
           <a:prstGeom prst="rect">
             <a:avLst/>
@@ -6379,86 +6695,97 @@
   <p:transition spd="slow">
     <p:cut/>
   </p:transition>
+  <p:timing>
+    <p:tnLst>
+      <p:par>
+        <p:cTn id="1" dur="indefinite" restart="never" nodeType="tmRoot"/>
+      </p:par>
+    </p:tnLst>
+  </p:timing>
 </p:sld>
 </file>
 
 <file path=ppt/slides/slide8.xml><?xml version="1.0" encoding="utf-8"?>
-<p:sld xmlns:a="http://schemas.openxmlformats.org/drawingml/2006/main" xmlns:r="http://schemas.openxmlformats.org/officeDocument/2006/relationships" xmlns:mc="http://schemas.openxmlformats.org/markup-compatibility/2006" xmlns:mv="urn:schemas-microsoft-com:mac:vml" xmlns:p="http://schemas.openxmlformats.org/presentationml/2006/main" xmlns:c="http://schemas.openxmlformats.org/drawingml/2006/chart" xmlns:dgm="http://schemas.openxmlformats.org/drawingml/2006/diagram" xmlns:o="urn:schemas-microsoft-com:office:office" xmlns:v="urn:schemas-microsoft-com:vml" xmlns:pvml="urn:schemas-microsoft-com:office:powerpoint" xmlns:com="http://schemas.openxmlformats.org/drawingml/2006/compatibility" xmlns:p14="http://schemas.microsoft.com/office/powerpoint/2010/main">
+<p:sld xmlns:a="http://schemas.openxmlformats.org/drawingml/2006/main" xmlns:r="http://schemas.openxmlformats.org/officeDocument/2006/relationships" xmlns:p="http://schemas.openxmlformats.org/presentationml/2006/main">
   <p:cSld>
     <p:spTree>
       <p:nvGrpSpPr>
-        <p:cNvPr id="94" name="Shape 94"/>
+        <p:cNvPr id="1" name="Shape 94"/>
         <p:cNvGrpSpPr/>
         <p:nvPr/>
       </p:nvGrpSpPr>
       <p:grpSpPr>
         <a:xfrm>
-          <a:off y="0" x="0"/>
-          <a:ext cy="0" cx="0"/>
-          <a:chOff y="0" x="0"/>
-          <a:chExt cy="0" cx="0"/>
+          <a:off x="0" y="0"/>
+          <a:ext cx="0" cy="0"/>
+          <a:chOff x="0" y="0"/>
+          <a:chExt cx="0" cy="0"/>
         </a:xfrm>
       </p:grpSpPr>
       <p:sp>
         <p:nvSpPr>
           <p:cNvPr id="95" name="Shape 95"/>
-          <p:cNvSpPr txBox="1"/>
+          <p:cNvSpPr txBox="1">
+            <a:spLocks noGrp="1"/>
+          </p:cNvSpPr>
           <p:nvPr>
-            <p:ph idx="1" type="body"/>
+            <p:ph type="body" idx="1"/>
           </p:nvPr>
         </p:nvSpPr>
         <p:spPr>
           <a:xfrm>
-            <a:off y="1244242" x="457200"/>
-            <a:ext cy="3630300" cx="8229600"/>
+            <a:off x="457200" y="1244242"/>
+            <a:ext cx="8229600" cy="3630300"/>
           </a:xfrm>
           <a:prstGeom prst="rect">
             <a:avLst/>
           </a:prstGeom>
         </p:spPr>
         <p:txBody>
-          <a:bodyPr bIns="91425" rIns="91425" lIns="91425" tIns="91425" anchor="t" anchorCtr="0">
+          <a:bodyPr lIns="91425" tIns="91425" rIns="91425" bIns="91425" anchor="t" anchorCtr="0">
             <a:noAutofit/>
           </a:bodyPr>
           <a:lstStyle/>
           <a:p>
-            <a:pPr>
-              <a:spcBef>
-                <a:spcPts val="0"/>
-              </a:spcBef>
-              <a:buNone/>
-            </a:pPr>
             <a:r>
-              <a:rPr u="sng" sz="1800" lang="en">
+              <a:rPr lang="en-US" sz="1800" u="sng" dirty="0">
                 <a:solidFill>
                   <a:schemeClr val="hlink"/>
                 </a:solidFill>
                 <a:hlinkClick r:id="rId3"/>
               </a:rPr>
-              <a:t>https://dl.dropboxusercontent.com/u/53181465/aaa/index.html</a:t>
+              <a:t>http://dblsai.github.io/WebGL-Fluid/</a:t>
             </a:r>
+            <a:endParaRPr lang="en" sz="1800" u="sng" dirty="0">
+              <a:solidFill>
+                <a:schemeClr val="hlink"/>
+              </a:solidFill>
+              <a:hlinkClick r:id="rId3"/>
+            </a:endParaRPr>
           </a:p>
         </p:txBody>
       </p:sp>
       <p:sp>
         <p:nvSpPr>
           <p:cNvPr id="96" name="Shape 96"/>
-          <p:cNvSpPr txBox="1"/>
+          <p:cNvSpPr txBox="1">
+            <a:spLocks noGrp="1"/>
+          </p:cNvSpPr>
           <p:nvPr>
             <p:ph type="title"/>
           </p:nvPr>
         </p:nvSpPr>
         <p:spPr>
           <a:xfrm>
-            <a:off y="205978" x="457200"/>
-            <a:ext cy="994200" cx="8229600"/>
+            <a:off x="457200" y="205978"/>
+            <a:ext cx="8229600" cy="994200"/>
           </a:xfrm>
           <a:prstGeom prst="rect">
             <a:avLst/>
           </a:prstGeom>
         </p:spPr>
         <p:txBody>
-          <a:bodyPr bIns="91425" rIns="91425" lIns="91425" tIns="91425" anchor="b" anchorCtr="0">
+          <a:bodyPr lIns="91425" tIns="91425" rIns="91425" bIns="91425" anchor="b" anchorCtr="0">
             <a:noAutofit/>
           </a:bodyPr>
           <a:lstStyle/>
@@ -6484,50 +6811,59 @@
   <p:transition spd="slow">
     <p:cut/>
   </p:transition>
+  <p:timing>
+    <p:tnLst>
+      <p:par>
+        <p:cTn id="1" dur="indefinite" restart="never" nodeType="tmRoot"/>
+      </p:par>
+    </p:tnLst>
+  </p:timing>
 </p:sld>
 </file>
 
 <file path=ppt/slides/slide9.xml><?xml version="1.0" encoding="utf-8"?>
-<p:sld xmlns:a="http://schemas.openxmlformats.org/drawingml/2006/main" xmlns:r="http://schemas.openxmlformats.org/officeDocument/2006/relationships" xmlns:mc="http://schemas.openxmlformats.org/markup-compatibility/2006" xmlns:mv="urn:schemas-microsoft-com:mac:vml" xmlns:p="http://schemas.openxmlformats.org/presentationml/2006/main" xmlns:c="http://schemas.openxmlformats.org/drawingml/2006/chart" xmlns:dgm="http://schemas.openxmlformats.org/drawingml/2006/diagram" xmlns:o="urn:schemas-microsoft-com:office:office" xmlns:v="urn:schemas-microsoft-com:vml" xmlns:pvml="urn:schemas-microsoft-com:office:powerpoint" xmlns:com="http://schemas.openxmlformats.org/drawingml/2006/compatibility" xmlns:p14="http://schemas.microsoft.com/office/powerpoint/2010/main">
+<p:sld xmlns:a="http://schemas.openxmlformats.org/drawingml/2006/main" xmlns:r="http://schemas.openxmlformats.org/officeDocument/2006/relationships" xmlns:p="http://schemas.openxmlformats.org/presentationml/2006/main">
   <p:cSld>
     <p:spTree>
       <p:nvGrpSpPr>
-        <p:cNvPr id="100" name="Shape 100"/>
+        <p:cNvPr id="1" name="Shape 100"/>
         <p:cNvGrpSpPr/>
         <p:nvPr/>
       </p:nvGrpSpPr>
       <p:grpSpPr>
         <a:xfrm>
-          <a:off y="0" x="0"/>
-          <a:ext cy="0" cx="0"/>
-          <a:chOff y="0" x="0"/>
-          <a:chExt cy="0" cx="0"/>
+          <a:off x="0" y="0"/>
+          <a:ext cx="0" cy="0"/>
+          <a:chOff x="0" y="0"/>
+          <a:chExt cx="0" cy="0"/>
         </a:xfrm>
       </p:grpSpPr>
       <p:sp>
         <p:nvSpPr>
           <p:cNvPr id="101" name="Shape 101"/>
-          <p:cNvSpPr txBox="1"/>
+          <p:cNvSpPr txBox="1">
+            <a:spLocks noGrp="1"/>
+          </p:cNvSpPr>
           <p:nvPr>
-            <p:ph idx="1" type="body"/>
+            <p:ph type="body" idx="1"/>
           </p:nvPr>
         </p:nvSpPr>
         <p:spPr>
           <a:xfrm>
-            <a:off y="1244242" x="457200"/>
-            <a:ext cy="3630300" cx="8229600"/>
+            <a:off x="457200" y="1244242"/>
+            <a:ext cx="8229600" cy="3630300"/>
           </a:xfrm>
           <a:prstGeom prst="rect">
             <a:avLst/>
           </a:prstGeom>
         </p:spPr>
         <p:txBody>
-          <a:bodyPr bIns="91425" rIns="91425" lIns="91425" tIns="91425" anchor="t" anchorCtr="0">
+          <a:bodyPr lIns="91425" tIns="91425" rIns="91425" bIns="91425" anchor="t" anchorCtr="0">
             <a:noAutofit/>
           </a:bodyPr>
           <a:lstStyle/>
           <a:p>
-            <a:pPr rtl="0" lvl="0" indent="-419100" marL="457200">
+            <a:pPr marL="457200" lvl="0" indent="-419100" rtl="0">
               <a:lnSpc>
                 <a:spcPct val="115000"/>
               </a:lnSpc>
@@ -6542,12 +6878,12 @@
               <a:buChar char="●"/>
             </a:pPr>
             <a:r>
-              <a:rPr sz="3000" lang="en"/>
+              <a:rPr lang="en" sz="3000"/>
               <a:t>Better obj reflection &amp; refraction</a:t>
             </a:r>
           </a:p>
           <a:p>
-            <a:pPr rtl="0" lvl="0" indent="-419100" marL="457200">
+            <a:pPr marL="457200" lvl="0" indent="-419100" rtl="0">
               <a:lnSpc>
                 <a:spcPct val="115000"/>
               </a:lnSpc>
@@ -6562,12 +6898,12 @@
               <a:buChar char="●"/>
             </a:pPr>
             <a:r>
-              <a:rPr sz="3000" lang="en"/>
+              <a:rPr lang="en" sz="3000"/>
               <a:t>Polish God rays </a:t>
             </a:r>
           </a:p>
           <a:p>
-            <a:pPr rtl="0" lvl="0" indent="-419100" marL="457200">
+            <a:pPr marL="457200" lvl="0" indent="-419100" rtl="0">
               <a:lnSpc>
                 <a:spcPct val="115000"/>
               </a:lnSpc>
@@ -6582,12 +6918,12 @@
               <a:buChar char="●"/>
             </a:pPr>
             <a:r>
-              <a:rPr sz="3000" lang="en"/>
+              <a:rPr lang="en" sz="3000"/>
               <a:t>More Volumetric light scattering effects</a:t>
             </a:r>
           </a:p>
           <a:p>
-            <a:pPr rtl="0" indent="457200">
+            <a:pPr indent="457200" rtl="0">
               <a:lnSpc>
                 <a:spcPct val="115000"/>
               </a:lnSpc>
@@ -6597,12 +6933,12 @@
               <a:buNone/>
             </a:pPr>
             <a:r>
-              <a:rPr sz="3000" lang="en"/>
+              <a:rPr lang="en" sz="3000"/>
               <a:t>(underwater light shaft)</a:t>
             </a:r>
           </a:p>
           <a:p>
-            <a:pPr rtl="0" lvl="0" indent="457200">
+            <a:pPr lvl="0" indent="457200" rtl="0">
               <a:lnSpc>
                 <a:spcPct val="115000"/>
               </a:lnSpc>
@@ -6611,9 +6947,6 @@
               </a:spcBef>
               <a:buNone/>
             </a:pPr>
-            <a:r>
-              <a:t/>
-            </a:r>
             <a:endParaRPr sz="3000"/>
           </a:p>
         </p:txBody>
@@ -6621,22 +6954,24 @@
       <p:sp>
         <p:nvSpPr>
           <p:cNvPr id="102" name="Shape 102"/>
-          <p:cNvSpPr txBox="1"/>
+          <p:cNvSpPr txBox="1">
+            <a:spLocks noGrp="1"/>
+          </p:cNvSpPr>
           <p:nvPr>
             <p:ph type="title"/>
           </p:nvPr>
         </p:nvSpPr>
         <p:spPr>
           <a:xfrm>
-            <a:off y="205978" x="457200"/>
-            <a:ext cy="994200" cx="8229600"/>
+            <a:off x="457200" y="205978"/>
+            <a:ext cx="8229600" cy="994200"/>
           </a:xfrm>
           <a:prstGeom prst="rect">
             <a:avLst/>
           </a:prstGeom>
         </p:spPr>
         <p:txBody>
-          <a:bodyPr bIns="91425" rIns="91425" lIns="91425" tIns="91425" anchor="b" anchorCtr="0">
+          <a:bodyPr lIns="91425" tIns="91425" rIns="91425" bIns="91425" anchor="b" anchorCtr="0">
             <a:noAutofit/>
           </a:bodyPr>
           <a:lstStyle/>
@@ -6666,7 +7001,7 @@
 </file>
 
 <file path=ppt/theme/theme1.xml><?xml version="1.0" encoding="utf-8"?>
-<a:theme xmlns:a="http://schemas.openxmlformats.org/drawingml/2006/main" xmlns:r="http://schemas.openxmlformats.org/officeDocument/2006/relationships" name="wave">
+<a:theme xmlns:a="http://schemas.openxmlformats.org/drawingml/2006/main" name="wave">
   <a:themeElements>
     <a:clrScheme name="Custom 506">
       <a:dk1>
@@ -6711,69 +7046,69 @@
         <a:latin typeface="Arial"/>
         <a:ea typeface=""/>
         <a:cs typeface=""/>
-        <a:font typeface="ＭＳ Ｐゴシック" script="Jpan"/>
-        <a:font typeface="맑은 고딕" script="Hang"/>
-        <a:font typeface="宋体" script="Hans"/>
-        <a:font typeface="新細明體" script="Hant"/>
-        <a:font typeface="Times New Roman" script="Arab"/>
-        <a:font typeface="Times New Roman" script="Hebr"/>
-        <a:font typeface="Angsana New" script="Thai"/>
-        <a:font typeface="Nyala" script="Ethi"/>
-        <a:font typeface="Vrinda" script="Beng"/>
-        <a:font typeface="Shruti" script="Gujr"/>
-        <a:font typeface="MoolBoran" script="Khmr"/>
-        <a:font typeface="Tunga" script="Knda"/>
-        <a:font typeface="Raavi" script="Guru"/>
-        <a:font typeface="Euphemia" script="Cans"/>
-        <a:font typeface="Plantagenet Cherokee" script="Cher"/>
-        <a:font typeface="Microsoft Yi Baiti" script="Yiii"/>
-        <a:font typeface="Microsoft Himalaya" script="Tibt"/>
-        <a:font typeface="MV Boli" script="Thaa"/>
-        <a:font typeface="Mangal" script="Deva"/>
-        <a:font typeface="Gautami" script="Telu"/>
-        <a:font typeface="Latha" script="Taml"/>
-        <a:font typeface="Estrangelo Edessa" script="Syrc"/>
-        <a:font typeface="Kalinga" script="Orya"/>
-        <a:font typeface="Kartika" script="Mlym"/>
-        <a:font typeface="DokChampa" script="Laoo"/>
-        <a:font typeface="Iskoola Pota" script="Sinh"/>
-        <a:font typeface="Mongolian Baiti" script="Mong"/>
-        <a:font typeface="Times New Roman" script="Viet"/>
-        <a:font typeface="Microsoft Uighur" script="Uigh"/>
+        <a:font script="Jpan" typeface="ＭＳ Ｐゴシック"/>
+        <a:font script="Hang" typeface="맑은 고딕"/>
+        <a:font script="Hans" typeface="宋体"/>
+        <a:font script="Hant" typeface="新細明體"/>
+        <a:font script="Arab" typeface="Times New Roman"/>
+        <a:font script="Hebr" typeface="Times New Roman"/>
+        <a:font script="Thai" typeface="Angsana New"/>
+        <a:font script="Ethi" typeface="Nyala"/>
+        <a:font script="Beng" typeface="Vrinda"/>
+        <a:font script="Gujr" typeface="Shruti"/>
+        <a:font script="Khmr" typeface="MoolBoran"/>
+        <a:font script="Knda" typeface="Tunga"/>
+        <a:font script="Guru" typeface="Raavi"/>
+        <a:font script="Cans" typeface="Euphemia"/>
+        <a:font script="Cher" typeface="Plantagenet Cherokee"/>
+        <a:font script="Yiii" typeface="Microsoft Yi Baiti"/>
+        <a:font script="Tibt" typeface="Microsoft Himalaya"/>
+        <a:font script="Thaa" typeface="MV Boli"/>
+        <a:font script="Deva" typeface="Mangal"/>
+        <a:font script="Telu" typeface="Gautami"/>
+        <a:font script="Taml" typeface="Latha"/>
+        <a:font script="Syrc" typeface="Estrangelo Edessa"/>
+        <a:font script="Orya" typeface="Kalinga"/>
+        <a:font script="Mlym" typeface="Kartika"/>
+        <a:font script="Laoo" typeface="DokChampa"/>
+        <a:font script="Sinh" typeface="Iskoola Pota"/>
+        <a:font script="Mong" typeface="Mongolian Baiti"/>
+        <a:font script="Viet" typeface="Times New Roman"/>
+        <a:font script="Uigh" typeface="Microsoft Uighur"/>
       </a:majorFont>
       <a:minorFont>
         <a:latin typeface="Arial"/>
         <a:ea typeface=""/>
         <a:cs typeface=""/>
-        <a:font typeface="ＭＳ Ｐゴシック" script="Jpan"/>
-        <a:font typeface="맑은 고딕" script="Hang"/>
-        <a:font typeface="宋体" script="Hans"/>
-        <a:font typeface="新細明體" script="Hant"/>
-        <a:font typeface="Times New Roman" script="Arab"/>
-        <a:font typeface="Times New Roman" script="Hebr"/>
-        <a:font typeface="Angsana New" script="Thai"/>
-        <a:font typeface="Nyala" script="Ethi"/>
-        <a:font typeface="Vrinda" script="Beng"/>
-        <a:font typeface="Shruti" script="Gujr"/>
-        <a:font typeface="MoolBoran" script="Khmr"/>
-        <a:font typeface="Tunga" script="Knda"/>
-        <a:font typeface="Raavi" script="Guru"/>
-        <a:font typeface="Euphemia" script="Cans"/>
-        <a:font typeface="Plantagenet Cherokee" script="Cher"/>
-        <a:font typeface="Microsoft Yi Baiti" script="Yiii"/>
-        <a:font typeface="Microsoft Himalaya" script="Tibt"/>
-        <a:font typeface="MV Boli" script="Thaa"/>
-        <a:font typeface="Mangal" script="Deva"/>
-        <a:font typeface="Gautami" script="Telu"/>
-        <a:font typeface="Latha" script="Taml"/>
-        <a:font typeface="Estrangelo Edessa" script="Syrc"/>
-        <a:font typeface="Kalinga" script="Orya"/>
-        <a:font typeface="Kartika" script="Mlym"/>
-        <a:font typeface="DokChampa" script="Laoo"/>
-        <a:font typeface="Iskoola Pota" script="Sinh"/>
-        <a:font typeface="Mongolian Baiti" script="Mong"/>
-        <a:font typeface="Times New Roman" script="Viet"/>
-        <a:font typeface="Microsoft Uighur" script="Uigh"/>
+        <a:font script="Jpan" typeface="ＭＳ Ｐゴシック"/>
+        <a:font script="Hang" typeface="맑은 고딕"/>
+        <a:font script="Hans" typeface="宋体"/>
+        <a:font script="Hant" typeface="新細明體"/>
+        <a:font script="Arab" typeface="Times New Roman"/>
+        <a:font script="Hebr" typeface="Times New Roman"/>
+        <a:font script="Thai" typeface="Angsana New"/>
+        <a:font script="Ethi" typeface="Nyala"/>
+        <a:font script="Beng" typeface="Vrinda"/>
+        <a:font script="Gujr" typeface="Shruti"/>
+        <a:font script="Khmr" typeface="MoolBoran"/>
+        <a:font script="Knda" typeface="Tunga"/>
+        <a:font script="Guru" typeface="Raavi"/>
+        <a:font script="Cans" typeface="Euphemia"/>
+        <a:font script="Cher" typeface="Plantagenet Cherokee"/>
+        <a:font script="Yiii" typeface="Microsoft Yi Baiti"/>
+        <a:font script="Tibt" typeface="Microsoft Himalaya"/>
+        <a:font script="Thaa" typeface="MV Boli"/>
+        <a:font script="Deva" typeface="Mangal"/>
+        <a:font script="Telu" typeface="Gautami"/>
+        <a:font script="Taml" typeface="Latha"/>
+        <a:font script="Syrc" typeface="Estrangelo Edessa"/>
+        <a:font script="Orya" typeface="Kalinga"/>
+        <a:font script="Mlym" typeface="Kartika"/>
+        <a:font script="Laoo" typeface="DokChampa"/>
+        <a:font script="Sinh" typeface="Iskoola Pota"/>
+        <a:font script="Mong" typeface="Mongolian Baiti"/>
+        <a:font script="Viet" typeface="Times New Roman"/>
+        <a:font script="Uigh" typeface="Microsoft Uighur"/>
       </a:minorFont>
     </a:fontScheme>
     <a:fmtScheme name="Office">
@@ -6825,7 +7160,7 @@
         </a:gradFill>
       </a:fillStyleLst>
       <a:lnStyleLst>
-        <a:ln w="9525" algn="ctr" cap="flat" cmpd="sng">
+        <a:ln w="9525" cap="flat" cmpd="sng" algn="ctr">
           <a:solidFill>
             <a:schemeClr val="phClr">
               <a:shade val="95000"/>
@@ -6834,13 +7169,13 @@
           </a:solidFill>
           <a:prstDash val="solid"/>
         </a:ln>
-        <a:ln w="25400" algn="ctr" cap="flat" cmpd="sng">
+        <a:ln w="25400" cap="flat" cmpd="sng" algn="ctr">
           <a:solidFill>
             <a:schemeClr val="phClr"/>
           </a:solidFill>
           <a:prstDash val="solid"/>
         </a:ln>
-        <a:ln w="38100" algn="ctr" cap="flat" cmpd="sng">
+        <a:ln w="38100" cap="flat" cmpd="sng" algn="ctr">
           <a:solidFill>
             <a:schemeClr val="phClr"/>
           </a:solidFill>
@@ -6850,7 +7185,7 @@
       <a:effectStyleLst>
         <a:effectStyle>
           <a:effectLst>
-            <a:outerShdw rotWithShape="0" dir="5400000" blurRad="40000" dist="20000">
+            <a:outerShdw blurRad="40000" dist="20000" dir="5400000" rotWithShape="0">
               <a:srgbClr val="000000">
                 <a:alpha val="38000"/>
               </a:srgbClr>
@@ -6859,7 +7194,7 @@
         </a:effectStyle>
         <a:effectStyle>
           <a:effectLst>
-            <a:outerShdw rotWithShape="0" dir="5400000" blurRad="40000" dist="23000">
+            <a:outerShdw blurRad="40000" dist="23000" dir="5400000" rotWithShape="0">
               <a:srgbClr val="000000">
                 <a:alpha val="35000"/>
               </a:srgbClr>
@@ -6868,7 +7203,7 @@
         </a:effectStyle>
         <a:effectStyle>
           <a:effectLst>
-            <a:outerShdw rotWithShape="0" dir="5400000" blurRad="40000" dist="23000">
+            <a:outerShdw blurRad="40000" dist="23000" dir="5400000" rotWithShape="0">
               <a:srgbClr val="000000">
                 <a:alpha val="35000"/>
               </a:srgbClr>
@@ -6876,10 +7211,10 @@
           </a:effectLst>
           <a:scene3d>
             <a:camera prst="orthographicFront">
-              <a:rot rev="0" lon="0" lat="0"/>
+              <a:rot lat="0" lon="0" rev="0"/>
             </a:camera>
-            <a:lightRig dir="t" rig="threePt">
-              <a:rot rev="1200000" lon="0" lat="0"/>
+            <a:lightRig rig="threePt" dir="t">
+              <a:rot lat="0" lon="0" rev="1200000"/>
             </a:lightRig>
           </a:scene3d>
           <a:sp3d>
@@ -6914,7 +7249,7 @@
             </a:gs>
           </a:gsLst>
           <a:path path="circle">
-            <a:fillToRect t="-80000" b="180000" r="50000" l="50000"/>
+            <a:fillToRect l="50000" t="-80000" r="50000" b="180000"/>
           </a:path>
         </a:gradFill>
         <a:gradFill rotWithShape="1">
@@ -6933,54 +7268,56 @@
             </a:gs>
           </a:gsLst>
           <a:path path="circle">
-            <a:fillToRect t="50000" b="50000" r="50000" l="50000"/>
+            <a:fillToRect l="50000" t="50000" r="50000" b="50000"/>
           </a:path>
         </a:gradFill>
       </a:bgFillStyleLst>
     </a:fmtScheme>
   </a:themeElements>
+  <a:objectDefaults/>
+  <a:extraClrSchemeLst/>
 </a:theme>
 </file>
 
 <file path=ppt/theme/theme2.xml><?xml version="1.0" encoding="utf-8"?>
-<a:theme xmlns:a="http://schemas.openxmlformats.org/drawingml/2006/main" xmlns:r="http://schemas.openxmlformats.org/officeDocument/2006/relationships" name="Office Theme">
+<a:theme xmlns:a="http://schemas.openxmlformats.org/drawingml/2006/main" name="Custom Theme">
   <a:themeElements>
-    <a:clrScheme name="Office">
+    <a:clrScheme name="Default">
       <a:dk1>
-        <a:sysClr val="windowText" lastClr="000000"/>
+        <a:srgbClr val="000000"/>
       </a:dk1>
       <a:lt1>
-        <a:sysClr val="window" lastClr="FFFFFF"/>
+        <a:srgbClr val="FFFFFF"/>
       </a:lt1>
       <a:dk2>
-        <a:srgbClr val="1F497D"/>
+        <a:srgbClr val="158158"/>
       </a:dk2>
       <a:lt2>
-        <a:srgbClr val="EEECE1"/>
+        <a:srgbClr val="F3F3F3"/>
       </a:lt2>
       <a:accent1>
-        <a:srgbClr val="4F81BD"/>
+        <a:srgbClr val="058DC7"/>
       </a:accent1>
       <a:accent2>
-        <a:srgbClr val="C0504D"/>
+        <a:srgbClr val="50B432"/>
       </a:accent2>
       <a:accent3>
-        <a:srgbClr val="9BBB59"/>
+        <a:srgbClr val="ED561B"/>
       </a:accent3>
       <a:accent4>
-        <a:srgbClr val="8064A2"/>
+        <a:srgbClr val="EDEF00"/>
       </a:accent4>
       <a:accent5>
-        <a:srgbClr val="4BACC6"/>
+        <a:srgbClr val="24CBE5"/>
       </a:accent5>
       <a:accent6>
-        <a:srgbClr val="F79646"/>
+        <a:srgbClr val="64E572"/>
       </a:accent6>
       <a:hlink>
-        <a:srgbClr val="0000FF"/>
+        <a:srgbClr val="2200CC"/>
       </a:hlink>
       <a:folHlink>
-        <a:srgbClr val="800080"/>
+        <a:srgbClr val="551A8B"/>
       </a:folHlink>
     </a:clrScheme>
     <a:fontScheme name="Office">
@@ -6988,69 +7325,69 @@
         <a:latin typeface="Arial"/>
         <a:ea typeface=""/>
         <a:cs typeface=""/>
-        <a:font typeface="ＭＳ Ｐゴシック" script="Jpan"/>
-        <a:font typeface="맑은 고딕" script="Hang"/>
-        <a:font typeface="宋体" script="Hans"/>
-        <a:font typeface="新細明體" script="Hant"/>
-        <a:font typeface="Times New Roman" script="Arab"/>
-        <a:font typeface="Times New Roman" script="Hebr"/>
-        <a:font typeface="Angsana New" script="Thai"/>
-        <a:font typeface="Nyala" script="Ethi"/>
-        <a:font typeface="Vrinda" script="Beng"/>
-        <a:font typeface="Shruti" script="Gujr"/>
-        <a:font typeface="MoolBoran" script="Khmr"/>
-        <a:font typeface="Tunga" script="Knda"/>
-        <a:font typeface="Raavi" script="Guru"/>
-        <a:font typeface="Euphemia" script="Cans"/>
-        <a:font typeface="Plantagenet Cherokee" script="Cher"/>
-        <a:font typeface="Microsoft Yi Baiti" script="Yiii"/>
-        <a:font typeface="Microsoft Himalaya" script="Tibt"/>
-        <a:font typeface="MV Boli" script="Thaa"/>
-        <a:font typeface="Mangal" script="Deva"/>
-        <a:font typeface="Gautami" script="Telu"/>
-        <a:font typeface="Latha" script="Taml"/>
-        <a:font typeface="Estrangelo Edessa" script="Syrc"/>
-        <a:font typeface="Kalinga" script="Orya"/>
-        <a:font typeface="Kartika" script="Mlym"/>
-        <a:font typeface="DokChampa" script="Laoo"/>
-        <a:font typeface="Iskoola Pota" script="Sinh"/>
-        <a:font typeface="Mongolian Baiti" script="Mong"/>
-        <a:font typeface="Times New Roman" script="Viet"/>
-        <a:font typeface="Microsoft Uighur" script="Uigh"/>
+        <a:font script="Jpan" typeface="ＭＳ Ｐゴシック"/>
+        <a:font script="Hang" typeface="맑은 고딕"/>
+        <a:font script="Hans" typeface="宋体"/>
+        <a:font script="Hant" typeface="新細明體"/>
+        <a:font script="Arab" typeface="Times New Roman"/>
+        <a:font script="Hebr" typeface="Times New Roman"/>
+        <a:font script="Thai" typeface="Angsana New"/>
+        <a:font script="Ethi" typeface="Nyala"/>
+        <a:font script="Beng" typeface="Vrinda"/>
+        <a:font script="Gujr" typeface="Shruti"/>
+        <a:font script="Khmr" typeface="MoolBoran"/>
+        <a:font script="Knda" typeface="Tunga"/>
+        <a:font script="Guru" typeface="Raavi"/>
+        <a:font script="Cans" typeface="Euphemia"/>
+        <a:font script="Cher" typeface="Plantagenet Cherokee"/>
+        <a:font script="Yiii" typeface="Microsoft Yi Baiti"/>
+        <a:font script="Tibt" typeface="Microsoft Himalaya"/>
+        <a:font script="Thaa" typeface="MV Boli"/>
+        <a:font script="Deva" typeface="Mangal"/>
+        <a:font script="Telu" typeface="Gautami"/>
+        <a:font script="Taml" typeface="Latha"/>
+        <a:font script="Syrc" typeface="Estrangelo Edessa"/>
+        <a:font script="Orya" typeface="Kalinga"/>
+        <a:font script="Mlym" typeface="Kartika"/>
+        <a:font script="Laoo" typeface="DokChampa"/>
+        <a:font script="Sinh" typeface="Iskoola Pota"/>
+        <a:font script="Mong" typeface="Mongolian Baiti"/>
+        <a:font script="Viet" typeface="Times New Roman"/>
+        <a:font script="Uigh" typeface="Microsoft Uighur"/>
       </a:majorFont>
       <a:minorFont>
         <a:latin typeface="Arial"/>
         <a:ea typeface=""/>
         <a:cs typeface=""/>
-        <a:font typeface="ＭＳ Ｐゴシック" script="Jpan"/>
-        <a:font typeface="맑은 고딕" script="Hang"/>
-        <a:font typeface="宋体" script="Hans"/>
-        <a:font typeface="新細明體" script="Hant"/>
-        <a:font typeface="Times New Roman" script="Arab"/>
-        <a:font typeface="Times New Roman" script="Hebr"/>
-        <a:font typeface="Angsana New" script="Thai"/>
-        <a:font typeface="Nyala" script="Ethi"/>
-        <a:font typeface="Vrinda" script="Beng"/>
-        <a:font typeface="Shruti" script="Gujr"/>
-        <a:font typeface="MoolBoran" script="Khmr"/>
-        <a:font typeface="Tunga" script="Knda"/>
-        <a:font typeface="Raavi" script="Guru"/>
-        <a:font typeface="Euphemia" script="Cans"/>
-        <a:font typeface="Plantagenet Cherokee" script="Cher"/>
-        <a:font typeface="Microsoft Yi Baiti" script="Yiii"/>
-        <a:font typeface="Microsoft Himalaya" script="Tibt"/>
-        <a:font typeface="MV Boli" script="Thaa"/>
-        <a:font typeface="Mangal" script="Deva"/>
-        <a:font typeface="Gautami" script="Telu"/>
-        <a:font typeface="Latha" script="Taml"/>
-        <a:font typeface="Estrangelo Edessa" script="Syrc"/>
-        <a:font typeface="Kalinga" script="Orya"/>
-        <a:font typeface="Kartika" script="Mlym"/>
-        <a:font typeface="DokChampa" script="Laoo"/>
-        <a:font typeface="Iskoola Pota" script="Sinh"/>
-        <a:font typeface="Mongolian Baiti" script="Mong"/>
-        <a:font typeface="Times New Roman" script="Viet"/>
-        <a:font typeface="Microsoft Uighur" script="Uigh"/>
+        <a:font script="Jpan" typeface="ＭＳ Ｐゴシック"/>
+        <a:font script="Hang" typeface="맑은 고딕"/>
+        <a:font script="Hans" typeface="宋体"/>
+        <a:font script="Hant" typeface="新細明體"/>
+        <a:font script="Arab" typeface="Times New Roman"/>
+        <a:font script="Hebr" typeface="Times New Roman"/>
+        <a:font script="Thai" typeface="Angsana New"/>
+        <a:font script="Ethi" typeface="Nyala"/>
+        <a:font script="Beng" typeface="Vrinda"/>
+        <a:font script="Gujr" typeface="Shruti"/>
+        <a:font script="Khmr" typeface="MoolBoran"/>
+        <a:font script="Knda" typeface="Tunga"/>
+        <a:font script="Guru" typeface="Raavi"/>
+        <a:font script="Cans" typeface="Euphemia"/>
+        <a:font script="Cher" typeface="Plantagenet Cherokee"/>
+        <a:font script="Yiii" typeface="Microsoft Yi Baiti"/>
+        <a:font script="Tibt" typeface="Microsoft Himalaya"/>
+        <a:font script="Thaa" typeface="MV Boli"/>
+        <a:font script="Deva" typeface="Mangal"/>
+        <a:font script="Telu" typeface="Gautami"/>
+        <a:font script="Taml" typeface="Latha"/>
+        <a:font script="Syrc" typeface="Estrangelo Edessa"/>
+        <a:font script="Orya" typeface="Kalinga"/>
+        <a:font script="Mlym" typeface="Kartika"/>
+        <a:font script="Laoo" typeface="DokChampa"/>
+        <a:font script="Sinh" typeface="Iskoola Pota"/>
+        <a:font script="Mong" typeface="Mongolian Baiti"/>
+        <a:font script="Viet" typeface="Times New Roman"/>
+        <a:font script="Uigh" typeface="Microsoft Uighur"/>
       </a:minorFont>
     </a:fontScheme>
     <a:fmtScheme name="Office">
@@ -7102,7 +7439,7 @@
         </a:gradFill>
       </a:fillStyleLst>
       <a:lnStyleLst>
-        <a:ln w="9525" algn="ctr" cap="flat" cmpd="sng">
+        <a:ln w="9525" cap="flat" cmpd="sng" algn="ctr">
           <a:solidFill>
             <a:schemeClr val="phClr">
               <a:shade val="95000"/>
@@ -7111,13 +7448,13 @@
           </a:solidFill>
           <a:prstDash val="solid"/>
         </a:ln>
-        <a:ln w="25400" algn="ctr" cap="flat" cmpd="sng">
+        <a:ln w="25400" cap="flat" cmpd="sng" algn="ctr">
           <a:solidFill>
             <a:schemeClr val="phClr"/>
           </a:solidFill>
           <a:prstDash val="solid"/>
         </a:ln>
-        <a:ln w="38100" algn="ctr" cap="flat" cmpd="sng">
+        <a:ln w="38100" cap="flat" cmpd="sng" algn="ctr">
           <a:solidFill>
             <a:schemeClr val="phClr"/>
           </a:solidFill>
@@ -7127,7 +7464,7 @@
       <a:effectStyleLst>
         <a:effectStyle>
           <a:effectLst>
-            <a:outerShdw rotWithShape="0" dir="5400000" blurRad="40000" dist="20000">
+            <a:outerShdw blurRad="40000" dist="20000" dir="5400000" rotWithShape="0">
               <a:srgbClr val="000000">
                 <a:alpha val="38000"/>
               </a:srgbClr>
@@ -7136,7 +7473,7 @@
         </a:effectStyle>
         <a:effectStyle>
           <a:effectLst>
-            <a:outerShdw rotWithShape="0" dir="5400000" blurRad="40000" dist="23000">
+            <a:outerShdw blurRad="40000" dist="23000" dir="5400000" rotWithShape="0">
               <a:srgbClr val="000000">
                 <a:alpha val="35000"/>
               </a:srgbClr>
@@ -7145,7 +7482,7 @@
         </a:effectStyle>
         <a:effectStyle>
           <a:effectLst>
-            <a:outerShdw rotWithShape="0" dir="5400000" blurRad="40000" dist="23000">
+            <a:outerShdw blurRad="40000" dist="23000" dir="5400000" rotWithShape="0">
               <a:srgbClr val="000000">
                 <a:alpha val="35000"/>
               </a:srgbClr>
@@ -7153,10 +7490,10 @@
           </a:effectLst>
           <a:scene3d>
             <a:camera prst="orthographicFront">
-              <a:rot rev="0" lon="0" lat="0"/>
+              <a:rot lat="0" lon="0" rev="0"/>
             </a:camera>
-            <a:lightRig dir="t" rig="threePt">
-              <a:rot rev="1200000" lon="0" lat="0"/>
+            <a:lightRig rig="threePt" dir="t">
+              <a:rot lat="0" lon="0" rev="1200000"/>
             </a:lightRig>
           </a:scene3d>
           <a:sp3d>
@@ -7191,7 +7528,7 @@
             </a:gs>
           </a:gsLst>
           <a:path path="circle">
-            <a:fillToRect t="-80000" b="180000" r="50000" l="50000"/>
+            <a:fillToRect l="50000" t="-80000" r="50000" b="180000"/>
           </a:path>
         </a:gradFill>
         <a:gradFill rotWithShape="1">
@@ -7210,328 +7547,13 @@
             </a:gs>
           </a:gsLst>
           <a:path path="circle">
-            <a:fillToRect t="50000" b="50000" r="50000" l="50000"/>
+            <a:fillToRect l="50000" t="50000" r="50000" b="50000"/>
           </a:path>
         </a:gradFill>
       </a:bgFillStyleLst>
     </a:fmtScheme>
   </a:themeElements>
-  <a:objectDefaults>
-    <a:spDef>
-      <a:spPr/>
-      <a:bodyPr/>
-      <a:lstStyle/>
-      <a:style>
-        <a:lnRef idx="1">
-          <a:schemeClr val="accent1"/>
-        </a:lnRef>
-        <a:fillRef idx="3">
-          <a:schemeClr val="accent1"/>
-        </a:fillRef>
-        <a:effectRef idx="2">
-          <a:schemeClr val="accent1"/>
-        </a:effectRef>
-        <a:fontRef idx="minor">
-          <a:schemeClr val="lt1"/>
-        </a:fontRef>
-      </a:style>
-    </a:spDef>
-    <a:lnDef>
-      <a:spPr/>
-      <a:bodyPr/>
-      <a:lstStyle/>
-      <a:style>
-        <a:lnRef idx="2">
-          <a:schemeClr val="accent1"/>
-        </a:lnRef>
-        <a:fillRef idx="0">
-          <a:schemeClr val="accent1"/>
-        </a:fillRef>
-        <a:effectRef idx="1">
-          <a:schemeClr val="accent1"/>
-        </a:effectRef>
-        <a:fontRef idx="minor">
-          <a:schemeClr val="tx1"/>
-        </a:fontRef>
-      </a:style>
-    </a:lnDef>
-  </a:objectDefaults>
-</a:theme>
-</file>
-
-<file path=ppt/theme/theme3.xml><?xml version="1.0" encoding="utf-8"?>
-<a:theme xmlns:a="http://schemas.openxmlformats.org/drawingml/2006/main" xmlns:r="http://schemas.openxmlformats.org/officeDocument/2006/relationships" name="Custom Theme">
-  <a:themeElements>
-    <a:clrScheme name="Default">
-      <a:dk1>
-        <a:srgbClr val="000000"/>
-      </a:dk1>
-      <a:lt1>
-        <a:srgbClr val="FFFFFF"/>
-      </a:lt1>
-      <a:dk2>
-        <a:srgbClr val="158158"/>
-      </a:dk2>
-      <a:lt2>
-        <a:srgbClr val="F3F3F3"/>
-      </a:lt2>
-      <a:accent1>
-        <a:srgbClr val="058DC7"/>
-      </a:accent1>
-      <a:accent2>
-        <a:srgbClr val="50B432"/>
-      </a:accent2>
-      <a:accent3>
-        <a:srgbClr val="ED561B"/>
-      </a:accent3>
-      <a:accent4>
-        <a:srgbClr val="EDEF00"/>
-      </a:accent4>
-      <a:accent5>
-        <a:srgbClr val="24CBE5"/>
-      </a:accent5>
-      <a:accent6>
-        <a:srgbClr val="64E572"/>
-      </a:accent6>
-      <a:hlink>
-        <a:srgbClr val="2200CC"/>
-      </a:hlink>
-      <a:folHlink>
-        <a:srgbClr val="551A8B"/>
-      </a:folHlink>
-    </a:clrScheme>
-    <a:fontScheme name="Office">
-      <a:majorFont>
-        <a:latin typeface="Arial"/>
-        <a:ea typeface=""/>
-        <a:cs typeface=""/>
-        <a:font typeface="ＭＳ Ｐゴシック" script="Jpan"/>
-        <a:font typeface="맑은 고딕" script="Hang"/>
-        <a:font typeface="宋体" script="Hans"/>
-        <a:font typeface="新細明體" script="Hant"/>
-        <a:font typeface="Times New Roman" script="Arab"/>
-        <a:font typeface="Times New Roman" script="Hebr"/>
-        <a:font typeface="Angsana New" script="Thai"/>
-        <a:font typeface="Nyala" script="Ethi"/>
-        <a:font typeface="Vrinda" script="Beng"/>
-        <a:font typeface="Shruti" script="Gujr"/>
-        <a:font typeface="MoolBoran" script="Khmr"/>
-        <a:font typeface="Tunga" script="Knda"/>
-        <a:font typeface="Raavi" script="Guru"/>
-        <a:font typeface="Euphemia" script="Cans"/>
-        <a:font typeface="Plantagenet Cherokee" script="Cher"/>
-        <a:font typeface="Microsoft Yi Baiti" script="Yiii"/>
-        <a:font typeface="Microsoft Himalaya" script="Tibt"/>
-        <a:font typeface="MV Boli" script="Thaa"/>
-        <a:font typeface="Mangal" script="Deva"/>
-        <a:font typeface="Gautami" script="Telu"/>
-        <a:font typeface="Latha" script="Taml"/>
-        <a:font typeface="Estrangelo Edessa" script="Syrc"/>
-        <a:font typeface="Kalinga" script="Orya"/>
-        <a:font typeface="Kartika" script="Mlym"/>
-        <a:font typeface="DokChampa" script="Laoo"/>
-        <a:font typeface="Iskoola Pota" script="Sinh"/>
-        <a:font typeface="Mongolian Baiti" script="Mong"/>
-        <a:font typeface="Times New Roman" script="Viet"/>
-        <a:font typeface="Microsoft Uighur" script="Uigh"/>
-      </a:majorFont>
-      <a:minorFont>
-        <a:latin typeface="Arial"/>
-        <a:ea typeface=""/>
-        <a:cs typeface=""/>
-        <a:font typeface="ＭＳ Ｐゴシック" script="Jpan"/>
-        <a:font typeface="맑은 고딕" script="Hang"/>
-        <a:font typeface="宋体" script="Hans"/>
-        <a:font typeface="新細明體" script="Hant"/>
-        <a:font typeface="Times New Roman" script="Arab"/>
-        <a:font typeface="Times New Roman" script="Hebr"/>
-        <a:font typeface="Angsana New" script="Thai"/>
-        <a:font typeface="Nyala" script="Ethi"/>
-        <a:font typeface="Vrinda" script="Beng"/>
-        <a:font typeface="Shruti" script="Gujr"/>
-        <a:font typeface="MoolBoran" script="Khmr"/>
-        <a:font typeface="Tunga" script="Knda"/>
-        <a:font typeface="Raavi" script="Guru"/>
-        <a:font typeface="Euphemia" script="Cans"/>
-        <a:font typeface="Plantagenet Cherokee" script="Cher"/>
-        <a:font typeface="Microsoft Yi Baiti" script="Yiii"/>
-        <a:font typeface="Microsoft Himalaya" script="Tibt"/>
-        <a:font typeface="MV Boli" script="Thaa"/>
-        <a:font typeface="Mangal" script="Deva"/>
-        <a:font typeface="Gautami" script="Telu"/>
-        <a:font typeface="Latha" script="Taml"/>
-        <a:font typeface="Estrangelo Edessa" script="Syrc"/>
-        <a:font typeface="Kalinga" script="Orya"/>
-        <a:font typeface="Kartika" script="Mlym"/>
-        <a:font typeface="DokChampa" script="Laoo"/>
-        <a:font typeface="Iskoola Pota" script="Sinh"/>
-        <a:font typeface="Mongolian Baiti" script="Mong"/>
-        <a:font typeface="Times New Roman" script="Viet"/>
-        <a:font typeface="Microsoft Uighur" script="Uigh"/>
-      </a:minorFont>
-    </a:fontScheme>
-    <a:fmtScheme name="Office">
-      <a:fillStyleLst>
-        <a:solidFill>
-          <a:schemeClr val="phClr"/>
-        </a:solidFill>
-        <a:gradFill rotWithShape="1">
-          <a:gsLst>
-            <a:gs pos="0">
-              <a:schemeClr val="phClr">
-                <a:tint val="50000"/>
-                <a:satMod val="300000"/>
-              </a:schemeClr>
-            </a:gs>
-            <a:gs pos="35000">
-              <a:schemeClr val="phClr">
-                <a:tint val="37000"/>
-                <a:satMod val="300000"/>
-              </a:schemeClr>
-            </a:gs>
-            <a:gs pos="100000">
-              <a:schemeClr val="phClr">
-                <a:tint val="15000"/>
-                <a:satMod val="350000"/>
-              </a:schemeClr>
-            </a:gs>
-          </a:gsLst>
-          <a:lin ang="16200000" scaled="1"/>
-        </a:gradFill>
-        <a:gradFill rotWithShape="1">
-          <a:gsLst>
-            <a:gs pos="0">
-              <a:schemeClr val="phClr">
-                <a:tint val="100000"/>
-                <a:shade val="100000"/>
-                <a:satMod val="130000"/>
-              </a:schemeClr>
-            </a:gs>
-            <a:gs pos="100000">
-              <a:schemeClr val="phClr">
-                <a:tint val="50000"/>
-                <a:shade val="100000"/>
-                <a:satMod val="350000"/>
-              </a:schemeClr>
-            </a:gs>
-          </a:gsLst>
-          <a:lin ang="16200000" scaled="0"/>
-        </a:gradFill>
-      </a:fillStyleLst>
-      <a:lnStyleLst>
-        <a:ln w="9525" algn="ctr" cap="flat" cmpd="sng">
-          <a:solidFill>
-            <a:schemeClr val="phClr">
-              <a:shade val="95000"/>
-              <a:satMod val="105000"/>
-            </a:schemeClr>
-          </a:solidFill>
-          <a:prstDash val="solid"/>
-        </a:ln>
-        <a:ln w="25400" algn="ctr" cap="flat" cmpd="sng">
-          <a:solidFill>
-            <a:schemeClr val="phClr"/>
-          </a:solidFill>
-          <a:prstDash val="solid"/>
-        </a:ln>
-        <a:ln w="38100" algn="ctr" cap="flat" cmpd="sng">
-          <a:solidFill>
-            <a:schemeClr val="phClr"/>
-          </a:solidFill>
-          <a:prstDash val="solid"/>
-        </a:ln>
-      </a:lnStyleLst>
-      <a:effectStyleLst>
-        <a:effectStyle>
-          <a:effectLst>
-            <a:outerShdw rotWithShape="0" dir="5400000" blurRad="40000" dist="20000">
-              <a:srgbClr val="000000">
-                <a:alpha val="38000"/>
-              </a:srgbClr>
-            </a:outerShdw>
-          </a:effectLst>
-        </a:effectStyle>
-        <a:effectStyle>
-          <a:effectLst>
-            <a:outerShdw rotWithShape="0" dir="5400000" blurRad="40000" dist="23000">
-              <a:srgbClr val="000000">
-                <a:alpha val="35000"/>
-              </a:srgbClr>
-            </a:outerShdw>
-          </a:effectLst>
-        </a:effectStyle>
-        <a:effectStyle>
-          <a:effectLst>
-            <a:outerShdw rotWithShape="0" dir="5400000" blurRad="40000" dist="23000">
-              <a:srgbClr val="000000">
-                <a:alpha val="35000"/>
-              </a:srgbClr>
-            </a:outerShdw>
-          </a:effectLst>
-          <a:scene3d>
-            <a:camera prst="orthographicFront">
-              <a:rot rev="0" lon="0" lat="0"/>
-            </a:camera>
-            <a:lightRig dir="t" rig="threePt">
-              <a:rot rev="1200000" lon="0" lat="0"/>
-            </a:lightRig>
-          </a:scene3d>
-          <a:sp3d>
-            <a:bevelT w="63500" h="25400"/>
-          </a:sp3d>
-        </a:effectStyle>
-      </a:effectStyleLst>
-      <a:bgFillStyleLst>
-        <a:solidFill>
-          <a:schemeClr val="phClr"/>
-        </a:solidFill>
-        <a:gradFill rotWithShape="1">
-          <a:gsLst>
-            <a:gs pos="0">
-              <a:schemeClr val="phClr">
-                <a:tint val="40000"/>
-                <a:satMod val="350000"/>
-              </a:schemeClr>
-            </a:gs>
-            <a:gs pos="40000">
-              <a:schemeClr val="phClr">
-                <a:tint val="45000"/>
-                <a:shade val="99000"/>
-                <a:satMod val="350000"/>
-              </a:schemeClr>
-            </a:gs>
-            <a:gs pos="100000">
-              <a:schemeClr val="phClr">
-                <a:shade val="20000"/>
-                <a:satMod val="255000"/>
-              </a:schemeClr>
-            </a:gs>
-          </a:gsLst>
-          <a:path path="circle">
-            <a:fillToRect t="-80000" b="180000" r="50000" l="50000"/>
-          </a:path>
-        </a:gradFill>
-        <a:gradFill rotWithShape="1">
-          <a:gsLst>
-            <a:gs pos="0">
-              <a:schemeClr val="phClr">
-                <a:tint val="80000"/>
-                <a:satMod val="300000"/>
-              </a:schemeClr>
-            </a:gs>
-            <a:gs pos="100000">
-              <a:schemeClr val="phClr">
-                <a:shade val="30000"/>
-                <a:satMod val="200000"/>
-              </a:schemeClr>
-            </a:gs>
-          </a:gsLst>
-          <a:path path="circle">
-            <a:fillToRect t="50000" b="50000" r="50000" l="50000"/>
-          </a:path>
-        </a:gradFill>
-      </a:bgFillStyleLst>
-    </a:fmtScheme>
-  </a:themeElements>
+  <a:objectDefaults/>
+  <a:extraClrSchemeLst/>
 </a:theme>
 </file>